--- a/docker/05_Dockerfiles.pptx
+++ b/docker/05_Dockerfiles.pptx
@@ -11,15 +11,15 @@
     <p:handoutMasterId r:id="rId13"/>
   </p:handoutMasterIdLst>
   <p:sldIdLst>
-    <p:sldId id="435" r:id="rId2"/>
-    <p:sldId id="434" r:id="rId3"/>
-    <p:sldId id="382" r:id="rId4"/>
-    <p:sldId id="436" r:id="rId5"/>
-    <p:sldId id="437" r:id="rId6"/>
-    <p:sldId id="441" r:id="rId7"/>
-    <p:sldId id="438" r:id="rId8"/>
-    <p:sldId id="439" r:id="rId9"/>
-    <p:sldId id="440" r:id="rId10"/>
+    <p:sldId id="434" r:id="rId2"/>
+    <p:sldId id="382" r:id="rId3"/>
+    <p:sldId id="436" r:id="rId4"/>
+    <p:sldId id="437" r:id="rId5"/>
+    <p:sldId id="441" r:id="rId6"/>
+    <p:sldId id="438" r:id="rId7"/>
+    <p:sldId id="439" r:id="rId8"/>
+    <p:sldId id="440" r:id="rId9"/>
+    <p:sldId id="442" r:id="rId10"/>
     <p:sldId id="265" r:id="rId11"/>
   </p:sldIdLst>
   <p:sldSz cx="12195175" cy="6858000"/>
@@ -8101,35 +8101,7 @@
       </p:grpSpPr>
       <p:sp>
         <p:nvSpPr>
-          <p:cNvPr id="3" name="Subtitle 2"/>
-          <p:cNvSpPr>
-            <a:spLocks noGrp="1"/>
-          </p:cNvSpPr>
-          <p:nvPr>
-            <p:ph type="subTitle" idx="1"/>
-          </p:nvPr>
-        </p:nvSpPr>
-        <p:spPr/>
-        <p:txBody>
-          <a:bodyPr/>
-          <a:lstStyle/>
-          <a:p>
-            <a:r>
-              <a:rPr lang="en-US" dirty="0"/>
-              <a:t>Thomas Buchner, STS Infrastructure</a:t>
-            </a:r>
-          </a:p>
-          <a:p>
-            <a:r>
-              <a:rPr lang="en-US" dirty="0"/>
-              <a:t>Hendrik Kahl, SLV ABAP Component Validation</a:t>
-            </a:r>
-          </a:p>
-        </p:txBody>
-      </p:sp>
-      <p:sp>
-        <p:nvSpPr>
-          <p:cNvPr id="4" name="Text Placeholder 3"/>
+          <p:cNvPr id="17" name="Text Placeholder 16"/>
           <p:cNvSpPr>
             <a:spLocks noGrp="1"/>
           </p:cNvSpPr>
@@ -8137,125 +8109,52 @@
             <p:ph type="body" sz="quarter" idx="14"/>
           </p:nvPr>
         </p:nvSpPr>
-        <p:spPr>
-          <a:xfrm>
-            <a:off x="288000" y="4024430"/>
-            <a:ext cx="10899174" cy="997196"/>
-          </a:xfrm>
-        </p:spPr>
+        <p:spPr/>
         <p:txBody>
           <a:bodyPr/>
           <a:lstStyle/>
           <a:p>
             <a:r>
               <a:rPr lang="en-US" dirty="0"/>
-              <a:t>Docker and Kubernetes</a:t>
-            </a:r>
-          </a:p>
-          <a:p>
+              <a:t>Creating images with</a:t>
+            </a:r>
+            <a:br>
+              <a:rPr lang="en-US" dirty="0"/>
+            </a:br>
             <a:r>
               <a:rPr lang="en-US" dirty="0">
                 <a:solidFill>
                   <a:schemeClr val="accent1"/>
                 </a:solidFill>
               </a:rPr>
-              <a:t>Hands-On Training</a:t>
-            </a:r>
-            <a:endParaRPr lang="en-US" dirty="0">
-              <a:solidFill>
-                <a:srgbClr val="FFC000"/>
-              </a:solidFill>
-            </a:endParaRPr>
+              <a:t>Dockerfiles</a:t>
+            </a:r>
           </a:p>
         </p:txBody>
       </p:sp>
       <p:pic>
         <p:nvPicPr>
-          <p:cNvPr id="14" name="Picture Placeholder 13"/>
+          <p:cNvPr id="5" name="Picture Placeholder 4"/>
           <p:cNvPicPr>
             <a:picLocks noGrp="1" noChangeAspect="1"/>
           </p:cNvPicPr>
           <p:nvPr>
-            <p:ph type="pic" sz="quarter" idx="12"/>
+            <p:ph type="pic" sz="quarter" idx="16"/>
           </p:nvPr>
         </p:nvPicPr>
         <p:blipFill>
           <a:blip r:embed="rId2"/>
-          <a:srcRect l="10" r="10"/>
+          <a:srcRect t="16" b="16"/>
           <a:stretch>
             <a:fillRect/>
           </a:stretch>
         </p:blipFill>
-        <p:spPr>
-          <a:prstGeom prst="rect">
-            <a:avLst/>
-          </a:prstGeom>
-        </p:spPr>
-      </p:pic>
-      <p:pic>
-        <p:nvPicPr>
-          <p:cNvPr id="5" name="Picture 1" descr="cid:image003.png@01D31CC6.A08B1C50">
-            <a:extLst>
-              <a:ext uri="{FF2B5EF4-FFF2-40B4-BE49-F238E27FC236}">
-                <a16:creationId xmlns:a16="http://schemas.microsoft.com/office/drawing/2014/main" id="{F883A178-114D-4743-BB62-E1E428BEE586}"/>
-              </a:ext>
-            </a:extLst>
-          </p:cNvPr>
-          <p:cNvPicPr>
-            <a:picLocks noChangeAspect="1" noChangeArrowheads="1"/>
-          </p:cNvPicPr>
-          <p:nvPr/>
-        </p:nvPicPr>
-        <p:blipFill>
-          <a:blip r:embed="rId3">
-            <a:extLst>
-              <a:ext uri="{28A0092B-C50C-407E-A947-70E740481C1C}">
-                <a14:useLocalDpi xmlns:a14="http://schemas.microsoft.com/office/drawing/2010/main" val="0"/>
-              </a:ext>
-            </a:extLst>
-          </a:blip>
-          <a:srcRect/>
-          <a:stretch>
-            <a:fillRect/>
-          </a:stretch>
-        </p:blipFill>
-        <p:spPr bwMode="auto">
-          <a:xfrm>
-            <a:off x="10780713" y="5721975"/>
-            <a:ext cx="1414463" cy="1136025"/>
-          </a:xfrm>
-          <a:prstGeom prst="rect">
-            <a:avLst/>
-          </a:prstGeom>
-          <a:noFill/>
-          <a:ln>
-            <a:noFill/>
-          </a:ln>
-          <a:extLst>
-            <a:ext uri="{909E8E84-426E-40DD-AFC4-6F175D3DCCD1}">
-              <a14:hiddenFill xmlns:a14="http://schemas.microsoft.com/office/drawing/2010/main">
-                <a:solidFill>
-                  <a:srgbClr val="FFFFFF"/>
-                </a:solidFill>
-              </a14:hiddenFill>
-            </a:ext>
-            <a:ext uri="{91240B29-F687-4F45-9708-019B960494DF}">
-              <a14:hiddenLine xmlns:a14="http://schemas.microsoft.com/office/drawing/2010/main" w="9525">
-                <a:solidFill>
-                  <a:srgbClr val="000000"/>
-                </a:solidFill>
-                <a:miter lim="800000"/>
-                <a:headEnd/>
-                <a:tailEnd/>
-              </a14:hiddenLine>
-            </a:ext>
-          </a:extLst>
-        </p:spPr>
+        <p:spPr/>
       </p:pic>
     </p:spTree>
     <p:extLst>
       <p:ext uri="{BB962C8B-B14F-4D97-AF65-F5344CB8AC3E}">
-        <p14:creationId xmlns:p14="http://schemas.microsoft.com/office/powerpoint/2010/main" val="1386431285"/>
+        <p14:creationId xmlns:p14="http://schemas.microsoft.com/office/powerpoint/2010/main" val="1786748081"/>
       </p:ext>
     </p:extLst>
   </p:cSld>
@@ -8292,88 +8191,6 @@
 </file>
 
 <file path=ppt/slides/slide2.xml><?xml version="1.0" encoding="utf-8"?>
-<p:sld xmlns:a="http://schemas.openxmlformats.org/drawingml/2006/main" xmlns:r="http://schemas.openxmlformats.org/officeDocument/2006/relationships" xmlns:p="http://schemas.openxmlformats.org/presentationml/2006/main">
-  <p:cSld>
-    <p:spTree>
-      <p:nvGrpSpPr>
-        <p:cNvPr id="1" name=""/>
-        <p:cNvGrpSpPr/>
-        <p:nvPr/>
-      </p:nvGrpSpPr>
-      <p:grpSpPr>
-        <a:xfrm>
-          <a:off x="0" y="0"/>
-          <a:ext cx="0" cy="0"/>
-          <a:chOff x="0" y="0"/>
-          <a:chExt cx="0" cy="0"/>
-        </a:xfrm>
-      </p:grpSpPr>
-      <p:sp>
-        <p:nvSpPr>
-          <p:cNvPr id="17" name="Text Placeholder 16"/>
-          <p:cNvSpPr>
-            <a:spLocks noGrp="1"/>
-          </p:cNvSpPr>
-          <p:nvPr>
-            <p:ph type="body" sz="quarter" idx="14"/>
-          </p:nvPr>
-        </p:nvSpPr>
-        <p:spPr/>
-        <p:txBody>
-          <a:bodyPr/>
-          <a:lstStyle/>
-          <a:p>
-            <a:r>
-              <a:rPr lang="en-US" dirty="0"/>
-              <a:t>Creating images with</a:t>
-            </a:r>
-            <a:br>
-              <a:rPr lang="en-US" dirty="0"/>
-            </a:br>
-            <a:r>
-              <a:rPr lang="en-US" dirty="0">
-                <a:solidFill>
-                  <a:schemeClr val="accent1"/>
-                </a:solidFill>
-              </a:rPr>
-              <a:t>Dockerfiles</a:t>
-            </a:r>
-          </a:p>
-        </p:txBody>
-      </p:sp>
-      <p:pic>
-        <p:nvPicPr>
-          <p:cNvPr id="5" name="Picture Placeholder 4"/>
-          <p:cNvPicPr>
-            <a:picLocks noGrp="1" noChangeAspect="1"/>
-          </p:cNvPicPr>
-          <p:nvPr>
-            <p:ph type="pic" sz="quarter" idx="16"/>
-          </p:nvPr>
-        </p:nvPicPr>
-        <p:blipFill>
-          <a:blip r:embed="rId2"/>
-          <a:srcRect t="16" b="16"/>
-          <a:stretch>
-            <a:fillRect/>
-          </a:stretch>
-        </p:blipFill>
-        <p:spPr/>
-      </p:pic>
-    </p:spTree>
-    <p:extLst>
-      <p:ext uri="{BB962C8B-B14F-4D97-AF65-F5344CB8AC3E}">
-        <p14:creationId xmlns:p14="http://schemas.microsoft.com/office/powerpoint/2010/main" val="1786748081"/>
-      </p:ext>
-    </p:extLst>
-  </p:cSld>
-  <p:clrMapOvr>
-    <a:masterClrMapping/>
-  </p:clrMapOvr>
-</p:sld>
-</file>
-
-<file path=ppt/slides/slide3.xml><?xml version="1.0" encoding="utf-8"?>
 <p:sld xmlns:a="http://schemas.openxmlformats.org/drawingml/2006/main" xmlns:r="http://schemas.openxmlformats.org/officeDocument/2006/relationships" xmlns:p="http://schemas.openxmlformats.org/presentationml/2006/main">
   <p:cSld>
     <p:spTree>
@@ -9184,7 +9001,7 @@
 </p:sld>
 </file>
 
-<file path=ppt/slides/slide4.xml><?xml version="1.0" encoding="utf-8"?>
+<file path=ppt/slides/slide3.xml><?xml version="1.0" encoding="utf-8"?>
 <p:sld xmlns:a="http://schemas.openxmlformats.org/drawingml/2006/main" xmlns:r="http://schemas.openxmlformats.org/officeDocument/2006/relationships" xmlns:p="http://schemas.openxmlformats.org/presentationml/2006/main">
   <p:cSld>
     <p:spTree>
@@ -9770,7 +9587,7 @@
 </p:sld>
 </file>
 
-<file path=ppt/slides/slide5.xml><?xml version="1.0" encoding="utf-8"?>
+<file path=ppt/slides/slide4.xml><?xml version="1.0" encoding="utf-8"?>
 <p:sld xmlns:a="http://schemas.openxmlformats.org/drawingml/2006/main" xmlns:r="http://schemas.openxmlformats.org/officeDocument/2006/relationships" xmlns:p="http://schemas.openxmlformats.org/presentationml/2006/main">
   <p:cSld>
     <p:spTree>
@@ -10542,6 +10359,310 @@
     <p:extLst>
       <p:ext uri="{BB962C8B-B14F-4D97-AF65-F5344CB8AC3E}">
         <p14:creationId xmlns:p14="http://schemas.microsoft.com/office/powerpoint/2010/main" val="4084481888"/>
+      </p:ext>
+    </p:extLst>
+  </p:cSld>
+  <p:clrMapOvr>
+    <a:masterClrMapping/>
+  </p:clrMapOvr>
+</p:sld>
+</file>
+
+<file path=ppt/slides/slide5.xml><?xml version="1.0" encoding="utf-8"?>
+<p:sld xmlns:a="http://schemas.openxmlformats.org/drawingml/2006/main" xmlns:r="http://schemas.openxmlformats.org/officeDocument/2006/relationships" xmlns:p="http://schemas.openxmlformats.org/presentationml/2006/main">
+  <p:cSld>
+    <p:spTree>
+      <p:nvGrpSpPr>
+        <p:cNvPr id="1" name=""/>
+        <p:cNvGrpSpPr/>
+        <p:nvPr/>
+      </p:nvGrpSpPr>
+      <p:grpSpPr>
+        <a:xfrm>
+          <a:off x="0" y="0"/>
+          <a:ext cx="0" cy="0"/>
+          <a:chOff x="0" y="0"/>
+          <a:chExt cx="0" cy="0"/>
+        </a:xfrm>
+      </p:grpSpPr>
+      <p:sp>
+        <p:nvSpPr>
+          <p:cNvPr id="2" name="Text Placeholder 1"/>
+          <p:cNvSpPr>
+            <a:spLocks noGrp="1"/>
+          </p:cNvSpPr>
+          <p:nvPr>
+            <p:ph type="body" sz="quarter" idx="10"/>
+          </p:nvPr>
+        </p:nvSpPr>
+        <p:spPr>
+          <a:xfrm>
+            <a:off x="504000" y="1506788"/>
+            <a:ext cx="5328000" cy="2081143"/>
+          </a:xfrm>
+        </p:spPr>
+        <p:txBody>
+          <a:bodyPr lIns="36000" tIns="36000" rIns="36000" bIns="36000"/>
+          <a:lstStyle/>
+          <a:p>
+            <a:r>
+              <a:rPr lang="en-US" b="1" dirty="0"/>
+              <a:t>LABEL</a:t>
+            </a:r>
+          </a:p>
+          <a:p>
+            <a:pPr lvl="1"/>
+            <a:r>
+              <a:rPr lang="en-US" dirty="0"/>
+              <a:t>sets meta-data of an image</a:t>
+            </a:r>
+          </a:p>
+          <a:p>
+            <a:pPr lvl="1"/>
+            <a:r>
+              <a:rPr lang="en-US" dirty="0"/>
+              <a:t>labels are key-value pairs</a:t>
+            </a:r>
+          </a:p>
+        </p:txBody>
+      </p:sp>
+      <p:sp>
+        <p:nvSpPr>
+          <p:cNvPr id="4" name="Title 3"/>
+          <p:cNvSpPr>
+            <a:spLocks noGrp="1"/>
+          </p:cNvSpPr>
+          <p:nvPr>
+            <p:ph type="title"/>
+          </p:nvPr>
+        </p:nvSpPr>
+        <p:spPr/>
+        <p:txBody>
+          <a:bodyPr/>
+          <a:lstStyle/>
+          <a:p>
+            <a:r>
+              <a:rPr lang="en-US" dirty="0"/>
+              <a:t>Dockerfile directives (2)</a:t>
+            </a:r>
+          </a:p>
+        </p:txBody>
+      </p:sp>
+      <p:sp>
+        <p:nvSpPr>
+          <p:cNvPr id="7" name="Text Placeholder 1"/>
+          <p:cNvSpPr txBox="1">
+            <a:spLocks/>
+          </p:cNvSpPr>
+          <p:nvPr/>
+        </p:nvSpPr>
+        <p:spPr bwMode="gray">
+          <a:xfrm>
+            <a:off x="504000" y="3735000"/>
+            <a:ext cx="5328000" cy="2308749"/>
+          </a:xfrm>
+          <a:prstGeom prst="rect">
+            <a:avLst/>
+          </a:prstGeom>
+          <a:solidFill>
+            <a:srgbClr val="FFF8E7"/>
+          </a:solidFill>
+        </p:spPr>
+        <p:txBody>
+          <a:bodyPr vert="horz" lIns="36000" tIns="36000" rIns="36000" bIns="36000" rtlCol="0">
+            <a:noAutofit/>
+          </a:bodyPr>
+          <a:lstStyle>
+            <a:lvl1pPr marL="0" indent="0" algn="l" defTabSz="1088558" rtl="0" eaLnBrk="1" latinLnBrk="0" hangingPunct="1">
+              <a:spcBef>
+                <a:spcPts val="1800"/>
+              </a:spcBef>
+              <a:buClr>
+                <a:schemeClr val="accent1"/>
+              </a:buClr>
+              <a:buSzPct val="80000"/>
+              <a:buFontTx/>
+              <a:buNone/>
+              <a:defRPr sz="2000" b="0" kern="1200">
+                <a:solidFill>
+                  <a:schemeClr val="tx1"/>
+                </a:solidFill>
+                <a:latin typeface="+mn-lt"/>
+                <a:ea typeface="+mn-ea"/>
+                <a:cs typeface="+mn-cs"/>
+              </a:defRPr>
+            </a:lvl1pPr>
+            <a:lvl2pPr marL="179964" indent="-179964" algn="l" defTabSz="1088558" rtl="0" eaLnBrk="1" latinLnBrk="0" hangingPunct="1">
+              <a:spcBef>
+                <a:spcPts val="600"/>
+              </a:spcBef>
+              <a:buClr>
+                <a:schemeClr val="accent1"/>
+              </a:buClr>
+              <a:buSzPct val="100000"/>
+              <a:buFont typeface="Wingdings" pitchFamily="2" charset="2"/>
+              <a:buChar char="§"/>
+              <a:defRPr sz="1800" kern="1200">
+                <a:solidFill>
+                  <a:schemeClr val="tx1"/>
+                </a:solidFill>
+                <a:latin typeface="+mn-lt"/>
+                <a:ea typeface="+mn-ea"/>
+                <a:cs typeface="+mn-cs"/>
+              </a:defRPr>
+            </a:lvl2pPr>
+            <a:lvl3pPr marL="358775" indent="-179388" algn="l" defTabSz="1088558" rtl="0" eaLnBrk="1" latinLnBrk="0" hangingPunct="1">
+              <a:spcBef>
+                <a:spcPts val="300"/>
+              </a:spcBef>
+              <a:buClr>
+                <a:schemeClr val="tx1"/>
+              </a:buClr>
+              <a:buSzPct val="100000"/>
+              <a:buFont typeface="Arial" panose="020B0604020202020204" pitchFamily="34" charset="0"/>
+              <a:buChar char="–"/>
+              <a:defRPr lang="en-US" sz="1800" kern="1200" noProof="0" dirty="0" smtClean="0">
+                <a:solidFill>
+                  <a:schemeClr val="tx1"/>
+                </a:solidFill>
+                <a:latin typeface="+mn-lt"/>
+                <a:ea typeface="+mn-ea"/>
+                <a:cs typeface="+mn-cs"/>
+              </a:defRPr>
+            </a:lvl3pPr>
+            <a:lvl4pPr marL="539892" indent="-179964" algn="l" defTabSz="1088558" rtl="0" eaLnBrk="1" latinLnBrk="0" hangingPunct="1">
+              <a:spcBef>
+                <a:spcPts val="300"/>
+              </a:spcBef>
+              <a:buClr>
+                <a:schemeClr val="tx1"/>
+              </a:buClr>
+              <a:buSzPct val="120000"/>
+              <a:buFont typeface="Arial" pitchFamily="34" charset="0"/>
+              <a:buChar char="▫"/>
+              <a:defRPr sz="1600" kern="1200">
+                <a:solidFill>
+                  <a:schemeClr val="tx1"/>
+                </a:solidFill>
+                <a:latin typeface="+mn-lt"/>
+                <a:ea typeface="+mn-ea"/>
+                <a:cs typeface="+mn-cs"/>
+              </a:defRPr>
+            </a:lvl4pPr>
+            <a:lvl5pPr marL="719856" indent="-179964" algn="l" defTabSz="1088558" rtl="0" eaLnBrk="1" latinLnBrk="0" hangingPunct="1">
+              <a:spcBef>
+                <a:spcPts val="100"/>
+              </a:spcBef>
+              <a:buClr>
+                <a:schemeClr val="tx1"/>
+              </a:buClr>
+              <a:buSzPct val="100000"/>
+              <a:buFont typeface="Symbol" panose="05050102010706020507" pitchFamily="18" charset="2"/>
+              <a:buChar char="-"/>
+              <a:defRPr sz="1400" kern="1200" baseline="0">
+                <a:solidFill>
+                  <a:schemeClr val="tx1"/>
+                </a:solidFill>
+                <a:latin typeface="+mn-lt"/>
+                <a:ea typeface="+mn-ea"/>
+                <a:cs typeface="+mn-cs"/>
+              </a:defRPr>
+            </a:lvl5pPr>
+            <a:lvl6pPr marL="2993535" indent="-272140" algn="l" defTabSz="1088558" rtl="0" eaLnBrk="1" latinLnBrk="0" hangingPunct="1">
+              <a:spcBef>
+                <a:spcPct val="20000"/>
+              </a:spcBef>
+              <a:buFont typeface="Arial" pitchFamily="34" charset="0"/>
+              <a:buChar char="•"/>
+              <a:defRPr sz="2400" kern="1200">
+                <a:solidFill>
+                  <a:schemeClr val="tx1"/>
+                </a:solidFill>
+                <a:latin typeface="+mn-lt"/>
+                <a:ea typeface="+mn-ea"/>
+                <a:cs typeface="+mn-cs"/>
+              </a:defRPr>
+            </a:lvl6pPr>
+            <a:lvl7pPr marL="3537814" indent="-272140" algn="l" defTabSz="1088558" rtl="0" eaLnBrk="1" latinLnBrk="0" hangingPunct="1">
+              <a:spcBef>
+                <a:spcPct val="20000"/>
+              </a:spcBef>
+              <a:buFont typeface="Arial" pitchFamily="34" charset="0"/>
+              <a:buChar char="•"/>
+              <a:defRPr sz="2400" kern="1200">
+                <a:solidFill>
+                  <a:schemeClr val="tx1"/>
+                </a:solidFill>
+                <a:latin typeface="+mn-lt"/>
+                <a:ea typeface="+mn-ea"/>
+                <a:cs typeface="+mn-cs"/>
+              </a:defRPr>
+            </a:lvl7pPr>
+            <a:lvl8pPr marL="4082093" indent="-272140" algn="l" defTabSz="1088558" rtl="0" eaLnBrk="1" latinLnBrk="0" hangingPunct="1">
+              <a:spcBef>
+                <a:spcPct val="20000"/>
+              </a:spcBef>
+              <a:buFont typeface="Arial" pitchFamily="34" charset="0"/>
+              <a:buChar char="•"/>
+              <a:defRPr sz="2400" kern="1200">
+                <a:solidFill>
+                  <a:schemeClr val="tx1"/>
+                </a:solidFill>
+                <a:latin typeface="+mn-lt"/>
+                <a:ea typeface="+mn-ea"/>
+                <a:cs typeface="+mn-cs"/>
+              </a:defRPr>
+            </a:lvl8pPr>
+            <a:lvl9pPr marL="4626373" indent="-272140" algn="l" defTabSz="1088558" rtl="0" eaLnBrk="1" latinLnBrk="0" hangingPunct="1">
+              <a:spcBef>
+                <a:spcPct val="20000"/>
+              </a:spcBef>
+              <a:buFont typeface="Arial" pitchFamily="34" charset="0"/>
+              <a:buChar char="•"/>
+              <a:defRPr sz="2400" kern="1200">
+                <a:solidFill>
+                  <a:schemeClr val="tx1"/>
+                </a:solidFill>
+                <a:latin typeface="+mn-lt"/>
+                <a:ea typeface="+mn-ea"/>
+                <a:cs typeface="+mn-cs"/>
+              </a:defRPr>
+            </a:lvl9pPr>
+          </a:lstStyle>
+          <a:p>
+            <a:pPr marL="0" lvl="1" indent="0">
+              <a:buFont typeface="Wingdings" pitchFamily="2" charset="2"/>
+              <a:buNone/>
+            </a:pPr>
+            <a:r>
+              <a:rPr lang="en-US" sz="1400" b="1" dirty="0"/>
+              <a:t>Examples:</a:t>
+            </a:r>
+          </a:p>
+          <a:p>
+            <a:pPr lvl="1"/>
+            <a:r>
+              <a:rPr lang="en-US" sz="1400" b="1" dirty="0">
+                <a:latin typeface="Courier New" panose="02070309020205020404" pitchFamily="49" charset="0"/>
+                <a:cs typeface="Courier New" panose="02070309020205020404" pitchFamily="49" charset="0"/>
+              </a:rPr>
+              <a:t>LABEL maintainer="Homer Simpson"</a:t>
+            </a:r>
+          </a:p>
+          <a:p>
+            <a:pPr lvl="2"/>
+            <a:r>
+              <a:rPr lang="en-US" sz="1400" dirty="0"/>
+              <a:t>adds a piece of meta-data to the image specifying the maintainer</a:t>
+            </a:r>
+            <a:endParaRPr lang="en-US" sz="1400" b="1" i="1" dirty="0"/>
+          </a:p>
+        </p:txBody>
+      </p:sp>
+    </p:spTree>
+    <p:extLst>
+      <p:ext uri="{BB962C8B-B14F-4D97-AF65-F5344CB8AC3E}">
+        <p14:creationId xmlns:p14="http://schemas.microsoft.com/office/powerpoint/2010/main" val="2503881713"/>
       </p:ext>
     </p:extLst>
   </p:cSld>
@@ -10581,7 +10702,7 @@
         <p:spPr>
           <a:xfrm>
             <a:off x="504000" y="1506788"/>
-            <a:ext cx="5328000" cy="2081143"/>
+            <a:ext cx="5328000" cy="1967931"/>
           </a:xfrm>
         </p:spPr>
         <p:txBody>
@@ -10590,22 +10711,30 @@
           <a:p>
             <a:r>
               <a:rPr lang="en-US" b="1" dirty="0"/>
-              <a:t>LABEL</a:t>
+              <a:t>ADD</a:t>
             </a:r>
           </a:p>
           <a:p>
             <a:pPr lvl="1"/>
             <a:r>
               <a:rPr lang="en-US" dirty="0"/>
-              <a:t>sets meta-data of an image</a:t>
+              <a:t>adds a file from the build-context to the image</a:t>
             </a:r>
           </a:p>
           <a:p>
             <a:pPr lvl="1"/>
             <a:r>
               <a:rPr lang="en-US" dirty="0"/>
-              <a:t>labels are key-value pairs</a:t>
-            </a:r>
+              <a:t>can download files from a URL</a:t>
+            </a:r>
+          </a:p>
+          <a:p>
+            <a:pPr lvl="1"/>
+            <a:r>
+              <a:rPr lang="en-US" dirty="0"/>
+              <a:t>will automatically extract archives</a:t>
+            </a:r>
+            <a:endParaRPr lang="en-US" b="1" dirty="0"/>
           </a:p>
         </p:txBody>
       </p:sp>
@@ -10626,7 +10755,7 @@
           <a:p>
             <a:r>
               <a:rPr lang="en-US" dirty="0"/>
-              <a:t>Dockerfile directives (2)</a:t>
+              <a:t>Dockerfile directives (3)</a:t>
             </a:r>
           </a:p>
         </p:txBody>
@@ -10829,23 +10958,571 @@
                 <a:latin typeface="Courier New" panose="02070309020205020404" pitchFamily="49" charset="0"/>
                 <a:cs typeface="Courier New" panose="02070309020205020404" pitchFamily="49" charset="0"/>
               </a:rPr>
-              <a:t>LABEL maintainer="Homer Simpson"</a:t>
+              <a:t>ADD rootfs.tar.bz2 /</a:t>
             </a:r>
           </a:p>
           <a:p>
             <a:pPr lvl="2"/>
             <a:r>
               <a:rPr lang="en-US" sz="1400" dirty="0"/>
-              <a:t>adds a piece of meta-data to the image specifying the maintainer</a:t>
-            </a:r>
-            <a:endParaRPr lang="en-US" sz="1400" b="1" i="1" dirty="0"/>
+              <a:t>will extract the contents of rootfs.tar.bz2 to the root directory / of the image</a:t>
+            </a:r>
+          </a:p>
+          <a:p>
+            <a:pPr lvl="1"/>
+            <a:r>
+              <a:rPr lang="en-US" sz="1400" b="1" dirty="0">
+                <a:latin typeface="Courier New" panose="02070309020205020404" pitchFamily="49" charset="0"/>
+                <a:cs typeface="Courier New" panose="02070309020205020404" pitchFamily="49" charset="0"/>
+              </a:rPr>
+              <a:t>ADD http://plx172:1080/pic.jpg /</a:t>
+            </a:r>
+            <a:r>
+              <a:rPr lang="en-US" sz="1400" b="1" dirty="0" err="1">
+                <a:latin typeface="Courier New" panose="02070309020205020404" pitchFamily="49" charset="0"/>
+                <a:cs typeface="Courier New" panose="02070309020205020404" pitchFamily="49" charset="0"/>
+              </a:rPr>
+              <a:t>usr</a:t>
+            </a:r>
+            <a:r>
+              <a:rPr lang="en-US" sz="1400" b="1" dirty="0">
+                <a:latin typeface="Courier New" panose="02070309020205020404" pitchFamily="49" charset="0"/>
+                <a:cs typeface="Courier New" panose="02070309020205020404" pitchFamily="49" charset="0"/>
+              </a:rPr>
+              <a:t>/share/pics</a:t>
+            </a:r>
+          </a:p>
+          <a:p>
+            <a:pPr lvl="2"/>
+            <a:r>
+              <a:rPr lang="en-US" sz="1400" dirty="0"/>
+              <a:t>will download a picture from plx172 and place it into the image at /</a:t>
+            </a:r>
+            <a:r>
+              <a:rPr lang="en-US" sz="1400" dirty="0" err="1"/>
+              <a:t>usr</a:t>
+            </a:r>
+            <a:r>
+              <a:rPr lang="en-US" sz="1400" dirty="0"/>
+              <a:t>/share/pics</a:t>
+            </a:r>
+            <a:endParaRPr lang="en-US" sz="1400" b="1" dirty="0"/>
+          </a:p>
+        </p:txBody>
+      </p:sp>
+      <p:sp>
+        <p:nvSpPr>
+          <p:cNvPr id="8" name="Text Placeholder 1"/>
+          <p:cNvSpPr txBox="1">
+            <a:spLocks/>
+          </p:cNvSpPr>
+          <p:nvPr/>
+        </p:nvSpPr>
+        <p:spPr bwMode="gray">
+          <a:xfrm>
+            <a:off x="6362477" y="1506788"/>
+            <a:ext cx="5328000" cy="1967931"/>
+          </a:xfrm>
+          <a:prstGeom prst="rect">
+            <a:avLst/>
+          </a:prstGeom>
+        </p:spPr>
+        <p:txBody>
+          <a:bodyPr vert="horz" lIns="36000" tIns="36000" rIns="36000" bIns="36000" rtlCol="0">
+            <a:noAutofit/>
+          </a:bodyPr>
+          <a:lstStyle>
+            <a:lvl1pPr marL="0" indent="0" algn="l" defTabSz="1088558" rtl="0" eaLnBrk="1" latinLnBrk="0" hangingPunct="1">
+              <a:spcBef>
+                <a:spcPts val="1800"/>
+              </a:spcBef>
+              <a:buClr>
+                <a:schemeClr val="accent1"/>
+              </a:buClr>
+              <a:buSzPct val="80000"/>
+              <a:buFontTx/>
+              <a:buNone/>
+              <a:defRPr sz="2000" b="0" kern="1200">
+                <a:solidFill>
+                  <a:schemeClr val="tx1"/>
+                </a:solidFill>
+                <a:latin typeface="+mn-lt"/>
+                <a:ea typeface="+mn-ea"/>
+                <a:cs typeface="+mn-cs"/>
+              </a:defRPr>
+            </a:lvl1pPr>
+            <a:lvl2pPr marL="179964" indent="-179964" algn="l" defTabSz="1088558" rtl="0" eaLnBrk="1" latinLnBrk="0" hangingPunct="1">
+              <a:spcBef>
+                <a:spcPts val="600"/>
+              </a:spcBef>
+              <a:buClr>
+                <a:schemeClr val="accent1"/>
+              </a:buClr>
+              <a:buSzPct val="100000"/>
+              <a:buFont typeface="Wingdings" pitchFamily="2" charset="2"/>
+              <a:buChar char="§"/>
+              <a:defRPr sz="1800" kern="1200">
+                <a:solidFill>
+                  <a:schemeClr val="tx1"/>
+                </a:solidFill>
+                <a:latin typeface="+mn-lt"/>
+                <a:ea typeface="+mn-ea"/>
+                <a:cs typeface="+mn-cs"/>
+              </a:defRPr>
+            </a:lvl2pPr>
+            <a:lvl3pPr marL="358775" indent="-179388" algn="l" defTabSz="1088558" rtl="0" eaLnBrk="1" latinLnBrk="0" hangingPunct="1">
+              <a:spcBef>
+                <a:spcPts val="300"/>
+              </a:spcBef>
+              <a:buClr>
+                <a:schemeClr val="tx1"/>
+              </a:buClr>
+              <a:buSzPct val="100000"/>
+              <a:buFont typeface="Arial" panose="020B0604020202020204" pitchFamily="34" charset="0"/>
+              <a:buChar char="–"/>
+              <a:defRPr lang="en-US" sz="1800" kern="1200" noProof="0" dirty="0" smtClean="0">
+                <a:solidFill>
+                  <a:schemeClr val="tx1"/>
+                </a:solidFill>
+                <a:latin typeface="+mn-lt"/>
+                <a:ea typeface="+mn-ea"/>
+                <a:cs typeface="+mn-cs"/>
+              </a:defRPr>
+            </a:lvl3pPr>
+            <a:lvl4pPr marL="539892" indent="-179964" algn="l" defTabSz="1088558" rtl="0" eaLnBrk="1" latinLnBrk="0" hangingPunct="1">
+              <a:spcBef>
+                <a:spcPts val="300"/>
+              </a:spcBef>
+              <a:buClr>
+                <a:schemeClr val="tx1"/>
+              </a:buClr>
+              <a:buSzPct val="120000"/>
+              <a:buFont typeface="Arial" pitchFamily="34" charset="0"/>
+              <a:buChar char="▫"/>
+              <a:defRPr sz="1600" kern="1200">
+                <a:solidFill>
+                  <a:schemeClr val="tx1"/>
+                </a:solidFill>
+                <a:latin typeface="+mn-lt"/>
+                <a:ea typeface="+mn-ea"/>
+                <a:cs typeface="+mn-cs"/>
+              </a:defRPr>
+            </a:lvl4pPr>
+            <a:lvl5pPr marL="719856" indent="-179964" algn="l" defTabSz="1088558" rtl="0" eaLnBrk="1" latinLnBrk="0" hangingPunct="1">
+              <a:spcBef>
+                <a:spcPts val="100"/>
+              </a:spcBef>
+              <a:buClr>
+                <a:schemeClr val="tx1"/>
+              </a:buClr>
+              <a:buSzPct val="100000"/>
+              <a:buFont typeface="Symbol" panose="05050102010706020507" pitchFamily="18" charset="2"/>
+              <a:buChar char="-"/>
+              <a:defRPr sz="1400" kern="1200" baseline="0">
+                <a:solidFill>
+                  <a:schemeClr val="tx1"/>
+                </a:solidFill>
+                <a:latin typeface="+mn-lt"/>
+                <a:ea typeface="+mn-ea"/>
+                <a:cs typeface="+mn-cs"/>
+              </a:defRPr>
+            </a:lvl5pPr>
+            <a:lvl6pPr marL="2993535" indent="-272140" algn="l" defTabSz="1088558" rtl="0" eaLnBrk="1" latinLnBrk="0" hangingPunct="1">
+              <a:spcBef>
+                <a:spcPct val="20000"/>
+              </a:spcBef>
+              <a:buFont typeface="Arial" pitchFamily="34" charset="0"/>
+              <a:buChar char="•"/>
+              <a:defRPr sz="2400" kern="1200">
+                <a:solidFill>
+                  <a:schemeClr val="tx1"/>
+                </a:solidFill>
+                <a:latin typeface="+mn-lt"/>
+                <a:ea typeface="+mn-ea"/>
+                <a:cs typeface="+mn-cs"/>
+              </a:defRPr>
+            </a:lvl6pPr>
+            <a:lvl7pPr marL="3537814" indent="-272140" algn="l" defTabSz="1088558" rtl="0" eaLnBrk="1" latinLnBrk="0" hangingPunct="1">
+              <a:spcBef>
+                <a:spcPct val="20000"/>
+              </a:spcBef>
+              <a:buFont typeface="Arial" pitchFamily="34" charset="0"/>
+              <a:buChar char="•"/>
+              <a:defRPr sz="2400" kern="1200">
+                <a:solidFill>
+                  <a:schemeClr val="tx1"/>
+                </a:solidFill>
+                <a:latin typeface="+mn-lt"/>
+                <a:ea typeface="+mn-ea"/>
+                <a:cs typeface="+mn-cs"/>
+              </a:defRPr>
+            </a:lvl7pPr>
+            <a:lvl8pPr marL="4082093" indent="-272140" algn="l" defTabSz="1088558" rtl="0" eaLnBrk="1" latinLnBrk="0" hangingPunct="1">
+              <a:spcBef>
+                <a:spcPct val="20000"/>
+              </a:spcBef>
+              <a:buFont typeface="Arial" pitchFamily="34" charset="0"/>
+              <a:buChar char="•"/>
+              <a:defRPr sz="2400" kern="1200">
+                <a:solidFill>
+                  <a:schemeClr val="tx1"/>
+                </a:solidFill>
+                <a:latin typeface="+mn-lt"/>
+                <a:ea typeface="+mn-ea"/>
+                <a:cs typeface="+mn-cs"/>
+              </a:defRPr>
+            </a:lvl8pPr>
+            <a:lvl9pPr marL="4626373" indent="-272140" algn="l" defTabSz="1088558" rtl="0" eaLnBrk="1" latinLnBrk="0" hangingPunct="1">
+              <a:spcBef>
+                <a:spcPct val="20000"/>
+              </a:spcBef>
+              <a:buFont typeface="Arial" pitchFamily="34" charset="0"/>
+              <a:buChar char="•"/>
+              <a:defRPr sz="2400" kern="1200">
+                <a:solidFill>
+                  <a:schemeClr val="tx1"/>
+                </a:solidFill>
+                <a:latin typeface="+mn-lt"/>
+                <a:ea typeface="+mn-ea"/>
+                <a:cs typeface="+mn-cs"/>
+              </a:defRPr>
+            </a:lvl9pPr>
+          </a:lstStyle>
+          <a:p>
+            <a:r>
+              <a:rPr lang="en-US" b="1" dirty="0"/>
+              <a:t>COPY</a:t>
+            </a:r>
+          </a:p>
+          <a:p>
+            <a:pPr lvl="1"/>
+            <a:r>
+              <a:rPr lang="en-US" dirty="0"/>
+              <a:t>copies a file from the build-context to the image</a:t>
+            </a:r>
+          </a:p>
+          <a:p>
+            <a:pPr lvl="1"/>
+            <a:r>
+              <a:rPr lang="en-US" dirty="0"/>
+              <a:t>no additional magic like the ADD command</a:t>
+            </a:r>
+          </a:p>
+          <a:p>
+            <a:pPr lvl="1"/>
+            <a:r>
+              <a:rPr lang="en-US" dirty="0"/>
+              <a:t>does not copy files inside the image</a:t>
+            </a:r>
+          </a:p>
+        </p:txBody>
+      </p:sp>
+      <p:sp>
+        <p:nvSpPr>
+          <p:cNvPr id="9" name="Text Placeholder 1"/>
+          <p:cNvSpPr txBox="1">
+            <a:spLocks/>
+          </p:cNvSpPr>
+          <p:nvPr/>
+        </p:nvSpPr>
+        <p:spPr bwMode="gray">
+          <a:xfrm>
+            <a:off x="6362477" y="3735000"/>
+            <a:ext cx="5328000" cy="2308749"/>
+          </a:xfrm>
+          <a:prstGeom prst="rect">
+            <a:avLst/>
+          </a:prstGeom>
+          <a:solidFill>
+            <a:srgbClr val="FFF8E7"/>
+          </a:solidFill>
+        </p:spPr>
+        <p:txBody>
+          <a:bodyPr vert="horz" lIns="36000" tIns="36000" rIns="36000" bIns="36000" rtlCol="0">
+            <a:noAutofit/>
+          </a:bodyPr>
+          <a:lstStyle>
+            <a:lvl1pPr marL="0" indent="0" algn="l" defTabSz="1088558" rtl="0" eaLnBrk="1" latinLnBrk="0" hangingPunct="1">
+              <a:spcBef>
+                <a:spcPts val="1800"/>
+              </a:spcBef>
+              <a:buClr>
+                <a:schemeClr val="accent1"/>
+              </a:buClr>
+              <a:buSzPct val="80000"/>
+              <a:buFontTx/>
+              <a:buNone/>
+              <a:defRPr sz="2000" b="0" kern="1200">
+                <a:solidFill>
+                  <a:schemeClr val="tx1"/>
+                </a:solidFill>
+                <a:latin typeface="+mn-lt"/>
+                <a:ea typeface="+mn-ea"/>
+                <a:cs typeface="+mn-cs"/>
+              </a:defRPr>
+            </a:lvl1pPr>
+            <a:lvl2pPr marL="179964" indent="-179964" algn="l" defTabSz="1088558" rtl="0" eaLnBrk="1" latinLnBrk="0" hangingPunct="1">
+              <a:spcBef>
+                <a:spcPts val="600"/>
+              </a:spcBef>
+              <a:buClr>
+                <a:schemeClr val="accent1"/>
+              </a:buClr>
+              <a:buSzPct val="100000"/>
+              <a:buFont typeface="Wingdings" pitchFamily="2" charset="2"/>
+              <a:buChar char="§"/>
+              <a:defRPr sz="1800" kern="1200">
+                <a:solidFill>
+                  <a:schemeClr val="tx1"/>
+                </a:solidFill>
+                <a:latin typeface="+mn-lt"/>
+                <a:ea typeface="+mn-ea"/>
+                <a:cs typeface="+mn-cs"/>
+              </a:defRPr>
+            </a:lvl2pPr>
+            <a:lvl3pPr marL="358775" indent="-179388" algn="l" defTabSz="1088558" rtl="0" eaLnBrk="1" latinLnBrk="0" hangingPunct="1">
+              <a:spcBef>
+                <a:spcPts val="300"/>
+              </a:spcBef>
+              <a:buClr>
+                <a:schemeClr val="tx1"/>
+              </a:buClr>
+              <a:buSzPct val="100000"/>
+              <a:buFont typeface="Arial" panose="020B0604020202020204" pitchFamily="34" charset="0"/>
+              <a:buChar char="–"/>
+              <a:defRPr lang="en-US" sz="1800" kern="1200" noProof="0" dirty="0" smtClean="0">
+                <a:solidFill>
+                  <a:schemeClr val="tx1"/>
+                </a:solidFill>
+                <a:latin typeface="+mn-lt"/>
+                <a:ea typeface="+mn-ea"/>
+                <a:cs typeface="+mn-cs"/>
+              </a:defRPr>
+            </a:lvl3pPr>
+            <a:lvl4pPr marL="539892" indent="-179964" algn="l" defTabSz="1088558" rtl="0" eaLnBrk="1" latinLnBrk="0" hangingPunct="1">
+              <a:spcBef>
+                <a:spcPts val="300"/>
+              </a:spcBef>
+              <a:buClr>
+                <a:schemeClr val="tx1"/>
+              </a:buClr>
+              <a:buSzPct val="120000"/>
+              <a:buFont typeface="Arial" pitchFamily="34" charset="0"/>
+              <a:buChar char="▫"/>
+              <a:defRPr sz="1600" kern="1200">
+                <a:solidFill>
+                  <a:schemeClr val="tx1"/>
+                </a:solidFill>
+                <a:latin typeface="+mn-lt"/>
+                <a:ea typeface="+mn-ea"/>
+                <a:cs typeface="+mn-cs"/>
+              </a:defRPr>
+            </a:lvl4pPr>
+            <a:lvl5pPr marL="719856" indent="-179964" algn="l" defTabSz="1088558" rtl="0" eaLnBrk="1" latinLnBrk="0" hangingPunct="1">
+              <a:spcBef>
+                <a:spcPts val="100"/>
+              </a:spcBef>
+              <a:buClr>
+                <a:schemeClr val="tx1"/>
+              </a:buClr>
+              <a:buSzPct val="100000"/>
+              <a:buFont typeface="Symbol" panose="05050102010706020507" pitchFamily="18" charset="2"/>
+              <a:buChar char="-"/>
+              <a:defRPr sz="1400" kern="1200" baseline="0">
+                <a:solidFill>
+                  <a:schemeClr val="tx1"/>
+                </a:solidFill>
+                <a:latin typeface="+mn-lt"/>
+                <a:ea typeface="+mn-ea"/>
+                <a:cs typeface="+mn-cs"/>
+              </a:defRPr>
+            </a:lvl5pPr>
+            <a:lvl6pPr marL="2993535" indent="-272140" algn="l" defTabSz="1088558" rtl="0" eaLnBrk="1" latinLnBrk="0" hangingPunct="1">
+              <a:spcBef>
+                <a:spcPct val="20000"/>
+              </a:spcBef>
+              <a:buFont typeface="Arial" pitchFamily="34" charset="0"/>
+              <a:buChar char="•"/>
+              <a:defRPr sz="2400" kern="1200">
+                <a:solidFill>
+                  <a:schemeClr val="tx1"/>
+                </a:solidFill>
+                <a:latin typeface="+mn-lt"/>
+                <a:ea typeface="+mn-ea"/>
+                <a:cs typeface="+mn-cs"/>
+              </a:defRPr>
+            </a:lvl6pPr>
+            <a:lvl7pPr marL="3537814" indent="-272140" algn="l" defTabSz="1088558" rtl="0" eaLnBrk="1" latinLnBrk="0" hangingPunct="1">
+              <a:spcBef>
+                <a:spcPct val="20000"/>
+              </a:spcBef>
+              <a:buFont typeface="Arial" pitchFamily="34" charset="0"/>
+              <a:buChar char="•"/>
+              <a:defRPr sz="2400" kern="1200">
+                <a:solidFill>
+                  <a:schemeClr val="tx1"/>
+                </a:solidFill>
+                <a:latin typeface="+mn-lt"/>
+                <a:ea typeface="+mn-ea"/>
+                <a:cs typeface="+mn-cs"/>
+              </a:defRPr>
+            </a:lvl7pPr>
+            <a:lvl8pPr marL="4082093" indent="-272140" algn="l" defTabSz="1088558" rtl="0" eaLnBrk="1" latinLnBrk="0" hangingPunct="1">
+              <a:spcBef>
+                <a:spcPct val="20000"/>
+              </a:spcBef>
+              <a:buFont typeface="Arial" pitchFamily="34" charset="0"/>
+              <a:buChar char="•"/>
+              <a:defRPr sz="2400" kern="1200">
+                <a:solidFill>
+                  <a:schemeClr val="tx1"/>
+                </a:solidFill>
+                <a:latin typeface="+mn-lt"/>
+                <a:ea typeface="+mn-ea"/>
+                <a:cs typeface="+mn-cs"/>
+              </a:defRPr>
+            </a:lvl8pPr>
+            <a:lvl9pPr marL="4626373" indent="-272140" algn="l" defTabSz="1088558" rtl="0" eaLnBrk="1" latinLnBrk="0" hangingPunct="1">
+              <a:spcBef>
+                <a:spcPct val="20000"/>
+              </a:spcBef>
+              <a:buFont typeface="Arial" pitchFamily="34" charset="0"/>
+              <a:buChar char="•"/>
+              <a:defRPr sz="2400" kern="1200">
+                <a:solidFill>
+                  <a:schemeClr val="tx1"/>
+                </a:solidFill>
+                <a:latin typeface="+mn-lt"/>
+                <a:ea typeface="+mn-ea"/>
+                <a:cs typeface="+mn-cs"/>
+              </a:defRPr>
+            </a:lvl9pPr>
+          </a:lstStyle>
+          <a:p>
+            <a:pPr marL="0" lvl="1" indent="0">
+              <a:buNone/>
+            </a:pPr>
+            <a:r>
+              <a:rPr lang="en-US" sz="1400" b="1" dirty="0"/>
+              <a:t>Examples:</a:t>
+            </a:r>
+          </a:p>
+          <a:p>
+            <a:pPr lvl="1"/>
+            <a:r>
+              <a:rPr lang="en-US" sz="1400" b="1" dirty="0">
+                <a:latin typeface="Courier New" panose="02070309020205020404" pitchFamily="49" charset="0"/>
+                <a:cs typeface="Courier New" panose="02070309020205020404" pitchFamily="49" charset="0"/>
+              </a:rPr>
+              <a:t>COPY </a:t>
+            </a:r>
+            <a:r>
+              <a:rPr lang="en-US" sz="1400" b="1" dirty="0" err="1">
+                <a:latin typeface="Courier New" panose="02070309020205020404" pitchFamily="49" charset="0"/>
+                <a:cs typeface="Courier New" panose="02070309020205020404" pitchFamily="49" charset="0"/>
+              </a:rPr>
+              <a:t>default.conf</a:t>
+            </a:r>
+            <a:r>
+              <a:rPr lang="en-US" sz="1400" b="1" dirty="0">
+                <a:latin typeface="Courier New" panose="02070309020205020404" pitchFamily="49" charset="0"/>
+                <a:cs typeface="Courier New" panose="02070309020205020404" pitchFamily="49" charset="0"/>
+              </a:rPr>
+              <a:t> /</a:t>
+            </a:r>
+            <a:r>
+              <a:rPr lang="en-US" sz="1400" b="1" dirty="0" err="1">
+                <a:latin typeface="Courier New" panose="02070309020205020404" pitchFamily="49" charset="0"/>
+                <a:cs typeface="Courier New" panose="02070309020205020404" pitchFamily="49" charset="0"/>
+              </a:rPr>
+              <a:t>etc</a:t>
+            </a:r>
+            <a:r>
+              <a:rPr lang="en-US" sz="1400" b="1" dirty="0">
+                <a:latin typeface="Courier New" panose="02070309020205020404" pitchFamily="49" charset="0"/>
+                <a:cs typeface="Courier New" panose="02070309020205020404" pitchFamily="49" charset="0"/>
+              </a:rPr>
+              <a:t>/</a:t>
+            </a:r>
+            <a:r>
+              <a:rPr lang="en-US" sz="1400" b="1" dirty="0" err="1">
+                <a:latin typeface="Courier New" panose="02070309020205020404" pitchFamily="49" charset="0"/>
+                <a:cs typeface="Courier New" panose="02070309020205020404" pitchFamily="49" charset="0"/>
+              </a:rPr>
+              <a:t>nginx</a:t>
+            </a:r>
+            <a:r>
+              <a:rPr lang="en-US" sz="1400" b="1" dirty="0">
+                <a:latin typeface="Courier New" panose="02070309020205020404" pitchFamily="49" charset="0"/>
+                <a:cs typeface="Courier New" panose="02070309020205020404" pitchFamily="49" charset="0"/>
+              </a:rPr>
+              <a:t>/</a:t>
+            </a:r>
+            <a:r>
+              <a:rPr lang="en-US" sz="1400" b="1" dirty="0" err="1">
+                <a:latin typeface="Courier New" panose="02070309020205020404" pitchFamily="49" charset="0"/>
+                <a:cs typeface="Courier New" panose="02070309020205020404" pitchFamily="49" charset="0"/>
+              </a:rPr>
+              <a:t>conf.d</a:t>
+            </a:r>
+            <a:r>
+              <a:rPr lang="en-US" sz="1400" b="1" dirty="0">
+                <a:latin typeface="Courier New" panose="02070309020205020404" pitchFamily="49" charset="0"/>
+                <a:cs typeface="Courier New" panose="02070309020205020404" pitchFamily="49" charset="0"/>
+              </a:rPr>
+              <a:t>/</a:t>
+            </a:r>
+          </a:p>
+          <a:p>
+            <a:pPr lvl="2"/>
+            <a:r>
+              <a:rPr lang="en-US" sz="1400" dirty="0"/>
+              <a:t>will copy the file </a:t>
+            </a:r>
+            <a:r>
+              <a:rPr lang="en-US" sz="1400" dirty="0" err="1"/>
+              <a:t>default.conf</a:t>
+            </a:r>
+            <a:r>
+              <a:rPr lang="en-US" sz="1400" dirty="0"/>
+              <a:t> into the image at /</a:t>
+            </a:r>
+            <a:r>
+              <a:rPr lang="en-US" sz="1400" dirty="0" err="1"/>
+              <a:t>etc</a:t>
+            </a:r>
+            <a:r>
+              <a:rPr lang="en-US" sz="1400" dirty="0"/>
+              <a:t>/</a:t>
+            </a:r>
+            <a:r>
+              <a:rPr lang="en-US" sz="1400" dirty="0" err="1"/>
+              <a:t>nginx</a:t>
+            </a:r>
+            <a:r>
+              <a:rPr lang="en-US" sz="1400" dirty="0"/>
+              <a:t>/</a:t>
+            </a:r>
+            <a:r>
+              <a:rPr lang="en-US" sz="1400" dirty="0" err="1"/>
+              <a:t>conf.d</a:t>
+            </a:r>
+            <a:r>
+              <a:rPr lang="en-US" sz="1400" dirty="0"/>
+              <a:t>/</a:t>
+            </a:r>
+            <a:r>
+              <a:rPr lang="en-US" sz="1400" dirty="0" err="1"/>
+              <a:t>default.conf</a:t>
+            </a:r>
+            <a:endParaRPr lang="en-US" sz="1400" b="1" dirty="0"/>
           </a:p>
         </p:txBody>
       </p:sp>
     </p:spTree>
     <p:extLst>
       <p:ext uri="{BB962C8B-B14F-4D97-AF65-F5344CB8AC3E}">
-        <p14:creationId xmlns:p14="http://schemas.microsoft.com/office/powerpoint/2010/main" val="2503881713"/>
+        <p14:creationId xmlns:p14="http://schemas.microsoft.com/office/powerpoint/2010/main" val="1630522477"/>
       </p:ext>
     </p:extLst>
   </p:cSld>
@@ -10894,30 +11571,22 @@
           <a:p>
             <a:r>
               <a:rPr lang="en-US" b="1" dirty="0"/>
-              <a:t>ADD</a:t>
+              <a:t>RUN</a:t>
             </a:r>
           </a:p>
           <a:p>
             <a:pPr lvl="1"/>
             <a:r>
               <a:rPr lang="en-US" dirty="0"/>
-              <a:t>adds a file from the build-context to the image</a:t>
+              <a:t>runs the specified command in the image</a:t>
             </a:r>
           </a:p>
           <a:p>
             <a:pPr lvl="1"/>
             <a:r>
               <a:rPr lang="en-US" dirty="0"/>
-              <a:t>can download files from a URL</a:t>
-            </a:r>
-          </a:p>
-          <a:p>
-            <a:pPr lvl="1"/>
-            <a:r>
-              <a:rPr lang="en-US" dirty="0"/>
-              <a:t>will automatically extract archives</a:t>
-            </a:r>
-            <a:endParaRPr lang="en-US" b="1" dirty="0"/>
+              <a:t>command binary and shell must be present in the image</a:t>
+            </a:r>
           </a:p>
         </p:txBody>
       </p:sp>
@@ -10938,7 +11607,7 @@
           <a:p>
             <a:r>
               <a:rPr lang="en-US" dirty="0"/>
-              <a:t>Dockerfile directives (3)</a:t>
+              <a:t>Dockerfile directives (4)</a:t>
             </a:r>
           </a:p>
         </p:txBody>
@@ -11141,14 +11810,14 @@
                 <a:latin typeface="Courier New" panose="02070309020205020404" pitchFamily="49" charset="0"/>
                 <a:cs typeface="Courier New" panose="02070309020205020404" pitchFamily="49" charset="0"/>
               </a:rPr>
-              <a:t>ADD rootfs.tar.bz2 /</a:t>
+              <a:t>RUN apt-get update</a:t>
             </a:r>
           </a:p>
           <a:p>
             <a:pPr lvl="2"/>
             <a:r>
               <a:rPr lang="en-US" sz="1400" dirty="0"/>
-              <a:t>will extract the contents of rootfs.tar.bz2 to the root directory / of the image</a:t>
+              <a:t>will run the Debian package manager and build its package cache inside the image</a:t>
             </a:r>
           </a:p>
           <a:p>
@@ -11158,36 +11827,94 @@
                 <a:latin typeface="Courier New" panose="02070309020205020404" pitchFamily="49" charset="0"/>
                 <a:cs typeface="Courier New" panose="02070309020205020404" pitchFamily="49" charset="0"/>
               </a:rPr>
-              <a:t>ADD http://plx172:1080/pic.jpg /</a:t>
+              <a:t>RUN </a:t>
             </a:r>
             <a:r>
               <a:rPr lang="en-US" sz="1400" b="1" dirty="0" err="1">
                 <a:latin typeface="Courier New" panose="02070309020205020404" pitchFamily="49" charset="0"/>
                 <a:cs typeface="Courier New" panose="02070309020205020404" pitchFamily="49" charset="0"/>
               </a:rPr>
-              <a:t>usr</a:t>
+              <a:t>cp</a:t>
             </a:r>
             <a:r>
               <a:rPr lang="en-US" sz="1400" b="1" dirty="0">
                 <a:latin typeface="Courier New" panose="02070309020205020404" pitchFamily="49" charset="0"/>
                 <a:cs typeface="Courier New" panose="02070309020205020404" pitchFamily="49" charset="0"/>
               </a:rPr>
-              <a:t>/share/pics</a:t>
+              <a:t> /</a:t>
+            </a:r>
+            <a:r>
+              <a:rPr lang="en-US" sz="1400" b="1" dirty="0" err="1">
+                <a:latin typeface="Courier New" panose="02070309020205020404" pitchFamily="49" charset="0"/>
+                <a:cs typeface="Courier New" panose="02070309020205020404" pitchFamily="49" charset="0"/>
+              </a:rPr>
+              <a:t>etc</a:t>
+            </a:r>
+            <a:r>
+              <a:rPr lang="en-US" sz="1400" b="1" dirty="0">
+                <a:latin typeface="Courier New" panose="02070309020205020404" pitchFamily="49" charset="0"/>
+                <a:cs typeface="Courier New" panose="02070309020205020404" pitchFamily="49" charset="0"/>
+              </a:rPr>
+              <a:t>/</a:t>
+            </a:r>
+            <a:r>
+              <a:rPr lang="en-US" sz="1400" b="1" dirty="0" err="1">
+                <a:latin typeface="Courier New" panose="02070309020205020404" pitchFamily="49" charset="0"/>
+                <a:cs typeface="Courier New" panose="02070309020205020404" pitchFamily="49" charset="0"/>
+              </a:rPr>
+              <a:t>nginx</a:t>
+            </a:r>
+            <a:r>
+              <a:rPr lang="en-US" sz="1400" b="1" dirty="0">
+                <a:latin typeface="Courier New" panose="02070309020205020404" pitchFamily="49" charset="0"/>
+                <a:cs typeface="Courier New" panose="02070309020205020404" pitchFamily="49" charset="0"/>
+              </a:rPr>
+              <a:t>/</a:t>
+            </a:r>
+            <a:r>
+              <a:rPr lang="en-US" sz="1400" b="1" dirty="0" err="1">
+                <a:latin typeface="Courier New" panose="02070309020205020404" pitchFamily="49" charset="0"/>
+                <a:cs typeface="Courier New" panose="02070309020205020404" pitchFamily="49" charset="0"/>
+              </a:rPr>
+              <a:t>nginx.conf</a:t>
+            </a:r>
+            <a:r>
+              <a:rPr lang="en-US" sz="1400" b="1" dirty="0">
+                <a:latin typeface="Courier New" panose="02070309020205020404" pitchFamily="49" charset="0"/>
+                <a:cs typeface="Courier New" panose="02070309020205020404" pitchFamily="49" charset="0"/>
+              </a:rPr>
+              <a:t> /root</a:t>
             </a:r>
           </a:p>
           <a:p>
             <a:pPr lvl="2"/>
             <a:r>
               <a:rPr lang="en-US" sz="1400" dirty="0"/>
-              <a:t>will download a picture from plx172 and place it into the image at /</a:t>
+              <a:t>will copy the file /</a:t>
             </a:r>
             <a:r>
               <a:rPr lang="en-US" sz="1400" dirty="0" err="1"/>
-              <a:t>usr</a:t>
+              <a:t>etc</a:t>
             </a:r>
             <a:r>
               <a:rPr lang="en-US" sz="1400" dirty="0"/>
-              <a:t>/share/pics</a:t>
+              <a:t>/</a:t>
+            </a:r>
+            <a:r>
+              <a:rPr lang="en-US" sz="1400" dirty="0" err="1"/>
+              <a:t>nginx</a:t>
+            </a:r>
+            <a:r>
+              <a:rPr lang="en-US" sz="1400" dirty="0"/>
+              <a:t>/</a:t>
+            </a:r>
+            <a:r>
+              <a:rPr lang="en-US" sz="1400" dirty="0" err="1"/>
+              <a:t>nginx.conf</a:t>
+            </a:r>
+            <a:r>
+              <a:rPr lang="en-US" sz="1400" dirty="0"/>
+              <a:t> within the image to the directory /root within the image</a:t>
             </a:r>
             <a:endParaRPr lang="en-US" sz="1400" b="1" dirty="0"/>
           </a:p>
@@ -11374,29 +12101,23 @@
           <a:p>
             <a:r>
               <a:rPr lang="en-US" b="1" dirty="0"/>
-              <a:t>COPY</a:t>
+              <a:t>EXPOSE</a:t>
             </a:r>
           </a:p>
           <a:p>
             <a:pPr lvl="1"/>
             <a:r>
               <a:rPr lang="en-US" dirty="0"/>
-              <a:t>copies a file from the build-context to the image</a:t>
+              <a:t>exposes a port</a:t>
             </a:r>
           </a:p>
           <a:p>
             <a:pPr lvl="1"/>
             <a:r>
               <a:rPr lang="en-US" dirty="0"/>
-              <a:t>no additional magic like the ADD command</a:t>
-            </a:r>
-          </a:p>
-          <a:p>
-            <a:pPr lvl="1"/>
-            <a:r>
-              <a:rPr lang="en-US" dirty="0"/>
-              <a:t>does not copy files inside the image</a:t>
-            </a:r>
+              <a:t>exposed ports can be automatically mapped by Docker</a:t>
+            </a:r>
+            <a:endParaRPr lang="en-US" b="1" dirty="0"/>
           </a:p>
         </p:txBody>
       </p:sp>
@@ -11597,106 +12318,22 @@
                 <a:latin typeface="Courier New" panose="02070309020205020404" pitchFamily="49" charset="0"/>
                 <a:cs typeface="Courier New" panose="02070309020205020404" pitchFamily="49" charset="0"/>
               </a:rPr>
-              <a:t>COPY </a:t>
-            </a:r>
-            <a:r>
-              <a:rPr lang="en-US" sz="1400" b="1" dirty="0" err="1">
-                <a:latin typeface="Courier New" panose="02070309020205020404" pitchFamily="49" charset="0"/>
-                <a:cs typeface="Courier New" panose="02070309020205020404" pitchFamily="49" charset="0"/>
-              </a:rPr>
-              <a:t>default.conf</a:t>
-            </a:r>
-            <a:r>
-              <a:rPr lang="en-US" sz="1400" b="1" dirty="0">
-                <a:latin typeface="Courier New" panose="02070309020205020404" pitchFamily="49" charset="0"/>
-                <a:cs typeface="Courier New" panose="02070309020205020404" pitchFamily="49" charset="0"/>
-              </a:rPr>
-              <a:t> /</a:t>
-            </a:r>
-            <a:r>
-              <a:rPr lang="en-US" sz="1400" b="1" dirty="0" err="1">
-                <a:latin typeface="Courier New" panose="02070309020205020404" pitchFamily="49" charset="0"/>
-                <a:cs typeface="Courier New" panose="02070309020205020404" pitchFamily="49" charset="0"/>
-              </a:rPr>
-              <a:t>etc</a:t>
-            </a:r>
-            <a:r>
-              <a:rPr lang="en-US" sz="1400" b="1" dirty="0">
-                <a:latin typeface="Courier New" panose="02070309020205020404" pitchFamily="49" charset="0"/>
-                <a:cs typeface="Courier New" panose="02070309020205020404" pitchFamily="49" charset="0"/>
-              </a:rPr>
-              <a:t>/</a:t>
-            </a:r>
-            <a:r>
-              <a:rPr lang="en-US" sz="1400" b="1" dirty="0" err="1">
-                <a:latin typeface="Courier New" panose="02070309020205020404" pitchFamily="49" charset="0"/>
-                <a:cs typeface="Courier New" panose="02070309020205020404" pitchFamily="49" charset="0"/>
-              </a:rPr>
-              <a:t>nginx</a:t>
-            </a:r>
-            <a:r>
-              <a:rPr lang="en-US" sz="1400" b="1" dirty="0">
-                <a:latin typeface="Courier New" panose="02070309020205020404" pitchFamily="49" charset="0"/>
-                <a:cs typeface="Courier New" panose="02070309020205020404" pitchFamily="49" charset="0"/>
-              </a:rPr>
-              <a:t>/</a:t>
-            </a:r>
-            <a:r>
-              <a:rPr lang="en-US" sz="1400" b="1" dirty="0" err="1">
-                <a:latin typeface="Courier New" panose="02070309020205020404" pitchFamily="49" charset="0"/>
-                <a:cs typeface="Courier New" panose="02070309020205020404" pitchFamily="49" charset="0"/>
-              </a:rPr>
-              <a:t>conf.d</a:t>
-            </a:r>
-            <a:r>
-              <a:rPr lang="en-US" sz="1400" b="1" dirty="0">
-                <a:latin typeface="Courier New" panose="02070309020205020404" pitchFamily="49" charset="0"/>
-                <a:cs typeface="Courier New" panose="02070309020205020404" pitchFamily="49" charset="0"/>
-              </a:rPr>
-              <a:t>/</a:t>
+              <a:t>EXPOSE 80</a:t>
             </a:r>
           </a:p>
           <a:p>
             <a:pPr lvl="2"/>
             <a:r>
               <a:rPr lang="en-US" sz="1400" dirty="0"/>
-              <a:t>will copy the file </a:t>
-            </a:r>
-            <a:r>
-              <a:rPr lang="en-US" sz="1400" dirty="0" err="1"/>
-              <a:t>default.conf</a:t>
+              <a:t>will expose port 80 so that </a:t>
+            </a:r>
+            <a:r>
+              <a:rPr lang="en-US" sz="1400" i="1" dirty="0"/>
+              <a:t>“docker run -P” </a:t>
             </a:r>
             <a:r>
               <a:rPr lang="en-US" sz="1400" dirty="0"/>
-              <a:t> into the image at /</a:t>
-            </a:r>
-            <a:r>
-              <a:rPr lang="en-US" sz="1400" dirty="0" err="1"/>
-              <a:t>etc</a:t>
-            </a:r>
-            <a:r>
-              <a:rPr lang="en-US" sz="1400" dirty="0"/>
-              <a:t>/</a:t>
-            </a:r>
-            <a:r>
-              <a:rPr lang="en-US" sz="1400" dirty="0" err="1"/>
-              <a:t>nginx</a:t>
-            </a:r>
-            <a:r>
-              <a:rPr lang="en-US" sz="1400" dirty="0"/>
-              <a:t>/</a:t>
-            </a:r>
-            <a:r>
-              <a:rPr lang="en-US" sz="1400" dirty="0" err="1"/>
-              <a:t>conf.d</a:t>
-            </a:r>
-            <a:r>
-              <a:rPr lang="en-US" sz="1400" dirty="0"/>
-              <a:t>/</a:t>
-            </a:r>
-            <a:r>
-              <a:rPr lang="en-US" sz="1400" dirty="0" err="1"/>
-              <a:t>default.conf</a:t>
+              <a:t>can automatically map it to a port on the host</a:t>
             </a:r>
             <a:endParaRPr lang="en-US" sz="1400" b="1" dirty="0"/>
           </a:p>
@@ -11705,7 +12342,7 @@
     </p:spTree>
     <p:extLst>
       <p:ext uri="{BB962C8B-B14F-4D97-AF65-F5344CB8AC3E}">
-        <p14:creationId xmlns:p14="http://schemas.microsoft.com/office/powerpoint/2010/main" val="1630522477"/>
+        <p14:creationId xmlns:p14="http://schemas.microsoft.com/office/powerpoint/2010/main" val="990247459"/>
       </p:ext>
     </p:extLst>
   </p:cSld>
@@ -11745,7 +12382,7 @@
         <p:spPr>
           <a:xfrm>
             <a:off x="504000" y="1506788"/>
-            <a:ext cx="5328000" cy="1967931"/>
+            <a:ext cx="5328000" cy="2081143"/>
           </a:xfrm>
         </p:spPr>
         <p:txBody>
@@ -11754,21 +12391,43 @@
           <a:p>
             <a:r>
               <a:rPr lang="en-US" b="1" dirty="0"/>
-              <a:t>RUN</a:t>
+              <a:t>CMD</a:t>
             </a:r>
           </a:p>
           <a:p>
             <a:pPr lvl="1"/>
             <a:r>
               <a:rPr lang="en-US" dirty="0"/>
-              <a:t>runs the specified command in the image</a:t>
+              <a:t>specifies the command to run when a container is created from the image</a:t>
             </a:r>
           </a:p>
           <a:p>
             <a:pPr lvl="1"/>
             <a:r>
               <a:rPr lang="en-US" dirty="0"/>
-              <a:t>command binary and shell must be present in the image</a:t>
+              <a:t>is executed by a shell (/bin/</a:t>
+            </a:r>
+            <a:r>
+              <a:rPr lang="en-US" dirty="0" err="1"/>
+              <a:t>sh</a:t>
+            </a:r>
+            <a:r>
+              <a:rPr lang="en-US" dirty="0"/>
+              <a:t>)</a:t>
+            </a:r>
+          </a:p>
+          <a:p>
+            <a:pPr lvl="1"/>
+            <a:r>
+              <a:rPr lang="en-US" dirty="0"/>
+              <a:t>all but the last CMD directive are ignored</a:t>
+            </a:r>
+          </a:p>
+          <a:p>
+            <a:pPr lvl="1"/>
+            <a:r>
+              <a:rPr lang="en-US" dirty="0"/>
+              <a:t>can be overridden upon container instantiation</a:t>
             </a:r>
           </a:p>
         </p:txBody>
@@ -11790,7 +12449,7 @@
           <a:p>
             <a:r>
               <a:rPr lang="en-US" dirty="0"/>
-              <a:t>Dockerfile directives (4)</a:t>
+              <a:t>Dockerfile directives (5)</a:t>
             </a:r>
           </a:p>
         </p:txBody>
@@ -11993,14 +12652,25 @@
                 <a:latin typeface="Courier New" panose="02070309020205020404" pitchFamily="49" charset="0"/>
                 <a:cs typeface="Courier New" panose="02070309020205020404" pitchFamily="49" charset="0"/>
               </a:rPr>
-              <a:t>RUN apt-get update</a:t>
-            </a:r>
+              <a:t>CMD /bin/</a:t>
+            </a:r>
+            <a:r>
+              <a:rPr lang="en-US" sz="1400" b="1" dirty="0" err="1">
+                <a:latin typeface="Courier New" panose="02070309020205020404" pitchFamily="49" charset="0"/>
+                <a:cs typeface="Courier New" panose="02070309020205020404" pitchFamily="49" charset="0"/>
+              </a:rPr>
+              <a:t>helloworld</a:t>
+            </a:r>
+            <a:endParaRPr lang="en-US" sz="1400" b="1" dirty="0">
+              <a:latin typeface="Courier New" panose="02070309020205020404" pitchFamily="49" charset="0"/>
+              <a:cs typeface="Courier New" panose="02070309020205020404" pitchFamily="49" charset="0"/>
+            </a:endParaRPr>
           </a:p>
           <a:p>
             <a:pPr lvl="2"/>
             <a:r>
               <a:rPr lang="en-US" sz="1400" dirty="0"/>
-              <a:t>will run the Debian package manager and build its package cache inside the image</a:t>
+              <a:t>will run a hello-world program when the container is started</a:t>
             </a:r>
           </a:p>
           <a:p>
@@ -12010,35 +12680,7 @@
                 <a:latin typeface="Courier New" panose="02070309020205020404" pitchFamily="49" charset="0"/>
                 <a:cs typeface="Courier New" panose="02070309020205020404" pitchFamily="49" charset="0"/>
               </a:rPr>
-              <a:t>RUN </a:t>
-            </a:r>
-            <a:r>
-              <a:rPr lang="en-US" sz="1400" b="1" dirty="0" err="1">
-                <a:latin typeface="Courier New" panose="02070309020205020404" pitchFamily="49" charset="0"/>
-                <a:cs typeface="Courier New" panose="02070309020205020404" pitchFamily="49" charset="0"/>
-              </a:rPr>
-              <a:t>cp</a:t>
-            </a:r>
-            <a:r>
-              <a:rPr lang="en-US" sz="1400" b="1" dirty="0">
-                <a:latin typeface="Courier New" panose="02070309020205020404" pitchFamily="49" charset="0"/>
-                <a:cs typeface="Courier New" panose="02070309020205020404" pitchFamily="49" charset="0"/>
-              </a:rPr>
-              <a:t> /</a:t>
-            </a:r>
-            <a:r>
-              <a:rPr lang="en-US" sz="1400" b="1" dirty="0" err="1">
-                <a:latin typeface="Courier New" panose="02070309020205020404" pitchFamily="49" charset="0"/>
-                <a:cs typeface="Courier New" panose="02070309020205020404" pitchFamily="49" charset="0"/>
-              </a:rPr>
-              <a:t>etc</a:t>
-            </a:r>
-            <a:r>
-              <a:rPr lang="en-US" sz="1400" b="1" dirty="0">
-                <a:latin typeface="Courier New" panose="02070309020205020404" pitchFamily="49" charset="0"/>
-                <a:cs typeface="Courier New" panose="02070309020205020404" pitchFamily="49" charset="0"/>
-              </a:rPr>
-              <a:t>/</a:t>
+              <a:t>CMD ["</a:t>
             </a:r>
             <a:r>
               <a:rPr lang="en-US" sz="1400" b="1" dirty="0" err="1">
@@ -12052,36 +12694,14 @@
                 <a:latin typeface="Courier New" panose="02070309020205020404" pitchFamily="49" charset="0"/>
                 <a:cs typeface="Courier New" panose="02070309020205020404" pitchFamily="49" charset="0"/>
               </a:rPr>
-              <a:t>/</a:t>
-            </a:r>
-            <a:r>
-              <a:rPr lang="en-US" sz="1400" b="1" dirty="0" err="1">
-                <a:latin typeface="Courier New" panose="02070309020205020404" pitchFamily="49" charset="0"/>
-                <a:cs typeface="Courier New" panose="02070309020205020404" pitchFamily="49" charset="0"/>
-              </a:rPr>
-              <a:t>nginx.conf</a:t>
-            </a:r>
-            <a:r>
-              <a:rPr lang="en-US" sz="1400" b="1" dirty="0">
-                <a:latin typeface="Courier New" panose="02070309020205020404" pitchFamily="49" charset="0"/>
-                <a:cs typeface="Courier New" panose="02070309020205020404" pitchFamily="49" charset="0"/>
-              </a:rPr>
-              <a:t> /root</a:t>
+              <a:t>", "-c", "daemon off;"]</a:t>
             </a:r>
           </a:p>
           <a:p>
             <a:pPr lvl="2"/>
             <a:r>
               <a:rPr lang="en-US" sz="1400" dirty="0"/>
-              <a:t>will copy the file /</a:t>
-            </a:r>
-            <a:r>
-              <a:rPr lang="en-US" sz="1400" dirty="0" err="1"/>
-              <a:t>etc</a:t>
-            </a:r>
-            <a:r>
-              <a:rPr lang="en-US" sz="1400" dirty="0"/>
-              <a:t>/</a:t>
+              <a:t>will run the </a:t>
             </a:r>
             <a:r>
               <a:rPr lang="en-US" sz="1400" dirty="0" err="1"/>
@@ -12089,17 +12709,21 @@
             </a:r>
             <a:r>
               <a:rPr lang="en-US" sz="1400" dirty="0"/>
-              <a:t>/</a:t>
-            </a:r>
-            <a:r>
-              <a:rPr lang="en-US" sz="1400" dirty="0" err="1"/>
-              <a:t>nginx.conf</a:t>
+              <a:t> binary with the arguments </a:t>
+            </a:r>
+            <a:r>
+              <a:rPr lang="en-US" sz="1400" i="1" dirty="0"/>
+              <a:t>“-c”</a:t>
             </a:r>
             <a:r>
               <a:rPr lang="en-US" sz="1400" dirty="0"/>
-              <a:t> within the image to the directory /root within the image</a:t>
-            </a:r>
-            <a:endParaRPr lang="en-US" sz="1400" b="1" dirty="0"/>
+              <a:t> and </a:t>
+            </a:r>
+            <a:r>
+              <a:rPr lang="en-US" sz="1400" i="1" dirty="0"/>
+              <a:t>“daemon off;”</a:t>
+            </a:r>
+            <a:endParaRPr lang="en-US" sz="1400" b="1" i="1" dirty="0"/>
           </a:p>
         </p:txBody>
       </p:sp>
@@ -12284,23 +12908,22 @@
           <a:p>
             <a:r>
               <a:rPr lang="en-US" b="1" dirty="0"/>
-              <a:t>EXPOSE</a:t>
+              <a:t>ENTRYPOINT</a:t>
             </a:r>
           </a:p>
           <a:p>
             <a:pPr lvl="1"/>
             <a:r>
               <a:rPr lang="en-US" dirty="0"/>
-              <a:t>exposes a port</a:t>
+              <a:t>sets the program to be directly run when a container is created</a:t>
             </a:r>
           </a:p>
           <a:p>
             <a:pPr lvl="1"/>
             <a:r>
               <a:rPr lang="en-US" dirty="0"/>
-              <a:t>exposed ports can be automatically mapped by Docker</a:t>
-            </a:r>
-            <a:endParaRPr lang="en-US" b="1" dirty="0"/>
+              <a:t>cannot be overridden</a:t>
+            </a:r>
           </a:p>
         </p:txBody>
       </p:sp>
@@ -12501,23 +13124,51 @@
                 <a:latin typeface="Courier New" panose="02070309020205020404" pitchFamily="49" charset="0"/>
                 <a:cs typeface="Courier New" panose="02070309020205020404" pitchFamily="49" charset="0"/>
               </a:rPr>
-              <a:t>EXPOSE 80</a:t>
-            </a:r>
+              <a:t>ENTRYPOINT /</a:t>
+            </a:r>
+            <a:r>
+              <a:rPr lang="en-US" sz="1400" b="1" dirty="0" err="1">
+                <a:latin typeface="Courier New" panose="02070309020205020404" pitchFamily="49" charset="0"/>
+                <a:cs typeface="Courier New" panose="02070309020205020404" pitchFamily="49" charset="0"/>
+              </a:rPr>
+              <a:t>usr</a:t>
+            </a:r>
+            <a:r>
+              <a:rPr lang="en-US" sz="1400" b="1" dirty="0">
+                <a:latin typeface="Courier New" panose="02070309020205020404" pitchFamily="49" charset="0"/>
+                <a:cs typeface="Courier New" panose="02070309020205020404" pitchFamily="49" charset="0"/>
+              </a:rPr>
+              <a:t>/bin/</a:t>
+            </a:r>
+            <a:r>
+              <a:rPr lang="en-US" sz="1400" b="1" dirty="0" err="1">
+                <a:latin typeface="Courier New" panose="02070309020205020404" pitchFamily="49" charset="0"/>
+                <a:cs typeface="Courier New" panose="02070309020205020404" pitchFamily="49" charset="0"/>
+              </a:rPr>
+              <a:t>nginx</a:t>
+            </a:r>
+            <a:endParaRPr lang="en-US" sz="1400" b="1" dirty="0">
+              <a:latin typeface="Courier New" panose="02070309020205020404" pitchFamily="49" charset="0"/>
+              <a:cs typeface="Courier New" panose="02070309020205020404" pitchFamily="49" charset="0"/>
+            </a:endParaRPr>
           </a:p>
           <a:p>
             <a:pPr lvl="2"/>
             <a:r>
               <a:rPr lang="en-US" sz="1400" dirty="0"/>
-              <a:t>will expose port 80 so that </a:t>
-            </a:r>
-            <a:r>
-              <a:rPr lang="en-US" sz="1400" i="1" dirty="0"/>
-              <a:t>“docker run -P” </a:t>
+              <a:t>starts </a:t>
+            </a:r>
+            <a:r>
+              <a:rPr lang="en-US" sz="1400" dirty="0" err="1"/>
+              <a:t>nginx</a:t>
             </a:r>
             <a:r>
               <a:rPr lang="en-US" sz="1400" dirty="0"/>
-              <a:t>can automatically map it to a port on the host</a:t>
-            </a:r>
+              <a:t> directly without using a shell to start it</a:t>
+            </a:r>
+          </a:p>
+          <a:p>
+            <a:pPr lvl="2"/>
             <a:endParaRPr lang="en-US" sz="1400" b="1" dirty="0"/>
           </a:p>
         </p:txBody>
@@ -12525,7 +13176,7 @@
     </p:spTree>
     <p:extLst>
       <p:ext uri="{BB962C8B-B14F-4D97-AF65-F5344CB8AC3E}">
-        <p14:creationId xmlns:p14="http://schemas.microsoft.com/office/powerpoint/2010/main" val="990247459"/>
+        <p14:creationId xmlns:p14="http://schemas.microsoft.com/office/powerpoint/2010/main" val="1229460830"/>
       </p:ext>
     </p:extLst>
   </p:cSld>
@@ -12554,70 +13205,78 @@
       </p:grpSpPr>
       <p:sp>
         <p:nvSpPr>
-          <p:cNvPr id="2" name="Text Placeholder 1"/>
-          <p:cNvSpPr>
-            <a:spLocks noGrp="1"/>
-          </p:cNvSpPr>
-          <p:nvPr>
-            <p:ph type="body" sz="quarter" idx="10"/>
-          </p:nvPr>
+          <p:cNvPr id="3" name="Arrow: Bent-Up 2">
+            <a:extLst>
+              <a:ext uri="{FF2B5EF4-FFF2-40B4-BE49-F238E27FC236}">
+                <a16:creationId xmlns:a16="http://schemas.microsoft.com/office/drawing/2014/main" id="{4FAE23BF-DE21-4BB6-BBF3-1DEA08D22075}"/>
+              </a:ext>
+            </a:extLst>
+          </p:cNvPr>
+          <p:cNvSpPr/>
+          <p:nvPr/>
         </p:nvSpPr>
-        <p:spPr>
-          <a:xfrm>
-            <a:off x="504000" y="1506788"/>
-            <a:ext cx="5328000" cy="2081143"/>
+        <p:spPr bwMode="gray">
+          <a:xfrm rot="5400000">
+            <a:off x="2694903" y="3436875"/>
+            <a:ext cx="1246106" cy="1579979"/>
           </a:xfrm>
+          <a:prstGeom prst="bentUpArrow">
+            <a:avLst/>
+          </a:prstGeom>
+          <a:solidFill>
+            <a:schemeClr val="tx2"/>
+          </a:solidFill>
+          <a:ln w="6350" algn="ctr">
+            <a:solidFill>
+              <a:schemeClr val="bg1"/>
+            </a:solidFill>
+            <a:miter lim="800000"/>
+            <a:headEnd/>
+            <a:tailEnd/>
+          </a:ln>
         </p:spPr>
         <p:txBody>
-          <a:bodyPr lIns="36000" tIns="36000" rIns="36000" bIns="36000"/>
+          <a:bodyPr lIns="90000" tIns="72000" rIns="90000" bIns="72000" rtlCol="0" anchor="ctr"/>
           <a:lstStyle/>
           <a:p>
-            <a:r>
-              <a:rPr lang="en-US" b="1" dirty="0"/>
-              <a:t>CMD</a:t>
-            </a:r>
-          </a:p>
-          <a:p>
-            <a:pPr lvl="1"/>
-            <a:r>
-              <a:rPr lang="en-US" dirty="0"/>
-              <a:t>specifies the command to run when a container is created from the image</a:t>
-            </a:r>
-          </a:p>
-          <a:p>
-            <a:pPr lvl="1"/>
-            <a:r>
-              <a:rPr lang="en-US" dirty="0"/>
-              <a:t>is executed by a shell (/bin/</a:t>
-            </a:r>
-            <a:r>
-              <a:rPr lang="en-US" dirty="0" err="1"/>
-              <a:t>sh</a:t>
-            </a:r>
-            <a:r>
-              <a:rPr lang="en-US" dirty="0"/>
-              <a:t>)</a:t>
-            </a:r>
-          </a:p>
-          <a:p>
-            <a:pPr lvl="1"/>
-            <a:r>
-              <a:rPr lang="en-US" dirty="0"/>
-              <a:t>all but the last CMD directive are ignored</a:t>
-            </a:r>
-          </a:p>
-          <a:p>
-            <a:pPr lvl="1"/>
-            <a:r>
-              <a:rPr lang="en-US" dirty="0"/>
-              <a:t>can be overridden upon container instantiation</a:t>
-            </a:r>
+            <a:pPr marR="0" algn="ctr" defTabSz="914400" eaLnBrk="1" fontAlgn="base" latinLnBrk="0" hangingPunct="1">
+              <a:lnSpc>
+                <a:spcPct val="100000"/>
+              </a:lnSpc>
+              <a:spcBef>
+                <a:spcPct val="50000"/>
+              </a:spcBef>
+              <a:spcAft>
+                <a:spcPct val="0"/>
+              </a:spcAft>
+              <a:buClr>
+                <a:srgbClr val="F0AB00"/>
+              </a:buClr>
+              <a:buSzPct val="80000"/>
+              <a:tabLst/>
+            </a:pPr>
+            <a:endParaRPr kumimoji="0" lang="en-US" sz="1800" b="0" i="0" u="none" strike="noStrike" kern="0" cap="none" spc="0" normalizeH="0" baseline="0" noProof="0" dirty="0" err="1">
+              <a:ln>
+                <a:noFill/>
+              </a:ln>
+              <a:effectLst/>
+              <a:uLnTx/>
+              <a:uFillTx/>
+              <a:ea typeface="Arial Unicode MS" pitchFamily="34" charset="-128"/>
+              <a:cs typeface="Arial Unicode MS" pitchFamily="34" charset="-128"/>
+            </a:endParaRPr>
           </a:p>
         </p:txBody>
       </p:sp>
       <p:sp>
         <p:nvSpPr>
-          <p:cNvPr id="4" name="Title 3"/>
+          <p:cNvPr id="2" name="Title 1">
+            <a:extLst>
+              <a:ext uri="{FF2B5EF4-FFF2-40B4-BE49-F238E27FC236}">
+                <a16:creationId xmlns:a16="http://schemas.microsoft.com/office/drawing/2014/main" id="{4D461299-64D3-4D8C-97B5-40E5E794FE74}"/>
+              </a:ext>
+            </a:extLst>
+          </p:cNvPr>
           <p:cNvSpPr>
             <a:spLocks noGrp="1"/>
           </p:cNvSpPr>
@@ -12625,752 +13284,3123 @@
             <p:ph type="title"/>
           </p:nvPr>
         </p:nvSpPr>
-        <p:spPr/>
+        <p:spPr>
+          <a:xfrm>
+            <a:off x="530895" y="505938"/>
+            <a:ext cx="11186476" cy="369332"/>
+          </a:xfrm>
+        </p:spPr>
         <p:txBody>
           <a:bodyPr/>
           <a:lstStyle/>
           <a:p>
             <a:r>
+              <a:rPr lang="en-US" dirty="0" err="1"/>
+              <a:t>Entrypoints</a:t>
+            </a:r>
+            <a:r>
               <a:rPr lang="en-US" dirty="0"/>
-              <a:t>Dockerfile </a:t>
-            </a:r>
-            <a:r>
-              <a:rPr lang="en-US"/>
-              <a:t>directives (5)</a:t>
-            </a:r>
-            <a:endParaRPr lang="en-US" dirty="0"/>
+              <a:t>, CMDs and the container lifecycle</a:t>
+            </a:r>
+          </a:p>
+        </p:txBody>
+      </p:sp>
+      <p:pic>
+        <p:nvPicPr>
+          <p:cNvPr id="4" name="Picture 3">
+            <a:extLst>
+              <a:ext uri="{FF2B5EF4-FFF2-40B4-BE49-F238E27FC236}">
+                <a16:creationId xmlns:a16="http://schemas.microsoft.com/office/drawing/2014/main" id="{4136D8EA-497A-44E6-A493-E028EA6347FD}"/>
+              </a:ext>
+            </a:extLst>
+          </p:cNvPr>
+          <p:cNvPicPr>
+            <a:picLocks noChangeAspect="1"/>
+          </p:cNvPicPr>
+          <p:nvPr/>
+        </p:nvPicPr>
+        <p:blipFill>
+          <a:blip r:embed="rId2"/>
+          <a:stretch>
+            <a:fillRect/>
+          </a:stretch>
+        </p:blipFill>
+        <p:spPr>
+          <a:xfrm>
+            <a:off x="1855700" y="2573153"/>
+            <a:ext cx="1613647" cy="1124806"/>
+          </a:xfrm>
+          <a:prstGeom prst="rect">
+            <a:avLst/>
+          </a:prstGeom>
+        </p:spPr>
+      </p:pic>
+      <p:pic>
+        <p:nvPicPr>
+          <p:cNvPr id="5" name="Picture 4">
+            <a:extLst>
+              <a:ext uri="{FF2B5EF4-FFF2-40B4-BE49-F238E27FC236}">
+                <a16:creationId xmlns:a16="http://schemas.microsoft.com/office/drawing/2014/main" id="{A7B6F568-DB42-4874-8159-523596E2C094}"/>
+              </a:ext>
+            </a:extLst>
+          </p:cNvPr>
+          <p:cNvPicPr>
+            <a:picLocks noChangeAspect="1"/>
+          </p:cNvPicPr>
+          <p:nvPr/>
+        </p:nvPicPr>
+        <p:blipFill>
+          <a:blip r:embed="rId3"/>
+          <a:stretch>
+            <a:fillRect/>
+          </a:stretch>
+        </p:blipFill>
+        <p:spPr>
+          <a:xfrm>
+            <a:off x="735111" y="1450158"/>
+            <a:ext cx="1388484" cy="1039240"/>
+          </a:xfrm>
+          <a:prstGeom prst="rect">
+            <a:avLst/>
+          </a:prstGeom>
+        </p:spPr>
+      </p:pic>
+      <p:cxnSp>
+        <p:nvCxnSpPr>
+          <p:cNvPr id="7" name="Connector: Elbow 6">
+            <a:extLst>
+              <a:ext uri="{FF2B5EF4-FFF2-40B4-BE49-F238E27FC236}">
+                <a16:creationId xmlns:a16="http://schemas.microsoft.com/office/drawing/2014/main" id="{4BD66FB7-D909-41C9-91BD-F325C5C74BC2}"/>
+              </a:ext>
+            </a:extLst>
+          </p:cNvPr>
+          <p:cNvCxnSpPr>
+            <a:stCxn id="5" idx="2"/>
+            <a:endCxn id="4" idx="1"/>
+          </p:cNvCxnSpPr>
+          <p:nvPr/>
+        </p:nvCxnSpPr>
+        <p:spPr>
+          <a:xfrm rot="16200000" flipH="1">
+            <a:off x="1319447" y="2599303"/>
+            <a:ext cx="646158" cy="426347"/>
+          </a:xfrm>
+          <a:prstGeom prst="bentConnector2">
+            <a:avLst/>
+          </a:prstGeom>
+          <a:ln w="9525">
+            <a:solidFill>
+              <a:schemeClr val="tx1"/>
+            </a:solidFill>
+            <a:headEnd type="none" w="med" len="med"/>
+            <a:tailEnd type="triangle"/>
+          </a:ln>
+        </p:spPr>
+        <p:style>
+          <a:lnRef idx="1">
+            <a:schemeClr val="accent1"/>
+          </a:lnRef>
+          <a:fillRef idx="0">
+            <a:schemeClr val="accent1"/>
+          </a:fillRef>
+          <a:effectRef idx="0">
+            <a:schemeClr val="accent1"/>
+          </a:effectRef>
+          <a:fontRef idx="minor">
+            <a:schemeClr val="tx1"/>
+          </a:fontRef>
+        </p:style>
+      </p:cxnSp>
+      <p:sp>
+        <p:nvSpPr>
+          <p:cNvPr id="10" name="Rectangle: Single Corner Snipped 9">
+            <a:extLst>
+              <a:ext uri="{FF2B5EF4-FFF2-40B4-BE49-F238E27FC236}">
+                <a16:creationId xmlns:a16="http://schemas.microsoft.com/office/drawing/2014/main" id="{B8B04CA1-2DB0-4D9A-9975-81C6027B430A}"/>
+              </a:ext>
+            </a:extLst>
+          </p:cNvPr>
+          <p:cNvSpPr/>
+          <p:nvPr/>
+        </p:nvSpPr>
+        <p:spPr bwMode="gray">
+          <a:xfrm>
+            <a:off x="7593110" y="1450158"/>
+            <a:ext cx="1470212" cy="1156448"/>
+          </a:xfrm>
+          <a:prstGeom prst="snip1Rect">
+            <a:avLst/>
+          </a:prstGeom>
+          <a:solidFill>
+            <a:schemeClr val="accent3">
+              <a:lumMod val="50000"/>
+            </a:schemeClr>
+          </a:solidFill>
+          <a:ln w="6350" algn="ctr">
+            <a:solidFill>
+              <a:schemeClr val="bg1"/>
+            </a:solidFill>
+            <a:miter lim="800000"/>
+            <a:headEnd/>
+            <a:tailEnd/>
+          </a:ln>
+        </p:spPr>
+        <p:txBody>
+          <a:bodyPr lIns="90000" tIns="72000" rIns="90000" bIns="72000" rtlCol="0" anchor="ctr"/>
+          <a:lstStyle/>
+          <a:p>
+            <a:pPr marR="0" algn="ctr" defTabSz="914400" eaLnBrk="1" fontAlgn="base" latinLnBrk="0" hangingPunct="1">
+              <a:lnSpc>
+                <a:spcPct val="100000"/>
+              </a:lnSpc>
+              <a:spcBef>
+                <a:spcPct val="50000"/>
+              </a:spcBef>
+              <a:spcAft>
+                <a:spcPct val="0"/>
+              </a:spcAft>
+              <a:buClr>
+                <a:srgbClr val="F0AB00"/>
+              </a:buClr>
+              <a:buSzPct val="80000"/>
+              <a:tabLst/>
+            </a:pPr>
+            <a:r>
+              <a:rPr kumimoji="0" lang="en-US" sz="1600" b="0" i="0" u="none" strike="noStrike" kern="0" cap="none" spc="0" normalizeH="0" baseline="0" noProof="0" dirty="0" err="1">
+                <a:ln>
+                  <a:noFill/>
+                </a:ln>
+                <a:solidFill>
+                  <a:schemeClr val="bg1"/>
+                </a:solidFill>
+                <a:effectLst/>
+                <a:uLnTx/>
+                <a:uFillTx/>
+                <a:ea typeface="Arial Unicode MS" pitchFamily="34" charset="-128"/>
+                <a:cs typeface="Arial Unicode MS" pitchFamily="34" charset="-128"/>
+              </a:rPr>
+              <a:t>config.json</a:t>
+            </a:r>
+            <a:endParaRPr kumimoji="0" lang="en-US" sz="1600" b="0" i="0" u="none" strike="noStrike" kern="0" cap="none" spc="0" normalizeH="0" baseline="0" noProof="0" dirty="0">
+              <a:ln>
+                <a:noFill/>
+              </a:ln>
+              <a:solidFill>
+                <a:schemeClr val="bg1"/>
+              </a:solidFill>
+              <a:effectLst/>
+              <a:uLnTx/>
+              <a:uFillTx/>
+              <a:ea typeface="Arial Unicode MS" pitchFamily="34" charset="-128"/>
+              <a:cs typeface="Arial Unicode MS" pitchFamily="34" charset="-128"/>
+            </a:endParaRPr>
+          </a:p>
+        </p:txBody>
+      </p:sp>
+      <p:cxnSp>
+        <p:nvCxnSpPr>
+          <p:cNvPr id="16" name="Connector: Elbow 15">
+            <a:extLst>
+              <a:ext uri="{FF2B5EF4-FFF2-40B4-BE49-F238E27FC236}">
+                <a16:creationId xmlns:a16="http://schemas.microsoft.com/office/drawing/2014/main" id="{F3F85A5F-4D7A-439E-89D9-851A78A2B144}"/>
+              </a:ext>
+            </a:extLst>
+          </p:cNvPr>
+          <p:cNvCxnSpPr>
+            <a:stCxn id="4" idx="3"/>
+            <a:endCxn id="10" idx="2"/>
+          </p:cNvCxnSpPr>
+          <p:nvPr/>
+        </p:nvCxnSpPr>
+        <p:spPr>
+          <a:xfrm flipV="1">
+            <a:off x="3469347" y="2028382"/>
+            <a:ext cx="4123763" cy="1107174"/>
+          </a:xfrm>
+          <a:prstGeom prst="bentConnector3">
+            <a:avLst/>
+          </a:prstGeom>
+          <a:ln w="9525">
+            <a:solidFill>
+              <a:schemeClr val="tx1"/>
+            </a:solidFill>
+            <a:headEnd type="none" w="med" len="med"/>
+            <a:tailEnd type="triangle"/>
+          </a:ln>
+        </p:spPr>
+        <p:style>
+          <a:lnRef idx="1">
+            <a:schemeClr val="accent1"/>
+          </a:lnRef>
+          <a:fillRef idx="0">
+            <a:schemeClr val="accent1"/>
+          </a:fillRef>
+          <a:effectRef idx="0">
+            <a:schemeClr val="accent1"/>
+          </a:effectRef>
+          <a:fontRef idx="minor">
+            <a:schemeClr val="tx1"/>
+          </a:fontRef>
+        </p:style>
+      </p:cxnSp>
+      <p:grpSp>
+        <p:nvGrpSpPr>
+          <p:cNvPr id="25" name="Group 24">
+            <a:extLst>
+              <a:ext uri="{FF2B5EF4-FFF2-40B4-BE49-F238E27FC236}">
+                <a16:creationId xmlns:a16="http://schemas.microsoft.com/office/drawing/2014/main" id="{93029CC7-B361-454E-AECC-570757DE7154}"/>
+              </a:ext>
+            </a:extLst>
+          </p:cNvPr>
+          <p:cNvGrpSpPr/>
+          <p:nvPr/>
+        </p:nvGrpSpPr>
+        <p:grpSpPr>
+          <a:xfrm>
+            <a:off x="5325043" y="1431394"/>
+            <a:ext cx="2091988" cy="596153"/>
+            <a:chOff x="5181603" y="1081759"/>
+            <a:chExt cx="2091988" cy="596153"/>
+          </a:xfrm>
+        </p:grpSpPr>
+        <p:pic>
+          <p:nvPicPr>
+            <p:cNvPr id="14" name="Graphic 13">
+              <a:extLst>
+                <a:ext uri="{FF2B5EF4-FFF2-40B4-BE49-F238E27FC236}">
+                  <a16:creationId xmlns:a16="http://schemas.microsoft.com/office/drawing/2014/main" id="{DD3C745B-77A2-45D3-8122-FB55A5E2D278}"/>
+                </a:ext>
+              </a:extLst>
+            </p:cNvPr>
+            <p:cNvPicPr>
+              <a:picLocks noChangeAspect="1"/>
+            </p:cNvPicPr>
+            <p:nvPr/>
+          </p:nvPicPr>
+          <p:blipFill>
+            <a:blip r:embed="rId4">
+              <a:extLst>
+                <a:ext uri="{96DAC541-7B7A-43D3-8B79-37D633B846F1}">
+                  <asvg:svgBlip xmlns:asvg="http://schemas.microsoft.com/office/drawing/2016/SVG/main" r:embed="rId5"/>
+                </a:ext>
+              </a:extLst>
+            </a:blip>
+            <a:stretch>
+              <a:fillRect/>
+            </a:stretch>
+          </p:blipFill>
+          <p:spPr>
+            <a:xfrm>
+              <a:off x="5181603" y="1081759"/>
+              <a:ext cx="596153" cy="596153"/>
+            </a:xfrm>
+            <a:prstGeom prst="rect">
+              <a:avLst/>
+            </a:prstGeom>
+          </p:spPr>
+        </p:pic>
+        <p:sp>
+          <p:nvSpPr>
+            <p:cNvPr id="17" name="TextBox 16">
+              <a:extLst>
+                <a:ext uri="{FF2B5EF4-FFF2-40B4-BE49-F238E27FC236}">
+                  <a16:creationId xmlns:a16="http://schemas.microsoft.com/office/drawing/2014/main" id="{E1605948-03A4-4F2D-9EAF-B0BCEBE5C4F7}"/>
+                </a:ext>
+              </a:extLst>
+            </p:cNvPr>
+            <p:cNvSpPr txBox="1"/>
+            <p:nvPr/>
+          </p:nvSpPr>
+          <p:spPr>
+            <a:xfrm>
+              <a:off x="5840506" y="1328444"/>
+              <a:ext cx="1433085" cy="246221"/>
+            </a:xfrm>
+            <a:prstGeom prst="rect">
+              <a:avLst/>
+            </a:prstGeom>
+            <a:noFill/>
+          </p:spPr>
+          <p:txBody>
+            <a:bodyPr wrap="none" lIns="0" tIns="0" rIns="0" bIns="0" rtlCol="0">
+              <a:spAutoFit/>
+            </a:bodyPr>
+            <a:lstStyle/>
+            <a:p>
+              <a:pPr fontAlgn="base">
+                <a:spcBef>
+                  <a:spcPct val="50000"/>
+                </a:spcBef>
+                <a:spcAft>
+                  <a:spcPct val="0"/>
+                </a:spcAft>
+                <a:buClr>
+                  <a:srgbClr val="F0AB00"/>
+                </a:buClr>
+                <a:buSzPct val="80000"/>
+              </a:pPr>
+              <a:r>
+                <a:rPr lang="en-US" sz="1600" kern="0" dirty="0">
+                  <a:ea typeface="Arial Unicode MS" pitchFamily="34" charset="-128"/>
+                  <a:cs typeface="Arial Unicode MS" pitchFamily="34" charset="-128"/>
+                </a:rPr>
+                <a:t>ENTRYPOINT?</a:t>
+              </a:r>
+            </a:p>
+          </p:txBody>
+        </p:sp>
+      </p:grpSp>
+      <p:sp>
+        <p:nvSpPr>
+          <p:cNvPr id="19" name="Thought Bubble: Cloud 18">
+            <a:extLst>
+              <a:ext uri="{FF2B5EF4-FFF2-40B4-BE49-F238E27FC236}">
+                <a16:creationId xmlns:a16="http://schemas.microsoft.com/office/drawing/2014/main" id="{ECD6F3B9-0583-48BE-948C-AFF97B19CE79}"/>
+              </a:ext>
+            </a:extLst>
+          </p:cNvPr>
+          <p:cNvSpPr/>
+          <p:nvPr/>
+        </p:nvSpPr>
+        <p:spPr bwMode="gray">
+          <a:xfrm>
+            <a:off x="2521156" y="1533022"/>
+            <a:ext cx="2287610" cy="955456"/>
+          </a:xfrm>
+          <a:prstGeom prst="cloudCallout">
+            <a:avLst/>
+          </a:prstGeom>
+          <a:solidFill>
+            <a:schemeClr val="accent1"/>
+          </a:solidFill>
+          <a:ln w="6350" algn="ctr">
+            <a:noFill/>
+            <a:miter lim="800000"/>
+            <a:headEnd/>
+            <a:tailEnd/>
+          </a:ln>
+        </p:spPr>
+        <p:txBody>
+          <a:bodyPr lIns="0" tIns="72000" rIns="0" bIns="72000" rtlCol="0" anchor="ctr"/>
+          <a:lstStyle/>
+          <a:p>
+            <a:pPr marR="0" algn="ctr" defTabSz="914400" eaLnBrk="1" fontAlgn="base" latinLnBrk="0" hangingPunct="1">
+              <a:lnSpc>
+                <a:spcPct val="100000"/>
+              </a:lnSpc>
+              <a:spcBef>
+                <a:spcPct val="50000"/>
+              </a:spcBef>
+              <a:spcAft>
+                <a:spcPct val="0"/>
+              </a:spcAft>
+              <a:buClr>
+                <a:srgbClr val="F0AB00"/>
+              </a:buClr>
+              <a:buSzPct val="80000"/>
+              <a:tabLst/>
+            </a:pPr>
+            <a:r>
+              <a:rPr kumimoji="0" lang="en-US" sz="1400" b="0" i="0" u="none" strike="noStrike" kern="0" cap="none" spc="0" normalizeH="0" baseline="0" noProof="0" dirty="0">
+                <a:ln>
+                  <a:noFill/>
+                </a:ln>
+                <a:effectLst/>
+                <a:uLnTx/>
+                <a:uFillTx/>
+                <a:ea typeface="Arial Unicode MS" pitchFamily="34" charset="-128"/>
+                <a:cs typeface="Arial Unicode MS" pitchFamily="34" charset="-128"/>
+              </a:rPr>
+              <a:t>ENTRYPOINT is </a:t>
+            </a:r>
+            <a:r>
+              <a:rPr kumimoji="0" lang="en-US" sz="1400" b="1" i="1" u="none" strike="noStrike" kern="0" cap="none" spc="0" normalizeH="0" baseline="0" noProof="0" dirty="0">
+                <a:ln>
+                  <a:noFill/>
+                </a:ln>
+                <a:effectLst/>
+                <a:uLnTx/>
+                <a:uFillTx/>
+                <a:ea typeface="Arial Unicode MS" pitchFamily="34" charset="-128"/>
+                <a:cs typeface="Arial Unicode MS" pitchFamily="34" charset="-128"/>
+              </a:rPr>
+              <a:t>/bin/bash</a:t>
+            </a:r>
           </a:p>
         </p:txBody>
       </p:sp>
       <p:sp>
         <p:nvSpPr>
-          <p:cNvPr id="7" name="Text Placeholder 1"/>
-          <p:cNvSpPr txBox="1">
-            <a:spLocks/>
-          </p:cNvSpPr>
+          <p:cNvPr id="20" name="Thought Bubble: Cloud 19">
+            <a:extLst>
+              <a:ext uri="{FF2B5EF4-FFF2-40B4-BE49-F238E27FC236}">
+                <a16:creationId xmlns:a16="http://schemas.microsoft.com/office/drawing/2014/main" id="{D330936A-38D7-46F1-8B92-9AA010B0EB77}"/>
+              </a:ext>
+            </a:extLst>
+          </p:cNvPr>
+          <p:cNvSpPr/>
           <p:nvPr/>
         </p:nvSpPr>
         <p:spPr bwMode="gray">
           <a:xfrm>
-            <a:off x="504000" y="3735000"/>
-            <a:ext cx="5328000" cy="2308749"/>
+            <a:off x="647441" y="3930359"/>
+            <a:ext cx="2732258" cy="919559"/>
+          </a:xfrm>
+          <a:prstGeom prst="cloudCallout">
+            <a:avLst>
+              <a:gd name="adj1" fmla="val 13191"/>
+              <a:gd name="adj2" fmla="val -71284"/>
+            </a:avLst>
+          </a:prstGeom>
+          <a:solidFill>
+            <a:schemeClr val="accent1"/>
+          </a:solidFill>
+          <a:ln w="6350" algn="ctr">
+            <a:noFill/>
+            <a:miter lim="800000"/>
+            <a:headEnd/>
+            <a:tailEnd/>
+          </a:ln>
+        </p:spPr>
+        <p:txBody>
+          <a:bodyPr lIns="0" tIns="72000" rIns="0" bIns="72000" rtlCol="0" anchor="ctr"/>
+          <a:lstStyle/>
+          <a:p>
+            <a:pPr marR="0" algn="ctr" defTabSz="914400" eaLnBrk="1" fontAlgn="base" latinLnBrk="0" hangingPunct="1">
+              <a:lnSpc>
+                <a:spcPct val="100000"/>
+              </a:lnSpc>
+              <a:spcBef>
+                <a:spcPct val="50000"/>
+              </a:spcBef>
+              <a:spcAft>
+                <a:spcPct val="0"/>
+              </a:spcAft>
+              <a:buClr>
+                <a:srgbClr val="F0AB00"/>
+              </a:buClr>
+              <a:buSzPct val="80000"/>
+              <a:tabLst/>
+            </a:pPr>
+            <a:r>
+              <a:rPr kumimoji="0" lang="en-US" sz="1400" b="0" i="0" u="none" strike="noStrike" kern="0" cap="none" spc="0" normalizeH="0" baseline="0" noProof="0" dirty="0">
+                <a:ln>
+                  <a:noFill/>
+                </a:ln>
+                <a:effectLst/>
+                <a:uLnTx/>
+                <a:uFillTx/>
+                <a:ea typeface="Arial Unicode MS" pitchFamily="34" charset="-128"/>
+                <a:cs typeface="Arial Unicode MS" pitchFamily="34" charset="-128"/>
+              </a:rPr>
+              <a:t>CMD is </a:t>
+            </a:r>
+            <a:br>
+              <a:rPr kumimoji="0" lang="en-US" sz="1400" b="0" i="0" u="none" strike="noStrike" kern="0" cap="none" spc="0" normalizeH="0" baseline="0" noProof="0" dirty="0">
+                <a:ln>
+                  <a:noFill/>
+                </a:ln>
+                <a:effectLst/>
+                <a:uLnTx/>
+                <a:uFillTx/>
+                <a:ea typeface="Arial Unicode MS" pitchFamily="34" charset="-128"/>
+                <a:cs typeface="Arial Unicode MS" pitchFamily="34" charset="-128"/>
+              </a:rPr>
+            </a:br>
+            <a:r>
+              <a:rPr kumimoji="0" lang="en-US" sz="1400" b="1" i="1" u="none" strike="noStrike" kern="0" cap="none" spc="0" normalizeH="0" baseline="0" noProof="0" dirty="0" err="1">
+                <a:ln>
+                  <a:noFill/>
+                </a:ln>
+                <a:effectLst/>
+                <a:uLnTx/>
+                <a:uFillTx/>
+                <a:ea typeface="Arial Unicode MS" pitchFamily="34" charset="-128"/>
+                <a:cs typeface="Arial Unicode MS" pitchFamily="34" charset="-128"/>
+              </a:rPr>
+              <a:t>nginx</a:t>
+            </a:r>
+            <a:r>
+              <a:rPr kumimoji="0" lang="en-US" sz="1400" b="1" i="1" u="none" strike="noStrike" kern="0" cap="none" spc="0" normalizeH="0" baseline="0" noProof="0" dirty="0">
+                <a:ln>
+                  <a:noFill/>
+                </a:ln>
+                <a:effectLst/>
+                <a:uLnTx/>
+                <a:uFillTx/>
+                <a:ea typeface="Arial Unicode MS" pitchFamily="34" charset="-128"/>
+                <a:cs typeface="Arial Unicode MS" pitchFamily="34" charset="-128"/>
+              </a:rPr>
+              <a:t> -c daemon off;</a:t>
+            </a:r>
+          </a:p>
+        </p:txBody>
+      </p:sp>
+      <p:grpSp>
+        <p:nvGrpSpPr>
+          <p:cNvPr id="26" name="Group 25">
+            <a:extLst>
+              <a:ext uri="{FF2B5EF4-FFF2-40B4-BE49-F238E27FC236}">
+                <a16:creationId xmlns:a16="http://schemas.microsoft.com/office/drawing/2014/main" id="{0465955D-8510-4AA7-B1E3-E1B19249A15F}"/>
+              </a:ext>
+            </a:extLst>
+          </p:cNvPr>
+          <p:cNvGrpSpPr/>
+          <p:nvPr/>
+        </p:nvGrpSpPr>
+        <p:grpSpPr>
+          <a:xfrm>
+            <a:off x="6008602" y="1993578"/>
+            <a:ext cx="1239190" cy="596153"/>
+            <a:chOff x="5865162" y="1643943"/>
+            <a:chExt cx="1239190" cy="596153"/>
+          </a:xfrm>
+        </p:grpSpPr>
+        <p:pic>
+          <p:nvPicPr>
+            <p:cNvPr id="23" name="Graphic 22">
+              <a:extLst>
+                <a:ext uri="{FF2B5EF4-FFF2-40B4-BE49-F238E27FC236}">
+                  <a16:creationId xmlns:a16="http://schemas.microsoft.com/office/drawing/2014/main" id="{CC4E2F79-BA68-4978-9832-2240281F773A}"/>
+                </a:ext>
+              </a:extLst>
+            </p:cNvPr>
+            <p:cNvPicPr>
+              <a:picLocks noChangeAspect="1"/>
+            </p:cNvPicPr>
+            <p:nvPr/>
+          </p:nvPicPr>
+          <p:blipFill>
+            <a:blip r:embed="rId4">
+              <a:extLst>
+                <a:ext uri="{96DAC541-7B7A-43D3-8B79-37D633B846F1}">
+                  <asvg:svgBlip xmlns:asvg="http://schemas.microsoft.com/office/drawing/2016/SVG/main" r:embed="rId5"/>
+                </a:ext>
+              </a:extLst>
+            </a:blip>
+            <a:stretch>
+              <a:fillRect/>
+            </a:stretch>
+          </p:blipFill>
+          <p:spPr>
+            <a:xfrm>
+              <a:off x="5865162" y="1643943"/>
+              <a:ext cx="596153" cy="596153"/>
+            </a:xfrm>
+            <a:prstGeom prst="rect">
+              <a:avLst/>
+            </a:prstGeom>
+          </p:spPr>
+        </p:pic>
+        <p:sp>
+          <p:nvSpPr>
+            <p:cNvPr id="24" name="TextBox 23">
+              <a:extLst>
+                <a:ext uri="{FF2B5EF4-FFF2-40B4-BE49-F238E27FC236}">
+                  <a16:creationId xmlns:a16="http://schemas.microsoft.com/office/drawing/2014/main" id="{34FAF991-1923-48BB-B62A-ED65656FF942}"/>
+                </a:ext>
+              </a:extLst>
+            </p:cNvPr>
+            <p:cNvSpPr txBox="1"/>
+            <p:nvPr/>
+          </p:nvSpPr>
+          <p:spPr>
+            <a:xfrm>
+              <a:off x="6524065" y="1890628"/>
+              <a:ext cx="580287" cy="246221"/>
+            </a:xfrm>
+            <a:prstGeom prst="rect">
+              <a:avLst/>
+            </a:prstGeom>
+            <a:noFill/>
+          </p:spPr>
+          <p:txBody>
+            <a:bodyPr wrap="none" lIns="0" tIns="0" rIns="0" bIns="0" rtlCol="0">
+              <a:spAutoFit/>
+            </a:bodyPr>
+            <a:lstStyle/>
+            <a:p>
+              <a:pPr fontAlgn="base">
+                <a:spcBef>
+                  <a:spcPct val="50000"/>
+                </a:spcBef>
+                <a:spcAft>
+                  <a:spcPct val="0"/>
+                </a:spcAft>
+                <a:buClr>
+                  <a:srgbClr val="F0AB00"/>
+                </a:buClr>
+                <a:buSzPct val="80000"/>
+              </a:pPr>
+              <a:r>
+                <a:rPr lang="en-US" sz="1600" kern="0" dirty="0">
+                  <a:ea typeface="Arial Unicode MS" pitchFamily="34" charset="-128"/>
+                  <a:cs typeface="Arial Unicode MS" pitchFamily="34" charset="-128"/>
+                </a:rPr>
+                <a:t>CMD?</a:t>
+              </a:r>
+            </a:p>
+          </p:txBody>
+        </p:sp>
+      </p:grpSp>
+      <p:pic>
+        <p:nvPicPr>
+          <p:cNvPr id="27" name="Picture 26">
+            <a:extLst>
+              <a:ext uri="{FF2B5EF4-FFF2-40B4-BE49-F238E27FC236}">
+                <a16:creationId xmlns:a16="http://schemas.microsoft.com/office/drawing/2014/main" id="{D402FA9E-6831-48C1-AC09-15BCCC1ECA03}"/>
+              </a:ext>
+            </a:extLst>
+          </p:cNvPr>
+          <p:cNvPicPr>
+            <a:picLocks noChangeAspect="1"/>
+          </p:cNvPicPr>
+          <p:nvPr/>
+        </p:nvPicPr>
+        <p:blipFill>
+          <a:blip r:embed="rId6"/>
+          <a:stretch>
+            <a:fillRect/>
+          </a:stretch>
+        </p:blipFill>
+        <p:spPr>
+          <a:xfrm>
+            <a:off x="4107946" y="3714732"/>
+            <a:ext cx="3801311" cy="2270372"/>
+          </a:xfrm>
+          <a:prstGeom prst="rect">
+            <a:avLst/>
+          </a:prstGeom>
+        </p:spPr>
+      </p:pic>
+      <p:sp>
+        <p:nvSpPr>
+          <p:cNvPr id="30" name="Rectangle 29">
+            <a:extLst>
+              <a:ext uri="{FF2B5EF4-FFF2-40B4-BE49-F238E27FC236}">
+                <a16:creationId xmlns:a16="http://schemas.microsoft.com/office/drawing/2014/main" id="{755AADC9-3E5E-44FF-8648-ED418622A416}"/>
+              </a:ext>
+            </a:extLst>
+          </p:cNvPr>
+          <p:cNvSpPr/>
+          <p:nvPr/>
+        </p:nvSpPr>
+        <p:spPr bwMode="gray">
+          <a:xfrm>
+            <a:off x="7900292" y="3930359"/>
+            <a:ext cx="3023999" cy="413637"/>
           </a:xfrm>
           <a:prstGeom prst="rect">
             <a:avLst/>
           </a:prstGeom>
           <a:solidFill>
-            <a:srgbClr val="FFF8E7"/>
+            <a:srgbClr val="002060"/>
           </a:solidFill>
+          <a:ln w="6350" algn="ctr">
+            <a:solidFill>
+              <a:schemeClr val="tx1"/>
+            </a:solidFill>
+            <a:miter lim="800000"/>
+            <a:headEnd/>
+            <a:tailEnd/>
+          </a:ln>
         </p:spPr>
         <p:txBody>
-          <a:bodyPr vert="horz" lIns="36000" tIns="36000" rIns="36000" bIns="36000" rtlCol="0">
-            <a:noAutofit/>
-          </a:bodyPr>
-          <a:lstStyle>
-            <a:lvl1pPr marL="0" indent="0" algn="l" defTabSz="1088558" rtl="0" eaLnBrk="1" latinLnBrk="0" hangingPunct="1">
-              <a:spcBef>
-                <a:spcPts val="1800"/>
-              </a:spcBef>
+          <a:bodyPr lIns="90000" tIns="72000" rIns="90000" bIns="72000" rtlCol="0" anchor="ctr"/>
+          <a:lstStyle/>
+          <a:p>
+            <a:pPr marR="0" algn="ctr" defTabSz="914400" eaLnBrk="1" fontAlgn="base" latinLnBrk="0" hangingPunct="1">
+              <a:lnSpc>
+                <a:spcPct val="100000"/>
+              </a:lnSpc>
+              <a:spcBef>
+                <a:spcPct val="50000"/>
+              </a:spcBef>
+              <a:spcAft>
+                <a:spcPct val="0"/>
+              </a:spcAft>
               <a:buClr>
-                <a:schemeClr val="accent1"/>
+                <a:srgbClr val="F0AB00"/>
               </a:buClr>
               <a:buSzPct val="80000"/>
-              <a:buFontTx/>
-              <a:buNone/>
-              <a:defRPr sz="2000" b="0" kern="1200">
-                <a:solidFill>
-                  <a:schemeClr val="tx1"/>
-                </a:solidFill>
-                <a:latin typeface="+mn-lt"/>
-                <a:ea typeface="+mn-ea"/>
-                <a:cs typeface="+mn-cs"/>
-              </a:defRPr>
-            </a:lvl1pPr>
-            <a:lvl2pPr marL="179964" indent="-179964" algn="l" defTabSz="1088558" rtl="0" eaLnBrk="1" latinLnBrk="0" hangingPunct="1">
-              <a:spcBef>
-                <a:spcPts val="600"/>
-              </a:spcBef>
-              <a:buClr>
-                <a:schemeClr val="accent1"/>
-              </a:buClr>
-              <a:buSzPct val="100000"/>
-              <a:buFont typeface="Wingdings" pitchFamily="2" charset="2"/>
-              <a:buChar char="§"/>
-              <a:defRPr sz="1800" kern="1200">
-                <a:solidFill>
-                  <a:schemeClr val="tx1"/>
-                </a:solidFill>
-                <a:latin typeface="+mn-lt"/>
-                <a:ea typeface="+mn-ea"/>
-                <a:cs typeface="+mn-cs"/>
-              </a:defRPr>
-            </a:lvl2pPr>
-            <a:lvl3pPr marL="358775" indent="-179388" algn="l" defTabSz="1088558" rtl="0" eaLnBrk="1" latinLnBrk="0" hangingPunct="1">
-              <a:spcBef>
-                <a:spcPts val="300"/>
-              </a:spcBef>
-              <a:buClr>
-                <a:schemeClr val="tx1"/>
-              </a:buClr>
-              <a:buSzPct val="100000"/>
-              <a:buFont typeface="Arial" panose="020B0604020202020204" pitchFamily="34" charset="0"/>
-              <a:buChar char="–"/>
-              <a:defRPr lang="en-US" sz="1800" kern="1200" noProof="0" dirty="0" smtClean="0">
-                <a:solidFill>
-                  <a:schemeClr val="tx1"/>
-                </a:solidFill>
-                <a:latin typeface="+mn-lt"/>
-                <a:ea typeface="+mn-ea"/>
-                <a:cs typeface="+mn-cs"/>
-              </a:defRPr>
-            </a:lvl3pPr>
-            <a:lvl4pPr marL="539892" indent="-179964" algn="l" defTabSz="1088558" rtl="0" eaLnBrk="1" latinLnBrk="0" hangingPunct="1">
-              <a:spcBef>
-                <a:spcPts val="300"/>
-              </a:spcBef>
-              <a:buClr>
-                <a:schemeClr val="tx1"/>
-              </a:buClr>
-              <a:buSzPct val="120000"/>
-              <a:buFont typeface="Arial" pitchFamily="34" charset="0"/>
-              <a:buChar char="▫"/>
-              <a:defRPr sz="1600" kern="1200">
-                <a:solidFill>
-                  <a:schemeClr val="tx1"/>
-                </a:solidFill>
-                <a:latin typeface="+mn-lt"/>
-                <a:ea typeface="+mn-ea"/>
-                <a:cs typeface="+mn-cs"/>
-              </a:defRPr>
-            </a:lvl4pPr>
-            <a:lvl5pPr marL="719856" indent="-179964" algn="l" defTabSz="1088558" rtl="0" eaLnBrk="1" latinLnBrk="0" hangingPunct="1">
-              <a:spcBef>
-                <a:spcPts val="100"/>
-              </a:spcBef>
-              <a:buClr>
-                <a:schemeClr val="tx1"/>
-              </a:buClr>
-              <a:buSzPct val="100000"/>
-              <a:buFont typeface="Symbol" panose="05050102010706020507" pitchFamily="18" charset="2"/>
-              <a:buChar char="-"/>
-              <a:defRPr sz="1400" kern="1200" baseline="0">
-                <a:solidFill>
-                  <a:schemeClr val="tx1"/>
-                </a:solidFill>
-                <a:latin typeface="+mn-lt"/>
-                <a:ea typeface="+mn-ea"/>
-                <a:cs typeface="+mn-cs"/>
-              </a:defRPr>
-            </a:lvl5pPr>
-            <a:lvl6pPr marL="2993535" indent="-272140" algn="l" defTabSz="1088558" rtl="0" eaLnBrk="1" latinLnBrk="0" hangingPunct="1">
-              <a:spcBef>
-                <a:spcPct val="20000"/>
-              </a:spcBef>
-              <a:buFont typeface="Arial" pitchFamily="34" charset="0"/>
-              <a:buChar char="•"/>
-              <a:defRPr sz="2400" kern="1200">
-                <a:solidFill>
-                  <a:schemeClr val="tx1"/>
-                </a:solidFill>
-                <a:latin typeface="+mn-lt"/>
-                <a:ea typeface="+mn-ea"/>
-                <a:cs typeface="+mn-cs"/>
-              </a:defRPr>
-            </a:lvl6pPr>
-            <a:lvl7pPr marL="3537814" indent="-272140" algn="l" defTabSz="1088558" rtl="0" eaLnBrk="1" latinLnBrk="0" hangingPunct="1">
-              <a:spcBef>
-                <a:spcPct val="20000"/>
-              </a:spcBef>
-              <a:buFont typeface="Arial" pitchFamily="34" charset="0"/>
-              <a:buChar char="•"/>
-              <a:defRPr sz="2400" kern="1200">
-                <a:solidFill>
-                  <a:schemeClr val="tx1"/>
-                </a:solidFill>
-                <a:latin typeface="+mn-lt"/>
-                <a:ea typeface="+mn-ea"/>
-                <a:cs typeface="+mn-cs"/>
-              </a:defRPr>
-            </a:lvl7pPr>
-            <a:lvl8pPr marL="4082093" indent="-272140" algn="l" defTabSz="1088558" rtl="0" eaLnBrk="1" latinLnBrk="0" hangingPunct="1">
-              <a:spcBef>
-                <a:spcPct val="20000"/>
-              </a:spcBef>
-              <a:buFont typeface="Arial" pitchFamily="34" charset="0"/>
-              <a:buChar char="•"/>
-              <a:defRPr sz="2400" kern="1200">
-                <a:solidFill>
-                  <a:schemeClr val="tx1"/>
-                </a:solidFill>
-                <a:latin typeface="+mn-lt"/>
-                <a:ea typeface="+mn-ea"/>
-                <a:cs typeface="+mn-cs"/>
-              </a:defRPr>
-            </a:lvl8pPr>
-            <a:lvl9pPr marL="4626373" indent="-272140" algn="l" defTabSz="1088558" rtl="0" eaLnBrk="1" latinLnBrk="0" hangingPunct="1">
-              <a:spcBef>
-                <a:spcPct val="20000"/>
-              </a:spcBef>
-              <a:buFont typeface="Arial" pitchFamily="34" charset="0"/>
-              <a:buChar char="•"/>
-              <a:defRPr sz="2400" kern="1200">
-                <a:solidFill>
-                  <a:schemeClr val="tx1"/>
-                </a:solidFill>
-                <a:latin typeface="+mn-lt"/>
-                <a:ea typeface="+mn-ea"/>
-                <a:cs typeface="+mn-cs"/>
-              </a:defRPr>
-            </a:lvl9pPr>
-          </a:lstStyle>
-          <a:p>
-            <a:pPr marL="0" lvl="1" indent="0">
-              <a:buFont typeface="Wingdings" pitchFamily="2" charset="2"/>
-              <a:buNone/>
+              <a:tabLst/>
             </a:pPr>
             <a:r>
-              <a:rPr lang="en-US" sz="1400" b="1" dirty="0"/>
-              <a:t>Examples:</a:t>
-            </a:r>
-          </a:p>
-          <a:p>
-            <a:pPr lvl="1"/>
-            <a:r>
-              <a:rPr lang="en-US" sz="1400" b="1" dirty="0">
-                <a:latin typeface="Courier New" panose="02070309020205020404" pitchFamily="49" charset="0"/>
-                <a:cs typeface="Courier New" panose="02070309020205020404" pitchFamily="49" charset="0"/>
+              <a:rPr lang="en-US" sz="1400" b="1" kern="0" dirty="0">
+                <a:solidFill>
+                  <a:schemeClr val="bg1"/>
+                </a:solidFill>
+                <a:ea typeface="Arial Unicode MS" pitchFamily="34" charset="-128"/>
+                <a:cs typeface="Arial Unicode MS" pitchFamily="34" charset="-128"/>
               </a:rPr>
-              <a:t>CMD /bin/</a:t>
-            </a:r>
-            <a:r>
-              <a:rPr lang="en-US" sz="1400" b="1" dirty="0" err="1">
-                <a:latin typeface="Courier New" panose="02070309020205020404" pitchFamily="49" charset="0"/>
-                <a:cs typeface="Courier New" panose="02070309020205020404" pitchFamily="49" charset="0"/>
-              </a:rPr>
-              <a:t>helloworld</a:t>
-            </a:r>
-            <a:endParaRPr lang="en-US" sz="1400" b="1" dirty="0">
-              <a:latin typeface="Courier New" panose="02070309020205020404" pitchFamily="49" charset="0"/>
-              <a:cs typeface="Courier New" panose="02070309020205020404" pitchFamily="49" charset="0"/>
+              <a:t>PID 1</a:t>
+            </a:r>
+            <a:endParaRPr kumimoji="0" lang="en-US" sz="1400" b="1" u="none" strike="noStrike" kern="0" cap="none" spc="0" normalizeH="0" baseline="0" noProof="0" dirty="0">
+              <a:ln>
+                <a:noFill/>
+              </a:ln>
+              <a:solidFill>
+                <a:schemeClr val="bg1"/>
+              </a:solidFill>
+              <a:effectLst/>
+              <a:uLnTx/>
+              <a:uFillTx/>
+              <a:ea typeface="Arial Unicode MS" pitchFamily="34" charset="-128"/>
+              <a:cs typeface="Arial Unicode MS" pitchFamily="34" charset="-128"/>
             </a:endParaRPr>
-          </a:p>
-          <a:p>
-            <a:pPr lvl="2"/>
-            <a:r>
-              <a:rPr lang="en-US" sz="1400" dirty="0"/>
-              <a:t>will run a hello-world program when the container is started</a:t>
-            </a:r>
-          </a:p>
-          <a:p>
-            <a:pPr lvl="1"/>
-            <a:r>
-              <a:rPr lang="en-US" sz="1400" b="1" dirty="0">
-                <a:latin typeface="Courier New" panose="02070309020205020404" pitchFamily="49" charset="0"/>
-                <a:cs typeface="Courier New" panose="02070309020205020404" pitchFamily="49" charset="0"/>
-              </a:rPr>
-              <a:t>CMD ["</a:t>
-            </a:r>
-            <a:r>
-              <a:rPr lang="en-US" sz="1400" b="1" dirty="0" err="1">
-                <a:latin typeface="Courier New" panose="02070309020205020404" pitchFamily="49" charset="0"/>
-                <a:cs typeface="Courier New" panose="02070309020205020404" pitchFamily="49" charset="0"/>
-              </a:rPr>
-              <a:t>nginx</a:t>
-            </a:r>
-            <a:r>
-              <a:rPr lang="en-US" sz="1400" b="1" dirty="0">
-                <a:latin typeface="Courier New" panose="02070309020205020404" pitchFamily="49" charset="0"/>
-                <a:cs typeface="Courier New" panose="02070309020205020404" pitchFamily="49" charset="0"/>
-              </a:rPr>
-              <a:t>", "-c", "daemon off;"]</a:t>
-            </a:r>
-          </a:p>
-          <a:p>
-            <a:pPr lvl="2"/>
-            <a:r>
-              <a:rPr lang="en-US" sz="1400" dirty="0"/>
-              <a:t>will run the </a:t>
-            </a:r>
-            <a:r>
-              <a:rPr lang="en-US" sz="1400" dirty="0" err="1"/>
-              <a:t>nginx</a:t>
-            </a:r>
-            <a:r>
-              <a:rPr lang="en-US" sz="1400" dirty="0"/>
-              <a:t> binary with the arguments </a:t>
-            </a:r>
-            <a:r>
-              <a:rPr lang="en-US" sz="1400" i="1" dirty="0"/>
-              <a:t>“-c”</a:t>
-            </a:r>
-            <a:r>
-              <a:rPr lang="en-US" sz="1400" dirty="0"/>
-              <a:t> and </a:t>
-            </a:r>
-            <a:r>
-              <a:rPr lang="en-US" sz="1400" i="1" dirty="0"/>
-              <a:t>“daemon off;”</a:t>
-            </a:r>
-            <a:endParaRPr lang="en-US" sz="1400" b="1" i="1" dirty="0"/>
           </a:p>
         </p:txBody>
       </p:sp>
       <p:sp>
         <p:nvSpPr>
-          <p:cNvPr id="8" name="Text Placeholder 1"/>
-          <p:cNvSpPr txBox="1">
-            <a:spLocks/>
-          </p:cNvSpPr>
+          <p:cNvPr id="31" name="Rectangle 30">
+            <a:extLst>
+              <a:ext uri="{FF2B5EF4-FFF2-40B4-BE49-F238E27FC236}">
+                <a16:creationId xmlns:a16="http://schemas.microsoft.com/office/drawing/2014/main" id="{99443267-0821-4503-A681-68A18E66581A}"/>
+              </a:ext>
+            </a:extLst>
+          </p:cNvPr>
+          <p:cNvSpPr/>
           <p:nvPr/>
         </p:nvSpPr>
         <p:spPr bwMode="gray">
           <a:xfrm>
-            <a:off x="6362477" y="1506788"/>
-            <a:ext cx="5328000" cy="1967931"/>
-          </a:xfrm>
-          <a:prstGeom prst="rect">
-            <a:avLst/>
-          </a:prstGeom>
-        </p:spPr>
-        <p:txBody>
-          <a:bodyPr vert="horz" lIns="36000" tIns="36000" rIns="36000" bIns="36000" rtlCol="0">
-            <a:noAutofit/>
-          </a:bodyPr>
-          <a:lstStyle>
-            <a:lvl1pPr marL="0" indent="0" algn="l" defTabSz="1088558" rtl="0" eaLnBrk="1" latinLnBrk="0" hangingPunct="1">
-              <a:spcBef>
-                <a:spcPts val="1800"/>
-              </a:spcBef>
-              <a:buClr>
-                <a:schemeClr val="accent1"/>
-              </a:buClr>
-              <a:buSzPct val="80000"/>
-              <a:buFontTx/>
-              <a:buNone/>
-              <a:defRPr sz="2000" b="0" kern="1200">
-                <a:solidFill>
-                  <a:schemeClr val="tx1"/>
-                </a:solidFill>
-                <a:latin typeface="+mn-lt"/>
-                <a:ea typeface="+mn-ea"/>
-                <a:cs typeface="+mn-cs"/>
-              </a:defRPr>
-            </a:lvl1pPr>
-            <a:lvl2pPr marL="179964" indent="-179964" algn="l" defTabSz="1088558" rtl="0" eaLnBrk="1" latinLnBrk="0" hangingPunct="1">
-              <a:spcBef>
-                <a:spcPts val="600"/>
-              </a:spcBef>
-              <a:buClr>
-                <a:schemeClr val="accent1"/>
-              </a:buClr>
-              <a:buSzPct val="100000"/>
-              <a:buFont typeface="Wingdings" pitchFamily="2" charset="2"/>
-              <a:buChar char="§"/>
-              <a:defRPr sz="1800" kern="1200">
-                <a:solidFill>
-                  <a:schemeClr val="tx1"/>
-                </a:solidFill>
-                <a:latin typeface="+mn-lt"/>
-                <a:ea typeface="+mn-ea"/>
-                <a:cs typeface="+mn-cs"/>
-              </a:defRPr>
-            </a:lvl2pPr>
-            <a:lvl3pPr marL="358775" indent="-179388" algn="l" defTabSz="1088558" rtl="0" eaLnBrk="1" latinLnBrk="0" hangingPunct="1">
-              <a:spcBef>
-                <a:spcPts val="300"/>
-              </a:spcBef>
-              <a:buClr>
-                <a:schemeClr val="tx1"/>
-              </a:buClr>
-              <a:buSzPct val="100000"/>
-              <a:buFont typeface="Arial" panose="020B0604020202020204" pitchFamily="34" charset="0"/>
-              <a:buChar char="–"/>
-              <a:defRPr lang="en-US" sz="1800" kern="1200" noProof="0" dirty="0" smtClean="0">
-                <a:solidFill>
-                  <a:schemeClr val="tx1"/>
-                </a:solidFill>
-                <a:latin typeface="+mn-lt"/>
-                <a:ea typeface="+mn-ea"/>
-                <a:cs typeface="+mn-cs"/>
-              </a:defRPr>
-            </a:lvl3pPr>
-            <a:lvl4pPr marL="539892" indent="-179964" algn="l" defTabSz="1088558" rtl="0" eaLnBrk="1" latinLnBrk="0" hangingPunct="1">
-              <a:spcBef>
-                <a:spcPts val="300"/>
-              </a:spcBef>
-              <a:buClr>
-                <a:schemeClr val="tx1"/>
-              </a:buClr>
-              <a:buSzPct val="120000"/>
-              <a:buFont typeface="Arial" pitchFamily="34" charset="0"/>
-              <a:buChar char="▫"/>
-              <a:defRPr sz="1600" kern="1200">
-                <a:solidFill>
-                  <a:schemeClr val="tx1"/>
-                </a:solidFill>
-                <a:latin typeface="+mn-lt"/>
-                <a:ea typeface="+mn-ea"/>
-                <a:cs typeface="+mn-cs"/>
-              </a:defRPr>
-            </a:lvl4pPr>
-            <a:lvl5pPr marL="719856" indent="-179964" algn="l" defTabSz="1088558" rtl="0" eaLnBrk="1" latinLnBrk="0" hangingPunct="1">
-              <a:spcBef>
-                <a:spcPts val="100"/>
-              </a:spcBef>
-              <a:buClr>
-                <a:schemeClr val="tx1"/>
-              </a:buClr>
-              <a:buSzPct val="100000"/>
-              <a:buFont typeface="Symbol" panose="05050102010706020507" pitchFamily="18" charset="2"/>
-              <a:buChar char="-"/>
-              <a:defRPr sz="1400" kern="1200" baseline="0">
-                <a:solidFill>
-                  <a:schemeClr val="tx1"/>
-                </a:solidFill>
-                <a:latin typeface="+mn-lt"/>
-                <a:ea typeface="+mn-ea"/>
-                <a:cs typeface="+mn-cs"/>
-              </a:defRPr>
-            </a:lvl5pPr>
-            <a:lvl6pPr marL="2993535" indent="-272140" algn="l" defTabSz="1088558" rtl="0" eaLnBrk="1" latinLnBrk="0" hangingPunct="1">
-              <a:spcBef>
-                <a:spcPct val="20000"/>
-              </a:spcBef>
-              <a:buFont typeface="Arial" pitchFamily="34" charset="0"/>
-              <a:buChar char="•"/>
-              <a:defRPr sz="2400" kern="1200">
-                <a:solidFill>
-                  <a:schemeClr val="tx1"/>
-                </a:solidFill>
-                <a:latin typeface="+mn-lt"/>
-                <a:ea typeface="+mn-ea"/>
-                <a:cs typeface="+mn-cs"/>
-              </a:defRPr>
-            </a:lvl6pPr>
-            <a:lvl7pPr marL="3537814" indent="-272140" algn="l" defTabSz="1088558" rtl="0" eaLnBrk="1" latinLnBrk="0" hangingPunct="1">
-              <a:spcBef>
-                <a:spcPct val="20000"/>
-              </a:spcBef>
-              <a:buFont typeface="Arial" pitchFamily="34" charset="0"/>
-              <a:buChar char="•"/>
-              <a:defRPr sz="2400" kern="1200">
-                <a:solidFill>
-                  <a:schemeClr val="tx1"/>
-                </a:solidFill>
-                <a:latin typeface="+mn-lt"/>
-                <a:ea typeface="+mn-ea"/>
-                <a:cs typeface="+mn-cs"/>
-              </a:defRPr>
-            </a:lvl7pPr>
-            <a:lvl8pPr marL="4082093" indent="-272140" algn="l" defTabSz="1088558" rtl="0" eaLnBrk="1" latinLnBrk="0" hangingPunct="1">
-              <a:spcBef>
-                <a:spcPct val="20000"/>
-              </a:spcBef>
-              <a:buFont typeface="Arial" pitchFamily="34" charset="0"/>
-              <a:buChar char="•"/>
-              <a:defRPr sz="2400" kern="1200">
-                <a:solidFill>
-                  <a:schemeClr val="tx1"/>
-                </a:solidFill>
-                <a:latin typeface="+mn-lt"/>
-                <a:ea typeface="+mn-ea"/>
-                <a:cs typeface="+mn-cs"/>
-              </a:defRPr>
-            </a:lvl8pPr>
-            <a:lvl9pPr marL="4626373" indent="-272140" algn="l" defTabSz="1088558" rtl="0" eaLnBrk="1" latinLnBrk="0" hangingPunct="1">
-              <a:spcBef>
-                <a:spcPct val="20000"/>
-              </a:spcBef>
-              <a:buFont typeface="Arial" pitchFamily="34" charset="0"/>
-              <a:buChar char="•"/>
-              <a:defRPr sz="2400" kern="1200">
-                <a:solidFill>
-                  <a:schemeClr val="tx1"/>
-                </a:solidFill>
-                <a:latin typeface="+mn-lt"/>
-                <a:ea typeface="+mn-ea"/>
-                <a:cs typeface="+mn-cs"/>
-              </a:defRPr>
-            </a:lvl9pPr>
-          </a:lstStyle>
-          <a:p>
-            <a:r>
-              <a:rPr lang="en-US" b="1" dirty="0"/>
-              <a:t>ENTRYPOINT</a:t>
-            </a:r>
-          </a:p>
-          <a:p>
-            <a:pPr lvl="1"/>
-            <a:r>
-              <a:rPr lang="en-US" dirty="0"/>
-              <a:t>sets the program to be directly run when a container is created</a:t>
-            </a:r>
-          </a:p>
-          <a:p>
-            <a:pPr lvl="1"/>
-            <a:r>
-              <a:rPr lang="en-US" dirty="0"/>
-              <a:t>cannot be overridden</a:t>
-            </a:r>
-          </a:p>
-        </p:txBody>
-      </p:sp>
-      <p:sp>
-        <p:nvSpPr>
-          <p:cNvPr id="9" name="Text Placeholder 1"/>
-          <p:cNvSpPr txBox="1">
-            <a:spLocks/>
-          </p:cNvSpPr>
-          <p:nvPr/>
-        </p:nvSpPr>
-        <p:spPr bwMode="gray">
-          <a:xfrm>
-            <a:off x="6362477" y="3735000"/>
-            <a:ext cx="5328000" cy="2308749"/>
+            <a:off x="7900292" y="4343996"/>
+            <a:ext cx="3023999" cy="413637"/>
           </a:xfrm>
           <a:prstGeom prst="rect">
             <a:avLst/>
           </a:prstGeom>
           <a:solidFill>
-            <a:srgbClr val="FFF8E7"/>
+            <a:schemeClr val="accent3">
+              <a:lumMod val="20000"/>
+              <a:lumOff val="80000"/>
+            </a:schemeClr>
           </a:solidFill>
+          <a:ln w="6350" algn="ctr">
+            <a:solidFill>
+              <a:schemeClr val="tx1"/>
+            </a:solidFill>
+            <a:miter lim="800000"/>
+            <a:headEnd/>
+            <a:tailEnd/>
+          </a:ln>
         </p:spPr>
         <p:txBody>
-          <a:bodyPr vert="horz" lIns="36000" tIns="36000" rIns="36000" bIns="36000" rtlCol="0">
-            <a:noAutofit/>
-          </a:bodyPr>
-          <a:lstStyle>
-            <a:lvl1pPr marL="0" indent="0" algn="l" defTabSz="1088558" rtl="0" eaLnBrk="1" latinLnBrk="0" hangingPunct="1">
-              <a:spcBef>
-                <a:spcPts val="1800"/>
-              </a:spcBef>
+          <a:bodyPr lIns="90000" tIns="72000" rIns="90000" bIns="72000" rtlCol="0" anchor="ctr"/>
+          <a:lstStyle/>
+          <a:p>
+            <a:pPr marR="0" algn="ctr" defTabSz="914400" eaLnBrk="1" fontAlgn="base" latinLnBrk="0" hangingPunct="1">
+              <a:lnSpc>
+                <a:spcPct val="100000"/>
+              </a:lnSpc>
+              <a:spcBef>
+                <a:spcPct val="50000"/>
+              </a:spcBef>
+              <a:spcAft>
+                <a:spcPct val="0"/>
+              </a:spcAft>
               <a:buClr>
-                <a:schemeClr val="accent1"/>
+                <a:srgbClr val="F0AB00"/>
               </a:buClr>
               <a:buSzPct val="80000"/>
-              <a:buFontTx/>
-              <a:buNone/>
-              <a:defRPr sz="2000" b="0" kern="1200">
-                <a:solidFill>
-                  <a:schemeClr val="tx1"/>
-                </a:solidFill>
-                <a:latin typeface="+mn-lt"/>
-                <a:ea typeface="+mn-ea"/>
-                <a:cs typeface="+mn-cs"/>
-              </a:defRPr>
-            </a:lvl1pPr>
-            <a:lvl2pPr marL="179964" indent="-179964" algn="l" defTabSz="1088558" rtl="0" eaLnBrk="1" latinLnBrk="0" hangingPunct="1">
-              <a:spcBef>
-                <a:spcPts val="600"/>
-              </a:spcBef>
+              <a:tabLst/>
+            </a:pPr>
+            <a:r>
+              <a:rPr kumimoji="0" lang="en-US" sz="1400" b="1" i="1" u="none" strike="noStrike" kern="0" cap="none" spc="0" normalizeH="0" baseline="0" noProof="0" dirty="0">
+                <a:ln>
+                  <a:noFill/>
+                </a:ln>
+                <a:effectLst/>
+                <a:uLnTx/>
+                <a:uFillTx/>
+                <a:ea typeface="Arial Unicode MS" pitchFamily="34" charset="-128"/>
+                <a:cs typeface="Arial Unicode MS" pitchFamily="34" charset="-128"/>
+              </a:rPr>
+              <a:t>ENTRYPOINT CMD</a:t>
+            </a:r>
+          </a:p>
+        </p:txBody>
+      </p:sp>
+      <p:sp>
+        <p:nvSpPr>
+          <p:cNvPr id="29" name="Rectangle 28">
+            <a:extLst>
+              <a:ext uri="{FF2B5EF4-FFF2-40B4-BE49-F238E27FC236}">
+                <a16:creationId xmlns:a16="http://schemas.microsoft.com/office/drawing/2014/main" id="{071165D1-0AAC-4563-82AE-7914C99E53FF}"/>
+              </a:ext>
+            </a:extLst>
+          </p:cNvPr>
+          <p:cNvSpPr/>
+          <p:nvPr/>
+        </p:nvSpPr>
+        <p:spPr bwMode="gray">
+          <a:xfrm>
+            <a:off x="7900292" y="4343996"/>
+            <a:ext cx="3023999" cy="413637"/>
+          </a:xfrm>
+          <a:prstGeom prst="rect">
+            <a:avLst/>
+          </a:prstGeom>
+          <a:solidFill>
+            <a:schemeClr val="accent3">
+              <a:lumMod val="20000"/>
+              <a:lumOff val="80000"/>
+            </a:schemeClr>
+          </a:solidFill>
+          <a:ln w="6350" algn="ctr">
+            <a:solidFill>
+              <a:schemeClr val="tx1"/>
+            </a:solidFill>
+            <a:miter lim="800000"/>
+            <a:headEnd/>
+            <a:tailEnd/>
+          </a:ln>
+        </p:spPr>
+        <p:txBody>
+          <a:bodyPr lIns="90000" tIns="72000" rIns="90000" bIns="72000" rtlCol="0" anchor="ctr"/>
+          <a:lstStyle/>
+          <a:p>
+            <a:pPr marR="0" algn="ctr" defTabSz="914400" eaLnBrk="1" fontAlgn="base" latinLnBrk="0" hangingPunct="1">
+              <a:lnSpc>
+                <a:spcPct val="100000"/>
+              </a:lnSpc>
+              <a:spcBef>
+                <a:spcPct val="50000"/>
+              </a:spcBef>
+              <a:spcAft>
+                <a:spcPct val="0"/>
+              </a:spcAft>
               <a:buClr>
-                <a:schemeClr val="accent1"/>
+                <a:srgbClr val="F0AB00"/>
               </a:buClr>
-              <a:buSzPct val="100000"/>
-              <a:buFont typeface="Wingdings" pitchFamily="2" charset="2"/>
-              <a:buChar char="§"/>
-              <a:defRPr sz="1800" kern="1200">
-                <a:solidFill>
-                  <a:schemeClr val="tx1"/>
-                </a:solidFill>
-                <a:latin typeface="+mn-lt"/>
-                <a:ea typeface="+mn-ea"/>
-                <a:cs typeface="+mn-cs"/>
-              </a:defRPr>
-            </a:lvl2pPr>
-            <a:lvl3pPr marL="358775" indent="-179388" algn="l" defTabSz="1088558" rtl="0" eaLnBrk="1" latinLnBrk="0" hangingPunct="1">
-              <a:spcBef>
-                <a:spcPts val="300"/>
-              </a:spcBef>
-              <a:buClr>
-                <a:schemeClr val="tx1"/>
-              </a:buClr>
-              <a:buSzPct val="100000"/>
-              <a:buFont typeface="Arial" panose="020B0604020202020204" pitchFamily="34" charset="0"/>
-              <a:buChar char="–"/>
-              <a:defRPr lang="en-US" sz="1800" kern="1200" noProof="0" dirty="0" smtClean="0">
-                <a:solidFill>
-                  <a:schemeClr val="tx1"/>
-                </a:solidFill>
-                <a:latin typeface="+mn-lt"/>
-                <a:ea typeface="+mn-ea"/>
-                <a:cs typeface="+mn-cs"/>
-              </a:defRPr>
-            </a:lvl3pPr>
-            <a:lvl4pPr marL="539892" indent="-179964" algn="l" defTabSz="1088558" rtl="0" eaLnBrk="1" latinLnBrk="0" hangingPunct="1">
-              <a:spcBef>
-                <a:spcPts val="300"/>
-              </a:spcBef>
-              <a:buClr>
-                <a:schemeClr val="tx1"/>
-              </a:buClr>
-              <a:buSzPct val="120000"/>
-              <a:buFont typeface="Arial" pitchFamily="34" charset="0"/>
-              <a:buChar char="▫"/>
-              <a:defRPr sz="1600" kern="1200">
-                <a:solidFill>
-                  <a:schemeClr val="tx1"/>
-                </a:solidFill>
-                <a:latin typeface="+mn-lt"/>
-                <a:ea typeface="+mn-ea"/>
-                <a:cs typeface="+mn-cs"/>
-              </a:defRPr>
-            </a:lvl4pPr>
-            <a:lvl5pPr marL="719856" indent="-179964" algn="l" defTabSz="1088558" rtl="0" eaLnBrk="1" latinLnBrk="0" hangingPunct="1">
-              <a:spcBef>
-                <a:spcPts val="100"/>
-              </a:spcBef>
-              <a:buClr>
-                <a:schemeClr val="tx1"/>
-              </a:buClr>
-              <a:buSzPct val="100000"/>
-              <a:buFont typeface="Symbol" panose="05050102010706020507" pitchFamily="18" charset="2"/>
-              <a:buChar char="-"/>
-              <a:defRPr sz="1400" kern="1200" baseline="0">
-                <a:solidFill>
-                  <a:schemeClr val="tx1"/>
-                </a:solidFill>
-                <a:latin typeface="+mn-lt"/>
-                <a:ea typeface="+mn-ea"/>
-                <a:cs typeface="+mn-cs"/>
-              </a:defRPr>
-            </a:lvl5pPr>
-            <a:lvl6pPr marL="2993535" indent="-272140" algn="l" defTabSz="1088558" rtl="0" eaLnBrk="1" latinLnBrk="0" hangingPunct="1">
-              <a:spcBef>
-                <a:spcPct val="20000"/>
-              </a:spcBef>
-              <a:buFont typeface="Arial" pitchFamily="34" charset="0"/>
-              <a:buChar char="•"/>
-              <a:defRPr sz="2400" kern="1200">
-                <a:solidFill>
-                  <a:schemeClr val="tx1"/>
-                </a:solidFill>
-                <a:latin typeface="+mn-lt"/>
-                <a:ea typeface="+mn-ea"/>
-                <a:cs typeface="+mn-cs"/>
-              </a:defRPr>
-            </a:lvl6pPr>
-            <a:lvl7pPr marL="3537814" indent="-272140" algn="l" defTabSz="1088558" rtl="0" eaLnBrk="1" latinLnBrk="0" hangingPunct="1">
-              <a:spcBef>
-                <a:spcPct val="20000"/>
-              </a:spcBef>
-              <a:buFont typeface="Arial" pitchFamily="34" charset="0"/>
-              <a:buChar char="•"/>
-              <a:defRPr sz="2400" kern="1200">
-                <a:solidFill>
-                  <a:schemeClr val="tx1"/>
-                </a:solidFill>
-                <a:latin typeface="+mn-lt"/>
-                <a:ea typeface="+mn-ea"/>
-                <a:cs typeface="+mn-cs"/>
-              </a:defRPr>
-            </a:lvl7pPr>
-            <a:lvl8pPr marL="4082093" indent="-272140" algn="l" defTabSz="1088558" rtl="0" eaLnBrk="1" latinLnBrk="0" hangingPunct="1">
-              <a:spcBef>
-                <a:spcPct val="20000"/>
-              </a:spcBef>
-              <a:buFont typeface="Arial" pitchFamily="34" charset="0"/>
-              <a:buChar char="•"/>
-              <a:defRPr sz="2400" kern="1200">
-                <a:solidFill>
-                  <a:schemeClr val="tx1"/>
-                </a:solidFill>
-                <a:latin typeface="+mn-lt"/>
-                <a:ea typeface="+mn-ea"/>
-                <a:cs typeface="+mn-cs"/>
-              </a:defRPr>
-            </a:lvl8pPr>
-            <a:lvl9pPr marL="4626373" indent="-272140" algn="l" defTabSz="1088558" rtl="0" eaLnBrk="1" latinLnBrk="0" hangingPunct="1">
-              <a:spcBef>
-                <a:spcPct val="20000"/>
-              </a:spcBef>
-              <a:buFont typeface="Arial" pitchFamily="34" charset="0"/>
-              <a:buChar char="•"/>
-              <a:defRPr sz="2400" kern="1200">
-                <a:solidFill>
-                  <a:schemeClr val="tx1"/>
-                </a:solidFill>
-                <a:latin typeface="+mn-lt"/>
-                <a:ea typeface="+mn-ea"/>
-                <a:cs typeface="+mn-cs"/>
-              </a:defRPr>
-            </a:lvl9pPr>
-          </a:lstStyle>
-          <a:p>
-            <a:pPr marL="0" lvl="1" indent="0">
-              <a:buNone/>
+              <a:buSzPct val="80000"/>
+              <a:tabLst/>
             </a:pPr>
             <a:r>
-              <a:rPr lang="en-US" sz="1400" b="1" dirty="0"/>
-              <a:t>Examples:</a:t>
-            </a:r>
-          </a:p>
-          <a:p>
-            <a:pPr lvl="1"/>
-            <a:r>
-              <a:rPr lang="en-US" sz="1400" b="1" dirty="0">
-                <a:latin typeface="Courier New" panose="02070309020205020404" pitchFamily="49" charset="0"/>
-                <a:cs typeface="Courier New" panose="02070309020205020404" pitchFamily="49" charset="0"/>
+              <a:rPr kumimoji="0" lang="en-US" sz="1400" b="1" i="1" u="none" strike="noStrike" kern="0" cap="none" spc="0" normalizeH="0" baseline="0" noProof="0" dirty="0">
+                <a:ln>
+                  <a:noFill/>
+                </a:ln>
+                <a:effectLst/>
+                <a:uLnTx/>
+                <a:uFillTx/>
+                <a:ea typeface="Arial Unicode MS" pitchFamily="34" charset="-128"/>
+                <a:cs typeface="Arial Unicode MS" pitchFamily="34" charset="-128"/>
               </a:rPr>
-              <a:t>ENTRYPOINT /</a:t>
-            </a:r>
-            <a:r>
-              <a:rPr lang="en-US" sz="1400" b="1" dirty="0" err="1">
-                <a:latin typeface="Courier New" panose="02070309020205020404" pitchFamily="49" charset="0"/>
-                <a:cs typeface="Courier New" panose="02070309020205020404" pitchFamily="49" charset="0"/>
-              </a:rPr>
-              <a:t>usr</a:t>
-            </a:r>
-            <a:r>
-              <a:rPr lang="en-US" sz="1400" b="1" dirty="0">
-                <a:latin typeface="Courier New" panose="02070309020205020404" pitchFamily="49" charset="0"/>
-                <a:cs typeface="Courier New" panose="02070309020205020404" pitchFamily="49" charset="0"/>
-              </a:rPr>
-              <a:t>/bin/</a:t>
-            </a:r>
-            <a:r>
-              <a:rPr lang="en-US" sz="1400" b="1" dirty="0" err="1">
-                <a:latin typeface="Courier New" panose="02070309020205020404" pitchFamily="49" charset="0"/>
-                <a:cs typeface="Courier New" panose="02070309020205020404" pitchFamily="49" charset="0"/>
+              <a:t>/bin/bash </a:t>
+            </a:r>
+            <a:r>
+              <a:rPr kumimoji="0" lang="en-US" sz="1400" b="1" i="1" u="none" strike="noStrike" kern="0" cap="none" spc="0" normalizeH="0" baseline="0" noProof="0" dirty="0" err="1">
+                <a:ln>
+                  <a:noFill/>
+                </a:ln>
+                <a:effectLst/>
+                <a:uLnTx/>
+                <a:uFillTx/>
+                <a:ea typeface="Arial Unicode MS" pitchFamily="34" charset="-128"/>
+                <a:cs typeface="Arial Unicode MS" pitchFamily="34" charset="-128"/>
               </a:rPr>
               <a:t>nginx</a:t>
             </a:r>
-            <a:endParaRPr lang="en-US" sz="1400" b="1" dirty="0">
-              <a:latin typeface="Courier New" panose="02070309020205020404" pitchFamily="49" charset="0"/>
-              <a:cs typeface="Courier New" panose="02070309020205020404" pitchFamily="49" charset="0"/>
+            <a:r>
+              <a:rPr kumimoji="0" lang="en-US" sz="1400" b="1" i="1" u="none" strike="noStrike" kern="0" cap="none" spc="0" normalizeH="0" baseline="0" noProof="0" dirty="0">
+                <a:ln>
+                  <a:noFill/>
+                </a:ln>
+                <a:effectLst/>
+                <a:uLnTx/>
+                <a:uFillTx/>
+                <a:ea typeface="Arial Unicode MS" pitchFamily="34" charset="-128"/>
+                <a:cs typeface="Arial Unicode MS" pitchFamily="34" charset="-128"/>
+              </a:rPr>
+              <a:t> –c </a:t>
+            </a:r>
+            <a:r>
+              <a:rPr kumimoji="0" lang="en-US" sz="1400" b="1" i="1" u="none" strike="noStrike" kern="0" cap="none" spc="0" normalizeH="0" baseline="0" noProof="0" dirty="0" err="1">
+                <a:ln>
+                  <a:noFill/>
+                </a:ln>
+                <a:effectLst/>
+                <a:uLnTx/>
+                <a:uFillTx/>
+                <a:ea typeface="Arial Unicode MS" pitchFamily="34" charset="-128"/>
+                <a:cs typeface="Arial Unicode MS" pitchFamily="34" charset="-128"/>
+              </a:rPr>
+              <a:t>deamon</a:t>
+            </a:r>
+            <a:r>
+              <a:rPr kumimoji="0" lang="en-US" sz="1400" b="1" i="1" u="none" strike="noStrike" kern="0" cap="none" spc="0" normalizeH="0" baseline="0" noProof="0" dirty="0">
+                <a:ln>
+                  <a:noFill/>
+                </a:ln>
+                <a:effectLst/>
+                <a:uLnTx/>
+                <a:uFillTx/>
+                <a:ea typeface="Arial Unicode MS" pitchFamily="34" charset="-128"/>
+                <a:cs typeface="Arial Unicode MS" pitchFamily="34" charset="-128"/>
+              </a:rPr>
+              <a:t> off;</a:t>
+            </a:r>
+          </a:p>
+        </p:txBody>
+      </p:sp>
+      <p:sp>
+        <p:nvSpPr>
+          <p:cNvPr id="32" name="Speech Bubble: Rectangle 31">
+            <a:extLst>
+              <a:ext uri="{FF2B5EF4-FFF2-40B4-BE49-F238E27FC236}">
+                <a16:creationId xmlns:a16="http://schemas.microsoft.com/office/drawing/2014/main" id="{5EB9CAAF-9D39-4743-93E5-CD9D7394171B}"/>
+              </a:ext>
+            </a:extLst>
+          </p:cNvPr>
+          <p:cNvSpPr/>
+          <p:nvPr/>
+        </p:nvSpPr>
+        <p:spPr bwMode="gray">
+          <a:xfrm>
+            <a:off x="5531228" y="1749575"/>
+            <a:ext cx="5976381" cy="994377"/>
+          </a:xfrm>
+          <a:prstGeom prst="wedgeRectCallout">
+            <a:avLst>
+              <a:gd name="adj1" fmla="val -84252"/>
+              <a:gd name="adj2" fmla="val 86768"/>
+            </a:avLst>
+          </a:prstGeom>
+          <a:solidFill>
+            <a:schemeClr val="accent3">
+              <a:lumMod val="75000"/>
+            </a:schemeClr>
+          </a:solidFill>
+          <a:ln w="6350" algn="ctr">
+            <a:solidFill>
+              <a:schemeClr val="bg1"/>
+            </a:solidFill>
+            <a:miter lim="800000"/>
+            <a:headEnd/>
+            <a:tailEnd/>
+          </a:ln>
+          <a:effectLst>
+            <a:outerShdw blurRad="50800" dist="38100" dir="2700000" algn="tl" rotWithShape="0">
+              <a:prstClr val="black">
+                <a:alpha val="40000"/>
+              </a:prstClr>
+            </a:outerShdw>
+          </a:effectLst>
+        </p:spPr>
+        <p:txBody>
+          <a:bodyPr lIns="90000" tIns="72000" rIns="90000" bIns="72000" rtlCol="0" anchor="ctr"/>
+          <a:lstStyle/>
+          <a:p>
+            <a:pPr marR="0" algn="ctr" defTabSz="914400" eaLnBrk="1" fontAlgn="base" latinLnBrk="0" hangingPunct="1">
+              <a:lnSpc>
+                <a:spcPct val="100000"/>
+              </a:lnSpc>
+              <a:spcBef>
+                <a:spcPct val="50000"/>
+              </a:spcBef>
+              <a:spcAft>
+                <a:spcPct val="0"/>
+              </a:spcAft>
+              <a:buClr>
+                <a:srgbClr val="F0AB00"/>
+              </a:buClr>
+              <a:buSzPct val="80000"/>
+              <a:tabLst/>
+            </a:pPr>
+            <a:r>
+              <a:rPr kumimoji="0" lang="en-US" sz="2400" b="0" i="0" u="none" strike="noStrike" kern="0" cap="none" spc="0" normalizeH="0" baseline="0" noProof="0" dirty="0">
+                <a:ln>
+                  <a:noFill/>
+                </a:ln>
+                <a:solidFill>
+                  <a:schemeClr val="bg1"/>
+                </a:solidFill>
+                <a:effectLst/>
+                <a:uLnTx/>
+                <a:uFillTx/>
+                <a:ea typeface="Arial Unicode MS" pitchFamily="34" charset="-128"/>
+                <a:cs typeface="Arial Unicode MS" pitchFamily="34" charset="-128"/>
+              </a:rPr>
+              <a:t>create namespaces</a:t>
+            </a:r>
+          </a:p>
+        </p:txBody>
+      </p:sp>
+      <p:sp>
+        <p:nvSpPr>
+          <p:cNvPr id="34" name="Speech Bubble: Rectangle 33">
+            <a:extLst>
+              <a:ext uri="{FF2B5EF4-FFF2-40B4-BE49-F238E27FC236}">
+                <a16:creationId xmlns:a16="http://schemas.microsoft.com/office/drawing/2014/main" id="{B134053E-72B1-4AB2-9EDE-DBBF73A56236}"/>
+              </a:ext>
+            </a:extLst>
+          </p:cNvPr>
+          <p:cNvSpPr/>
+          <p:nvPr/>
+        </p:nvSpPr>
+        <p:spPr bwMode="gray">
+          <a:xfrm>
+            <a:off x="5531227" y="1749575"/>
+            <a:ext cx="5976381" cy="994377"/>
+          </a:xfrm>
+          <a:prstGeom prst="wedgeRectCallout">
+            <a:avLst>
+              <a:gd name="adj1" fmla="val -84252"/>
+              <a:gd name="adj2" fmla="val 86768"/>
+            </a:avLst>
+          </a:prstGeom>
+          <a:solidFill>
+            <a:schemeClr val="accent3">
+              <a:lumMod val="75000"/>
+            </a:schemeClr>
+          </a:solidFill>
+          <a:ln w="6350" algn="ctr">
+            <a:solidFill>
+              <a:schemeClr val="bg1"/>
+            </a:solidFill>
+            <a:miter lim="800000"/>
+            <a:headEnd/>
+            <a:tailEnd/>
+          </a:ln>
+          <a:effectLst>
+            <a:outerShdw blurRad="50800" dist="38100" dir="2700000" algn="tl" rotWithShape="0">
+              <a:prstClr val="black">
+                <a:alpha val="40000"/>
+              </a:prstClr>
+            </a:outerShdw>
+          </a:effectLst>
+        </p:spPr>
+        <p:txBody>
+          <a:bodyPr lIns="90000" tIns="72000" rIns="90000" bIns="72000" rtlCol="0" anchor="ctr"/>
+          <a:lstStyle/>
+          <a:p>
+            <a:pPr marR="0" algn="ctr" defTabSz="914400" eaLnBrk="1" fontAlgn="base" latinLnBrk="0" hangingPunct="1">
+              <a:lnSpc>
+                <a:spcPct val="100000"/>
+              </a:lnSpc>
+              <a:spcBef>
+                <a:spcPct val="50000"/>
+              </a:spcBef>
+              <a:spcAft>
+                <a:spcPct val="0"/>
+              </a:spcAft>
+              <a:buClr>
+                <a:srgbClr val="F0AB00"/>
+              </a:buClr>
+              <a:buSzPct val="80000"/>
+              <a:tabLst/>
+            </a:pPr>
+            <a:r>
+              <a:rPr kumimoji="0" lang="en-US" sz="2400" b="0" i="0" u="none" strike="noStrike" kern="0" cap="none" spc="0" normalizeH="0" baseline="0" noProof="0" dirty="0">
+                <a:ln>
+                  <a:noFill/>
+                </a:ln>
+                <a:solidFill>
+                  <a:schemeClr val="bg1"/>
+                </a:solidFill>
+                <a:effectLst/>
+                <a:uLnTx/>
+                <a:uFillTx/>
+                <a:ea typeface="Arial Unicode MS" pitchFamily="34" charset="-128"/>
+                <a:cs typeface="Arial Unicode MS" pitchFamily="34" charset="-128"/>
+              </a:rPr>
+              <a:t>merge image layers…</a:t>
+            </a:r>
+          </a:p>
+        </p:txBody>
+      </p:sp>
+      <p:sp>
+        <p:nvSpPr>
+          <p:cNvPr id="35" name="Speech Bubble: Rectangle 34">
+            <a:extLst>
+              <a:ext uri="{FF2B5EF4-FFF2-40B4-BE49-F238E27FC236}">
+                <a16:creationId xmlns:a16="http://schemas.microsoft.com/office/drawing/2014/main" id="{9BB06837-8F3E-4FBD-A7E2-97E523758C9C}"/>
+              </a:ext>
+            </a:extLst>
+          </p:cNvPr>
+          <p:cNvSpPr/>
+          <p:nvPr/>
+        </p:nvSpPr>
+        <p:spPr bwMode="gray">
+          <a:xfrm>
+            <a:off x="5531226" y="1745292"/>
+            <a:ext cx="5976381" cy="994377"/>
+          </a:xfrm>
+          <a:prstGeom prst="wedgeRectCallout">
+            <a:avLst>
+              <a:gd name="adj1" fmla="val -84252"/>
+              <a:gd name="adj2" fmla="val 86768"/>
+            </a:avLst>
+          </a:prstGeom>
+          <a:solidFill>
+            <a:schemeClr val="accent3">
+              <a:lumMod val="75000"/>
+            </a:schemeClr>
+          </a:solidFill>
+          <a:ln w="6350" algn="ctr">
+            <a:solidFill>
+              <a:schemeClr val="bg1"/>
+            </a:solidFill>
+            <a:miter lim="800000"/>
+            <a:headEnd/>
+            <a:tailEnd/>
+          </a:ln>
+          <a:effectLst>
+            <a:outerShdw blurRad="50800" dist="38100" dir="2700000" algn="tl" rotWithShape="0">
+              <a:prstClr val="black">
+                <a:alpha val="40000"/>
+              </a:prstClr>
+            </a:outerShdw>
+          </a:effectLst>
+        </p:spPr>
+        <p:txBody>
+          <a:bodyPr lIns="90000" tIns="72000" rIns="90000" bIns="72000" rtlCol="0" anchor="ctr"/>
+          <a:lstStyle/>
+          <a:p>
+            <a:pPr marR="0" algn="ctr" defTabSz="914400" eaLnBrk="1" fontAlgn="base" latinLnBrk="0" hangingPunct="1">
+              <a:lnSpc>
+                <a:spcPct val="100000"/>
+              </a:lnSpc>
+              <a:spcBef>
+                <a:spcPct val="50000"/>
+              </a:spcBef>
+              <a:spcAft>
+                <a:spcPct val="0"/>
+              </a:spcAft>
+              <a:buClr>
+                <a:srgbClr val="F0AB00"/>
+              </a:buClr>
+              <a:buSzPct val="80000"/>
+              <a:tabLst/>
+            </a:pPr>
+            <a:r>
+              <a:rPr kumimoji="0" lang="en-US" sz="2400" b="0" i="0" u="none" strike="noStrike" kern="0" cap="none" spc="0" normalizeH="0" baseline="0" noProof="0" dirty="0">
+                <a:ln>
+                  <a:noFill/>
+                </a:ln>
+                <a:solidFill>
+                  <a:schemeClr val="bg1"/>
+                </a:solidFill>
+                <a:effectLst/>
+                <a:uLnTx/>
+                <a:uFillTx/>
+                <a:ea typeface="Arial Unicode MS" pitchFamily="34" charset="-128"/>
+                <a:cs typeface="Arial Unicode MS" pitchFamily="34" charset="-128"/>
+              </a:rPr>
+              <a:t>set up </a:t>
+            </a:r>
+            <a:r>
+              <a:rPr kumimoji="0" lang="en-US" sz="2400" b="0" i="0" u="none" strike="noStrike" kern="0" cap="none" spc="0" normalizeH="0" baseline="0" noProof="0" dirty="0" err="1">
+                <a:ln>
+                  <a:noFill/>
+                </a:ln>
+                <a:solidFill>
+                  <a:schemeClr val="bg1"/>
+                </a:solidFill>
+                <a:effectLst/>
+                <a:uLnTx/>
+                <a:uFillTx/>
+                <a:ea typeface="Arial Unicode MS" pitchFamily="34" charset="-128"/>
+                <a:cs typeface="Arial Unicode MS" pitchFamily="34" charset="-128"/>
+              </a:rPr>
+              <a:t>cgroups</a:t>
+            </a:r>
+            <a:r>
+              <a:rPr kumimoji="0" lang="en-US" sz="2400" b="0" i="0" u="none" strike="noStrike" kern="0" cap="none" spc="0" normalizeH="0" baseline="0" noProof="0" dirty="0">
+                <a:ln>
+                  <a:noFill/>
+                </a:ln>
+                <a:solidFill>
+                  <a:schemeClr val="bg1"/>
+                </a:solidFill>
+                <a:effectLst/>
+                <a:uLnTx/>
+                <a:uFillTx/>
+                <a:ea typeface="Arial Unicode MS" pitchFamily="34" charset="-128"/>
+                <a:cs typeface="Arial Unicode MS" pitchFamily="34" charset="-128"/>
+              </a:rPr>
+              <a:t>…</a:t>
+            </a:r>
+          </a:p>
+        </p:txBody>
+      </p:sp>
+      <p:sp>
+        <p:nvSpPr>
+          <p:cNvPr id="36" name="Speech Bubble: Rectangle 35">
+            <a:extLst>
+              <a:ext uri="{FF2B5EF4-FFF2-40B4-BE49-F238E27FC236}">
+                <a16:creationId xmlns:a16="http://schemas.microsoft.com/office/drawing/2014/main" id="{2D4D339D-D257-43DD-AA55-034FC324543F}"/>
+              </a:ext>
+            </a:extLst>
+          </p:cNvPr>
+          <p:cNvSpPr/>
+          <p:nvPr/>
+        </p:nvSpPr>
+        <p:spPr bwMode="gray">
+          <a:xfrm>
+            <a:off x="5531224" y="1745292"/>
+            <a:ext cx="5976381" cy="994377"/>
+          </a:xfrm>
+          <a:prstGeom prst="wedgeRectCallout">
+            <a:avLst>
+              <a:gd name="adj1" fmla="val -84252"/>
+              <a:gd name="adj2" fmla="val 86768"/>
+            </a:avLst>
+          </a:prstGeom>
+          <a:solidFill>
+            <a:schemeClr val="accent3">
+              <a:lumMod val="75000"/>
+            </a:schemeClr>
+          </a:solidFill>
+          <a:ln w="6350" algn="ctr">
+            <a:solidFill>
+              <a:schemeClr val="bg1"/>
+            </a:solidFill>
+            <a:miter lim="800000"/>
+            <a:headEnd/>
+            <a:tailEnd/>
+          </a:ln>
+          <a:effectLst>
+            <a:outerShdw blurRad="50800" dist="38100" dir="2700000" algn="tl" rotWithShape="0">
+              <a:prstClr val="black">
+                <a:alpha val="40000"/>
+              </a:prstClr>
+            </a:outerShdw>
+          </a:effectLst>
+        </p:spPr>
+        <p:txBody>
+          <a:bodyPr lIns="90000" tIns="72000" rIns="90000" bIns="72000" rtlCol="0" anchor="ctr"/>
+          <a:lstStyle/>
+          <a:p>
+            <a:pPr marR="0" algn="ctr" defTabSz="914400" eaLnBrk="1" fontAlgn="base" latinLnBrk="0" hangingPunct="1">
+              <a:lnSpc>
+                <a:spcPct val="100000"/>
+              </a:lnSpc>
+              <a:spcBef>
+                <a:spcPct val="50000"/>
+              </a:spcBef>
+              <a:spcAft>
+                <a:spcPct val="0"/>
+              </a:spcAft>
+              <a:buClr>
+                <a:srgbClr val="F0AB00"/>
+              </a:buClr>
+              <a:buSzPct val="80000"/>
+              <a:tabLst/>
+            </a:pPr>
+            <a:r>
+              <a:rPr kumimoji="0" lang="en-US" sz="2400" b="0" i="0" u="none" strike="noStrike" kern="0" cap="none" spc="0" normalizeH="0" baseline="0" noProof="0" dirty="0">
+                <a:ln>
+                  <a:noFill/>
+                </a:ln>
+                <a:solidFill>
+                  <a:schemeClr val="bg1"/>
+                </a:solidFill>
+                <a:effectLst/>
+                <a:uLnTx/>
+                <a:uFillTx/>
+                <a:ea typeface="Arial Unicode MS" pitchFamily="34" charset="-128"/>
+                <a:cs typeface="Arial Unicode MS" pitchFamily="34" charset="-128"/>
+              </a:rPr>
+              <a:t>add some salt and pepper…</a:t>
+            </a:r>
+          </a:p>
+        </p:txBody>
+      </p:sp>
+      <p:sp>
+        <p:nvSpPr>
+          <p:cNvPr id="37" name="Speech Bubble: Rectangle 36">
+            <a:extLst>
+              <a:ext uri="{FF2B5EF4-FFF2-40B4-BE49-F238E27FC236}">
+                <a16:creationId xmlns:a16="http://schemas.microsoft.com/office/drawing/2014/main" id="{510C57B7-B63F-4751-A985-6D695820ECE3}"/>
+              </a:ext>
+            </a:extLst>
+          </p:cNvPr>
+          <p:cNvSpPr/>
+          <p:nvPr/>
+        </p:nvSpPr>
+        <p:spPr bwMode="gray">
+          <a:xfrm>
+            <a:off x="5531222" y="1738785"/>
+            <a:ext cx="5976381" cy="994377"/>
+          </a:xfrm>
+          <a:prstGeom prst="wedgeRectCallout">
+            <a:avLst>
+              <a:gd name="adj1" fmla="val -84252"/>
+              <a:gd name="adj2" fmla="val 86768"/>
+            </a:avLst>
+          </a:prstGeom>
+          <a:solidFill>
+            <a:schemeClr val="accent3">
+              <a:lumMod val="75000"/>
+            </a:schemeClr>
+          </a:solidFill>
+          <a:ln w="6350" algn="ctr">
+            <a:solidFill>
+              <a:schemeClr val="bg1"/>
+            </a:solidFill>
+            <a:miter lim="800000"/>
+            <a:headEnd/>
+            <a:tailEnd/>
+          </a:ln>
+          <a:effectLst>
+            <a:outerShdw blurRad="50800" dist="38100" dir="2700000" algn="tl" rotWithShape="0">
+              <a:prstClr val="black">
+                <a:alpha val="40000"/>
+              </a:prstClr>
+            </a:outerShdw>
+          </a:effectLst>
+        </p:spPr>
+        <p:txBody>
+          <a:bodyPr lIns="90000" tIns="72000" rIns="90000" bIns="72000" rtlCol="0" anchor="ctr"/>
+          <a:lstStyle/>
+          <a:p>
+            <a:pPr marR="0" algn="ctr" defTabSz="914400" eaLnBrk="1" fontAlgn="base" latinLnBrk="0" hangingPunct="1">
+              <a:lnSpc>
+                <a:spcPct val="100000"/>
+              </a:lnSpc>
+              <a:spcBef>
+                <a:spcPct val="50000"/>
+              </a:spcBef>
+              <a:spcAft>
+                <a:spcPct val="0"/>
+              </a:spcAft>
+              <a:buClr>
+                <a:srgbClr val="F0AB00"/>
+              </a:buClr>
+              <a:buSzPct val="80000"/>
+              <a:tabLst/>
+            </a:pPr>
+            <a:r>
+              <a:rPr kumimoji="0" lang="en-US" sz="2400" b="0" i="0" u="none" strike="noStrike" kern="0" cap="none" spc="0" normalizeH="0" baseline="0" noProof="0" dirty="0">
+                <a:ln>
+                  <a:noFill/>
+                </a:ln>
+                <a:solidFill>
+                  <a:schemeClr val="bg1"/>
+                </a:solidFill>
+                <a:effectLst/>
+                <a:uLnTx/>
+                <a:uFillTx/>
+                <a:ea typeface="Arial Unicode MS" pitchFamily="34" charset="-128"/>
+                <a:cs typeface="Arial Unicode MS" pitchFamily="34" charset="-128"/>
+              </a:rPr>
+              <a:t>run </a:t>
+            </a:r>
+            <a:r>
+              <a:rPr kumimoji="0" lang="en-US" sz="2400" b="1" i="0" u="none" strike="noStrike" kern="0" cap="none" spc="0" normalizeH="0" baseline="0" noProof="0" dirty="0">
+                <a:ln>
+                  <a:noFill/>
+                </a:ln>
+                <a:solidFill>
+                  <a:schemeClr val="bg1"/>
+                </a:solidFill>
+                <a:effectLst/>
+                <a:uLnTx/>
+                <a:uFillTx/>
+                <a:ea typeface="Arial Unicode MS" pitchFamily="34" charset="-128"/>
+                <a:cs typeface="Arial Unicode MS" pitchFamily="34" charset="-128"/>
+              </a:rPr>
+              <a:t>ENTRYPOINT</a:t>
+            </a:r>
+            <a:r>
+              <a:rPr kumimoji="0" lang="en-US" sz="2400" b="0" i="0" u="none" strike="noStrike" kern="0" cap="none" spc="0" normalizeH="0" baseline="0" noProof="0" dirty="0">
+                <a:ln>
+                  <a:noFill/>
+                </a:ln>
+                <a:solidFill>
+                  <a:schemeClr val="bg1"/>
+                </a:solidFill>
+                <a:effectLst/>
+                <a:uLnTx/>
+                <a:uFillTx/>
+                <a:ea typeface="Arial Unicode MS" pitchFamily="34" charset="-128"/>
+                <a:cs typeface="Arial Unicode MS" pitchFamily="34" charset="-128"/>
+              </a:rPr>
+              <a:t> with </a:t>
+            </a:r>
+            <a:r>
+              <a:rPr kumimoji="0" lang="en-US" sz="2400" b="1" i="0" u="none" strike="noStrike" kern="0" cap="none" spc="0" normalizeH="0" baseline="0" noProof="0" dirty="0">
+                <a:ln>
+                  <a:noFill/>
+                </a:ln>
+                <a:solidFill>
+                  <a:schemeClr val="bg1"/>
+                </a:solidFill>
+                <a:effectLst/>
+                <a:uLnTx/>
+                <a:uFillTx/>
+                <a:ea typeface="Arial Unicode MS" pitchFamily="34" charset="-128"/>
+                <a:cs typeface="Arial Unicode MS" pitchFamily="34" charset="-128"/>
+              </a:rPr>
+              <a:t>CMD</a:t>
+            </a:r>
+            <a:r>
+              <a:rPr kumimoji="0" lang="en-US" sz="2400" b="0" i="0" u="none" strike="noStrike" kern="0" cap="none" spc="0" normalizeH="0" baseline="0" noProof="0" dirty="0">
+                <a:ln>
+                  <a:noFill/>
+                </a:ln>
+                <a:solidFill>
+                  <a:schemeClr val="bg1"/>
+                </a:solidFill>
+                <a:effectLst/>
+                <a:uLnTx/>
+                <a:uFillTx/>
+                <a:ea typeface="Arial Unicode MS" pitchFamily="34" charset="-128"/>
+                <a:cs typeface="Arial Unicode MS" pitchFamily="34" charset="-128"/>
+              </a:rPr>
+              <a:t> as argument</a:t>
+            </a:r>
+          </a:p>
+        </p:txBody>
+      </p:sp>
+      <p:sp>
+        <p:nvSpPr>
+          <p:cNvPr id="40" name="Multiplication Sign 39">
+            <a:extLst>
+              <a:ext uri="{FF2B5EF4-FFF2-40B4-BE49-F238E27FC236}">
+                <a16:creationId xmlns:a16="http://schemas.microsoft.com/office/drawing/2014/main" id="{B437DEFE-A875-426D-AC65-C21ACB6EEF87}"/>
+              </a:ext>
+            </a:extLst>
+          </p:cNvPr>
+          <p:cNvSpPr/>
+          <p:nvPr/>
+        </p:nvSpPr>
+        <p:spPr bwMode="gray">
+          <a:xfrm>
+            <a:off x="8370471" y="3302176"/>
+            <a:ext cx="2083639" cy="2083639"/>
+          </a:xfrm>
+          <a:prstGeom prst="mathMultiply">
+            <a:avLst>
+              <a:gd name="adj1" fmla="val 11656"/>
+            </a:avLst>
+          </a:prstGeom>
+          <a:solidFill>
+            <a:srgbClr val="FF0000"/>
+          </a:solidFill>
+          <a:ln w="44450" algn="ctr">
+            <a:solidFill>
+              <a:schemeClr val="bg1"/>
+            </a:solidFill>
+            <a:miter lim="800000"/>
+            <a:headEnd/>
+            <a:tailEnd/>
+          </a:ln>
+        </p:spPr>
+        <p:txBody>
+          <a:bodyPr lIns="90000" tIns="72000" rIns="90000" bIns="72000" rtlCol="0" anchor="ctr"/>
+          <a:lstStyle/>
+          <a:p>
+            <a:pPr marR="0" algn="ctr" defTabSz="914400" eaLnBrk="1" fontAlgn="base" latinLnBrk="0" hangingPunct="1">
+              <a:lnSpc>
+                <a:spcPct val="100000"/>
+              </a:lnSpc>
+              <a:spcBef>
+                <a:spcPct val="50000"/>
+              </a:spcBef>
+              <a:spcAft>
+                <a:spcPct val="0"/>
+              </a:spcAft>
+              <a:buClr>
+                <a:srgbClr val="F0AB00"/>
+              </a:buClr>
+              <a:buSzPct val="80000"/>
+              <a:tabLst/>
+            </a:pPr>
+            <a:endParaRPr kumimoji="0" lang="en-US" sz="1800" b="0" i="0" u="none" strike="noStrike" kern="0" cap="none" spc="0" normalizeH="0" baseline="0" noProof="0" dirty="0" err="1">
+              <a:ln>
+                <a:noFill/>
+              </a:ln>
+              <a:effectLst/>
+              <a:uLnTx/>
+              <a:uFillTx/>
+              <a:ea typeface="Arial Unicode MS" pitchFamily="34" charset="-128"/>
+              <a:cs typeface="Arial Unicode MS" pitchFamily="34" charset="-128"/>
             </a:endParaRPr>
-          </a:p>
-          <a:p>
-            <a:pPr lvl="2"/>
-            <a:r>
-              <a:rPr lang="en-US" sz="1400" dirty="0"/>
-              <a:t>starts </a:t>
-            </a:r>
-            <a:r>
-              <a:rPr lang="en-US" sz="1400" dirty="0" err="1"/>
-              <a:t>nginx</a:t>
-            </a:r>
-            <a:r>
-              <a:rPr lang="en-US" sz="1400" dirty="0"/>
-              <a:t> directly without using a shell to start it</a:t>
-            </a:r>
-          </a:p>
-          <a:p>
-            <a:pPr lvl="2"/>
-            <a:endParaRPr lang="en-US" sz="1400" b="1" dirty="0"/>
           </a:p>
         </p:txBody>
       </p:sp>
     </p:spTree>
     <p:extLst>
       <p:ext uri="{BB962C8B-B14F-4D97-AF65-F5344CB8AC3E}">
-        <p14:creationId xmlns:p14="http://schemas.microsoft.com/office/powerpoint/2010/main" val="1229460830"/>
+        <p14:creationId xmlns:p14="http://schemas.microsoft.com/office/powerpoint/2010/main" val="420998959"/>
       </p:ext>
     </p:extLst>
   </p:cSld>
   <p:clrMapOvr>
     <a:masterClrMapping/>
   </p:clrMapOvr>
+  <p:timing>
+    <p:tnLst>
+      <p:par>
+        <p:cTn id="1" dur="indefinite" restart="never" nodeType="tmRoot">
+          <p:childTnLst>
+            <p:seq concurrent="1" nextAc="seek">
+              <p:cTn id="2" dur="indefinite" nodeType="mainSeq">
+                <p:childTnLst>
+                  <p:par>
+                    <p:cTn id="3" fill="hold">
+                      <p:stCondLst>
+                        <p:cond delay="indefinite"/>
+                      </p:stCondLst>
+                      <p:childTnLst>
+                        <p:par>
+                          <p:cTn id="4" fill="hold">
+                            <p:stCondLst>
+                              <p:cond delay="0"/>
+                            </p:stCondLst>
+                            <p:childTnLst>
+                              <p:par>
+                                <p:cTn id="5" presetID="10" presetClass="entr" presetSubtype="0" fill="hold" nodeType="clickEffect">
+                                  <p:stCondLst>
+                                    <p:cond delay="0"/>
+                                  </p:stCondLst>
+                                  <p:childTnLst>
+                                    <p:set>
+                                      <p:cBhvr>
+                                        <p:cTn id="6" dur="1" fill="hold">
+                                          <p:stCondLst>
+                                            <p:cond delay="0"/>
+                                          </p:stCondLst>
+                                        </p:cTn>
+                                        <p:tgtEl>
+                                          <p:spTgt spid="7"/>
+                                        </p:tgtEl>
+                                        <p:attrNameLst>
+                                          <p:attrName>style.visibility</p:attrName>
+                                        </p:attrNameLst>
+                                      </p:cBhvr>
+                                      <p:to>
+                                        <p:strVal val="visible"/>
+                                      </p:to>
+                                    </p:set>
+                                    <p:animEffect transition="in" filter="fade">
+                                      <p:cBhvr>
+                                        <p:cTn id="7" dur="500"/>
+                                        <p:tgtEl>
+                                          <p:spTgt spid="7"/>
+                                        </p:tgtEl>
+                                      </p:cBhvr>
+                                    </p:animEffect>
+                                  </p:childTnLst>
+                                </p:cTn>
+                              </p:par>
+                              <p:par>
+                                <p:cTn id="8" presetID="10" presetClass="entr" presetSubtype="0" fill="hold" nodeType="withEffect">
+                                  <p:stCondLst>
+                                    <p:cond delay="0"/>
+                                  </p:stCondLst>
+                                  <p:childTnLst>
+                                    <p:set>
+                                      <p:cBhvr>
+                                        <p:cTn id="9" dur="1" fill="hold">
+                                          <p:stCondLst>
+                                            <p:cond delay="0"/>
+                                          </p:stCondLst>
+                                        </p:cTn>
+                                        <p:tgtEl>
+                                          <p:spTgt spid="4"/>
+                                        </p:tgtEl>
+                                        <p:attrNameLst>
+                                          <p:attrName>style.visibility</p:attrName>
+                                        </p:attrNameLst>
+                                      </p:cBhvr>
+                                      <p:to>
+                                        <p:strVal val="visible"/>
+                                      </p:to>
+                                    </p:set>
+                                    <p:animEffect transition="in" filter="fade">
+                                      <p:cBhvr>
+                                        <p:cTn id="10" dur="500"/>
+                                        <p:tgtEl>
+                                          <p:spTgt spid="4"/>
+                                        </p:tgtEl>
+                                      </p:cBhvr>
+                                    </p:animEffect>
+                                  </p:childTnLst>
+                                </p:cTn>
+                              </p:par>
+                            </p:childTnLst>
+                          </p:cTn>
+                        </p:par>
+                      </p:childTnLst>
+                    </p:cTn>
+                  </p:par>
+                  <p:par>
+                    <p:cTn id="11" fill="hold">
+                      <p:stCondLst>
+                        <p:cond delay="indefinite"/>
+                      </p:stCondLst>
+                      <p:childTnLst>
+                        <p:par>
+                          <p:cTn id="12" fill="hold">
+                            <p:stCondLst>
+                              <p:cond delay="0"/>
+                            </p:stCondLst>
+                            <p:childTnLst>
+                              <p:par>
+                                <p:cTn id="13" presetID="10" presetClass="entr" presetSubtype="0" fill="hold" grpId="0" nodeType="clickEffect">
+                                  <p:stCondLst>
+                                    <p:cond delay="0"/>
+                                  </p:stCondLst>
+                                  <p:childTnLst>
+                                    <p:set>
+                                      <p:cBhvr>
+                                        <p:cTn id="14" dur="1" fill="hold">
+                                          <p:stCondLst>
+                                            <p:cond delay="0"/>
+                                          </p:stCondLst>
+                                        </p:cTn>
+                                        <p:tgtEl>
+                                          <p:spTgt spid="10"/>
+                                        </p:tgtEl>
+                                        <p:attrNameLst>
+                                          <p:attrName>style.visibility</p:attrName>
+                                        </p:attrNameLst>
+                                      </p:cBhvr>
+                                      <p:to>
+                                        <p:strVal val="visible"/>
+                                      </p:to>
+                                    </p:set>
+                                    <p:animEffect transition="in" filter="fade">
+                                      <p:cBhvr>
+                                        <p:cTn id="15" dur="500"/>
+                                        <p:tgtEl>
+                                          <p:spTgt spid="10"/>
+                                        </p:tgtEl>
+                                      </p:cBhvr>
+                                    </p:animEffect>
+                                  </p:childTnLst>
+                                </p:cTn>
+                              </p:par>
+                              <p:par>
+                                <p:cTn id="16" presetID="10" presetClass="entr" presetSubtype="0" fill="hold" nodeType="withEffect">
+                                  <p:stCondLst>
+                                    <p:cond delay="0"/>
+                                  </p:stCondLst>
+                                  <p:childTnLst>
+                                    <p:set>
+                                      <p:cBhvr>
+                                        <p:cTn id="17" dur="1" fill="hold">
+                                          <p:stCondLst>
+                                            <p:cond delay="0"/>
+                                          </p:stCondLst>
+                                        </p:cTn>
+                                        <p:tgtEl>
+                                          <p:spTgt spid="16"/>
+                                        </p:tgtEl>
+                                        <p:attrNameLst>
+                                          <p:attrName>style.visibility</p:attrName>
+                                        </p:attrNameLst>
+                                      </p:cBhvr>
+                                      <p:to>
+                                        <p:strVal val="visible"/>
+                                      </p:to>
+                                    </p:set>
+                                    <p:animEffect transition="in" filter="fade">
+                                      <p:cBhvr>
+                                        <p:cTn id="18" dur="500"/>
+                                        <p:tgtEl>
+                                          <p:spTgt spid="16"/>
+                                        </p:tgtEl>
+                                      </p:cBhvr>
+                                    </p:animEffect>
+                                  </p:childTnLst>
+                                </p:cTn>
+                              </p:par>
+                            </p:childTnLst>
+                          </p:cTn>
+                        </p:par>
+                      </p:childTnLst>
+                    </p:cTn>
+                  </p:par>
+                  <p:par>
+                    <p:cTn id="19" fill="hold">
+                      <p:stCondLst>
+                        <p:cond delay="indefinite"/>
+                      </p:stCondLst>
+                      <p:childTnLst>
+                        <p:par>
+                          <p:cTn id="20" fill="hold">
+                            <p:stCondLst>
+                              <p:cond delay="0"/>
+                            </p:stCondLst>
+                            <p:childTnLst>
+                              <p:par>
+                                <p:cTn id="21" presetID="10" presetClass="entr" presetSubtype="0" fill="hold" nodeType="clickEffect">
+                                  <p:stCondLst>
+                                    <p:cond delay="0"/>
+                                  </p:stCondLst>
+                                  <p:childTnLst>
+                                    <p:set>
+                                      <p:cBhvr>
+                                        <p:cTn id="22" dur="1" fill="hold">
+                                          <p:stCondLst>
+                                            <p:cond delay="0"/>
+                                          </p:stCondLst>
+                                        </p:cTn>
+                                        <p:tgtEl>
+                                          <p:spTgt spid="25"/>
+                                        </p:tgtEl>
+                                        <p:attrNameLst>
+                                          <p:attrName>style.visibility</p:attrName>
+                                        </p:attrNameLst>
+                                      </p:cBhvr>
+                                      <p:to>
+                                        <p:strVal val="visible"/>
+                                      </p:to>
+                                    </p:set>
+                                    <p:animEffect transition="in" filter="fade">
+                                      <p:cBhvr>
+                                        <p:cTn id="23" dur="500"/>
+                                        <p:tgtEl>
+                                          <p:spTgt spid="25"/>
+                                        </p:tgtEl>
+                                      </p:cBhvr>
+                                    </p:animEffect>
+                                  </p:childTnLst>
+                                </p:cTn>
+                              </p:par>
+                            </p:childTnLst>
+                          </p:cTn>
+                        </p:par>
+                      </p:childTnLst>
+                    </p:cTn>
+                  </p:par>
+                  <p:par>
+                    <p:cTn id="24" fill="hold">
+                      <p:stCondLst>
+                        <p:cond delay="indefinite"/>
+                      </p:stCondLst>
+                      <p:childTnLst>
+                        <p:par>
+                          <p:cTn id="25" fill="hold">
+                            <p:stCondLst>
+                              <p:cond delay="0"/>
+                            </p:stCondLst>
+                            <p:childTnLst>
+                              <p:par>
+                                <p:cTn id="26" presetID="1" presetClass="entr" presetSubtype="0" fill="hold" grpId="0" nodeType="clickEffect">
+                                  <p:stCondLst>
+                                    <p:cond delay="0"/>
+                                  </p:stCondLst>
+                                  <p:childTnLst>
+                                    <p:set>
+                                      <p:cBhvr>
+                                        <p:cTn id="27" dur="1" fill="hold">
+                                          <p:stCondLst>
+                                            <p:cond delay="0"/>
+                                          </p:stCondLst>
+                                        </p:cTn>
+                                        <p:tgtEl>
+                                          <p:spTgt spid="19"/>
+                                        </p:tgtEl>
+                                        <p:attrNameLst>
+                                          <p:attrName>style.visibility</p:attrName>
+                                        </p:attrNameLst>
+                                      </p:cBhvr>
+                                      <p:to>
+                                        <p:strVal val="visible"/>
+                                      </p:to>
+                                    </p:set>
+                                  </p:childTnLst>
+                                </p:cTn>
+                              </p:par>
+                              <p:par>
+                                <p:cTn id="28" presetID="1" presetClass="exit" presetSubtype="0" fill="hold" nodeType="withEffect">
+                                  <p:stCondLst>
+                                    <p:cond delay="0"/>
+                                  </p:stCondLst>
+                                  <p:childTnLst>
+                                    <p:set>
+                                      <p:cBhvr>
+                                        <p:cTn id="29" dur="1" fill="hold">
+                                          <p:stCondLst>
+                                            <p:cond delay="0"/>
+                                          </p:stCondLst>
+                                        </p:cTn>
+                                        <p:tgtEl>
+                                          <p:spTgt spid="25"/>
+                                        </p:tgtEl>
+                                        <p:attrNameLst>
+                                          <p:attrName>style.visibility</p:attrName>
+                                        </p:attrNameLst>
+                                      </p:cBhvr>
+                                      <p:to>
+                                        <p:strVal val="hidden"/>
+                                      </p:to>
+                                    </p:set>
+                                  </p:childTnLst>
+                                </p:cTn>
+                              </p:par>
+                            </p:childTnLst>
+                          </p:cTn>
+                        </p:par>
+                      </p:childTnLst>
+                    </p:cTn>
+                  </p:par>
+                  <p:par>
+                    <p:cTn id="30" fill="hold">
+                      <p:stCondLst>
+                        <p:cond delay="indefinite"/>
+                      </p:stCondLst>
+                      <p:childTnLst>
+                        <p:par>
+                          <p:cTn id="31" fill="hold">
+                            <p:stCondLst>
+                              <p:cond delay="0"/>
+                            </p:stCondLst>
+                            <p:childTnLst>
+                              <p:par>
+                                <p:cTn id="32" presetID="10" presetClass="entr" presetSubtype="0" fill="hold" nodeType="clickEffect">
+                                  <p:stCondLst>
+                                    <p:cond delay="0"/>
+                                  </p:stCondLst>
+                                  <p:childTnLst>
+                                    <p:set>
+                                      <p:cBhvr>
+                                        <p:cTn id="33" dur="1" fill="hold">
+                                          <p:stCondLst>
+                                            <p:cond delay="0"/>
+                                          </p:stCondLst>
+                                        </p:cTn>
+                                        <p:tgtEl>
+                                          <p:spTgt spid="26"/>
+                                        </p:tgtEl>
+                                        <p:attrNameLst>
+                                          <p:attrName>style.visibility</p:attrName>
+                                        </p:attrNameLst>
+                                      </p:cBhvr>
+                                      <p:to>
+                                        <p:strVal val="visible"/>
+                                      </p:to>
+                                    </p:set>
+                                    <p:animEffect transition="in" filter="fade">
+                                      <p:cBhvr>
+                                        <p:cTn id="34" dur="500"/>
+                                        <p:tgtEl>
+                                          <p:spTgt spid="26"/>
+                                        </p:tgtEl>
+                                      </p:cBhvr>
+                                    </p:animEffect>
+                                  </p:childTnLst>
+                                </p:cTn>
+                              </p:par>
+                            </p:childTnLst>
+                          </p:cTn>
+                        </p:par>
+                      </p:childTnLst>
+                    </p:cTn>
+                  </p:par>
+                  <p:par>
+                    <p:cTn id="35" fill="hold">
+                      <p:stCondLst>
+                        <p:cond delay="indefinite"/>
+                      </p:stCondLst>
+                      <p:childTnLst>
+                        <p:par>
+                          <p:cTn id="36" fill="hold">
+                            <p:stCondLst>
+                              <p:cond delay="0"/>
+                            </p:stCondLst>
+                            <p:childTnLst>
+                              <p:par>
+                                <p:cTn id="37" presetID="1" presetClass="entr" presetSubtype="0" fill="hold" grpId="0" nodeType="clickEffect">
+                                  <p:stCondLst>
+                                    <p:cond delay="0"/>
+                                  </p:stCondLst>
+                                  <p:childTnLst>
+                                    <p:set>
+                                      <p:cBhvr>
+                                        <p:cTn id="38" dur="1" fill="hold">
+                                          <p:stCondLst>
+                                            <p:cond delay="0"/>
+                                          </p:stCondLst>
+                                        </p:cTn>
+                                        <p:tgtEl>
+                                          <p:spTgt spid="20"/>
+                                        </p:tgtEl>
+                                        <p:attrNameLst>
+                                          <p:attrName>style.visibility</p:attrName>
+                                        </p:attrNameLst>
+                                      </p:cBhvr>
+                                      <p:to>
+                                        <p:strVal val="visible"/>
+                                      </p:to>
+                                    </p:set>
+                                  </p:childTnLst>
+                                </p:cTn>
+                              </p:par>
+                              <p:par>
+                                <p:cTn id="39" presetID="1" presetClass="exit" presetSubtype="0" fill="hold" nodeType="withEffect">
+                                  <p:stCondLst>
+                                    <p:cond delay="0"/>
+                                  </p:stCondLst>
+                                  <p:childTnLst>
+                                    <p:set>
+                                      <p:cBhvr>
+                                        <p:cTn id="40" dur="1" fill="hold">
+                                          <p:stCondLst>
+                                            <p:cond delay="0"/>
+                                          </p:stCondLst>
+                                        </p:cTn>
+                                        <p:tgtEl>
+                                          <p:spTgt spid="26"/>
+                                        </p:tgtEl>
+                                        <p:attrNameLst>
+                                          <p:attrName>style.visibility</p:attrName>
+                                        </p:attrNameLst>
+                                      </p:cBhvr>
+                                      <p:to>
+                                        <p:strVal val="hidden"/>
+                                      </p:to>
+                                    </p:set>
+                                  </p:childTnLst>
+                                </p:cTn>
+                              </p:par>
+                            </p:childTnLst>
+                          </p:cTn>
+                        </p:par>
+                      </p:childTnLst>
+                    </p:cTn>
+                  </p:par>
+                  <p:par>
+                    <p:cTn id="41" fill="hold">
+                      <p:stCondLst>
+                        <p:cond delay="indefinite"/>
+                      </p:stCondLst>
+                      <p:childTnLst>
+                        <p:par>
+                          <p:cTn id="42" fill="hold">
+                            <p:stCondLst>
+                              <p:cond delay="0"/>
+                            </p:stCondLst>
+                            <p:childTnLst>
+                              <p:par>
+                                <p:cTn id="43" presetID="1" presetClass="exit" presetSubtype="0" fill="hold" grpId="1" nodeType="clickEffect">
+                                  <p:stCondLst>
+                                    <p:cond delay="0"/>
+                                  </p:stCondLst>
+                                  <p:childTnLst>
+                                    <p:set>
+                                      <p:cBhvr>
+                                        <p:cTn id="44" dur="1" fill="hold">
+                                          <p:stCondLst>
+                                            <p:cond delay="0"/>
+                                          </p:stCondLst>
+                                        </p:cTn>
+                                        <p:tgtEl>
+                                          <p:spTgt spid="10"/>
+                                        </p:tgtEl>
+                                        <p:attrNameLst>
+                                          <p:attrName>style.visibility</p:attrName>
+                                        </p:attrNameLst>
+                                      </p:cBhvr>
+                                      <p:to>
+                                        <p:strVal val="hidden"/>
+                                      </p:to>
+                                    </p:set>
+                                  </p:childTnLst>
+                                </p:cTn>
+                              </p:par>
+                              <p:par>
+                                <p:cTn id="45" presetID="1" presetClass="exit" presetSubtype="0" fill="hold" nodeType="withEffect">
+                                  <p:stCondLst>
+                                    <p:cond delay="0"/>
+                                  </p:stCondLst>
+                                  <p:childTnLst>
+                                    <p:set>
+                                      <p:cBhvr>
+                                        <p:cTn id="46" dur="1" fill="hold">
+                                          <p:stCondLst>
+                                            <p:cond delay="0"/>
+                                          </p:stCondLst>
+                                        </p:cTn>
+                                        <p:tgtEl>
+                                          <p:spTgt spid="16"/>
+                                        </p:tgtEl>
+                                        <p:attrNameLst>
+                                          <p:attrName>style.visibility</p:attrName>
+                                        </p:attrNameLst>
+                                      </p:cBhvr>
+                                      <p:to>
+                                        <p:strVal val="hidden"/>
+                                      </p:to>
+                                    </p:set>
+                                  </p:childTnLst>
+                                </p:cTn>
+                              </p:par>
+                              <p:par>
+                                <p:cTn id="47" presetID="1" presetClass="exit" presetSubtype="0" fill="hold" grpId="1" nodeType="withEffect">
+                                  <p:stCondLst>
+                                    <p:cond delay="0"/>
+                                  </p:stCondLst>
+                                  <p:childTnLst>
+                                    <p:set>
+                                      <p:cBhvr>
+                                        <p:cTn id="48" dur="1" fill="hold">
+                                          <p:stCondLst>
+                                            <p:cond delay="0"/>
+                                          </p:stCondLst>
+                                        </p:cTn>
+                                        <p:tgtEl>
+                                          <p:spTgt spid="19"/>
+                                        </p:tgtEl>
+                                        <p:attrNameLst>
+                                          <p:attrName>style.visibility</p:attrName>
+                                        </p:attrNameLst>
+                                      </p:cBhvr>
+                                      <p:to>
+                                        <p:strVal val="hidden"/>
+                                      </p:to>
+                                    </p:set>
+                                  </p:childTnLst>
+                                </p:cTn>
+                              </p:par>
+                              <p:par>
+                                <p:cTn id="49" presetID="1" presetClass="exit" presetSubtype="0" fill="hold" grpId="1" nodeType="withEffect">
+                                  <p:stCondLst>
+                                    <p:cond delay="0"/>
+                                  </p:stCondLst>
+                                  <p:childTnLst>
+                                    <p:set>
+                                      <p:cBhvr>
+                                        <p:cTn id="50" dur="1" fill="hold">
+                                          <p:stCondLst>
+                                            <p:cond delay="0"/>
+                                          </p:stCondLst>
+                                        </p:cTn>
+                                        <p:tgtEl>
+                                          <p:spTgt spid="20"/>
+                                        </p:tgtEl>
+                                        <p:attrNameLst>
+                                          <p:attrName>style.visibility</p:attrName>
+                                        </p:attrNameLst>
+                                      </p:cBhvr>
+                                      <p:to>
+                                        <p:strVal val="hidden"/>
+                                      </p:to>
+                                    </p:set>
+                                  </p:childTnLst>
+                                </p:cTn>
+                              </p:par>
+                              <p:par>
+                                <p:cTn id="51" presetID="10" presetClass="entr" presetSubtype="0" fill="hold" grpId="0" nodeType="withEffect">
+                                  <p:stCondLst>
+                                    <p:cond delay="0"/>
+                                  </p:stCondLst>
+                                  <p:childTnLst>
+                                    <p:set>
+                                      <p:cBhvr>
+                                        <p:cTn id="52" dur="1" fill="hold">
+                                          <p:stCondLst>
+                                            <p:cond delay="0"/>
+                                          </p:stCondLst>
+                                        </p:cTn>
+                                        <p:tgtEl>
+                                          <p:spTgt spid="32"/>
+                                        </p:tgtEl>
+                                        <p:attrNameLst>
+                                          <p:attrName>style.visibility</p:attrName>
+                                        </p:attrNameLst>
+                                      </p:cBhvr>
+                                      <p:to>
+                                        <p:strVal val="visible"/>
+                                      </p:to>
+                                    </p:set>
+                                    <p:animEffect transition="in" filter="fade">
+                                      <p:cBhvr>
+                                        <p:cTn id="53" dur="1000"/>
+                                        <p:tgtEl>
+                                          <p:spTgt spid="32"/>
+                                        </p:tgtEl>
+                                      </p:cBhvr>
+                                    </p:animEffect>
+                                  </p:childTnLst>
+                                </p:cTn>
+                              </p:par>
+                            </p:childTnLst>
+                          </p:cTn>
+                        </p:par>
+                        <p:par>
+                          <p:cTn id="54" fill="hold">
+                            <p:stCondLst>
+                              <p:cond delay="1000"/>
+                            </p:stCondLst>
+                            <p:childTnLst>
+                              <p:par>
+                                <p:cTn id="55" presetID="10" presetClass="exit" presetSubtype="0" fill="hold" grpId="1" nodeType="afterEffect">
+                                  <p:stCondLst>
+                                    <p:cond delay="0"/>
+                                  </p:stCondLst>
+                                  <p:childTnLst>
+                                    <p:animEffect transition="out" filter="fade">
+                                      <p:cBhvr>
+                                        <p:cTn id="56" dur="1000"/>
+                                        <p:tgtEl>
+                                          <p:spTgt spid="32"/>
+                                        </p:tgtEl>
+                                      </p:cBhvr>
+                                    </p:animEffect>
+                                    <p:set>
+                                      <p:cBhvr>
+                                        <p:cTn id="57" dur="1" fill="hold">
+                                          <p:stCondLst>
+                                            <p:cond delay="999"/>
+                                          </p:stCondLst>
+                                        </p:cTn>
+                                        <p:tgtEl>
+                                          <p:spTgt spid="32"/>
+                                        </p:tgtEl>
+                                        <p:attrNameLst>
+                                          <p:attrName>style.visibility</p:attrName>
+                                        </p:attrNameLst>
+                                      </p:cBhvr>
+                                      <p:to>
+                                        <p:strVal val="hidden"/>
+                                      </p:to>
+                                    </p:set>
+                                  </p:childTnLst>
+                                </p:cTn>
+                              </p:par>
+                            </p:childTnLst>
+                          </p:cTn>
+                        </p:par>
+                        <p:par>
+                          <p:cTn id="58" fill="hold">
+                            <p:stCondLst>
+                              <p:cond delay="2000"/>
+                            </p:stCondLst>
+                            <p:childTnLst>
+                              <p:par>
+                                <p:cTn id="59" presetID="10" presetClass="entr" presetSubtype="0" fill="hold" grpId="0" nodeType="afterEffect">
+                                  <p:stCondLst>
+                                    <p:cond delay="0"/>
+                                  </p:stCondLst>
+                                  <p:childTnLst>
+                                    <p:set>
+                                      <p:cBhvr>
+                                        <p:cTn id="60" dur="1" fill="hold">
+                                          <p:stCondLst>
+                                            <p:cond delay="0"/>
+                                          </p:stCondLst>
+                                        </p:cTn>
+                                        <p:tgtEl>
+                                          <p:spTgt spid="34"/>
+                                        </p:tgtEl>
+                                        <p:attrNameLst>
+                                          <p:attrName>style.visibility</p:attrName>
+                                        </p:attrNameLst>
+                                      </p:cBhvr>
+                                      <p:to>
+                                        <p:strVal val="visible"/>
+                                      </p:to>
+                                    </p:set>
+                                    <p:animEffect transition="in" filter="fade">
+                                      <p:cBhvr>
+                                        <p:cTn id="61" dur="1000"/>
+                                        <p:tgtEl>
+                                          <p:spTgt spid="34"/>
+                                        </p:tgtEl>
+                                      </p:cBhvr>
+                                    </p:animEffect>
+                                  </p:childTnLst>
+                                </p:cTn>
+                              </p:par>
+                            </p:childTnLst>
+                          </p:cTn>
+                        </p:par>
+                        <p:par>
+                          <p:cTn id="62" fill="hold">
+                            <p:stCondLst>
+                              <p:cond delay="3000"/>
+                            </p:stCondLst>
+                            <p:childTnLst>
+                              <p:par>
+                                <p:cTn id="63" presetID="10" presetClass="exit" presetSubtype="0" fill="hold" grpId="1" nodeType="afterEffect">
+                                  <p:stCondLst>
+                                    <p:cond delay="0"/>
+                                  </p:stCondLst>
+                                  <p:childTnLst>
+                                    <p:animEffect transition="out" filter="fade">
+                                      <p:cBhvr>
+                                        <p:cTn id="64" dur="1000"/>
+                                        <p:tgtEl>
+                                          <p:spTgt spid="34"/>
+                                        </p:tgtEl>
+                                      </p:cBhvr>
+                                    </p:animEffect>
+                                    <p:set>
+                                      <p:cBhvr>
+                                        <p:cTn id="65" dur="1" fill="hold">
+                                          <p:stCondLst>
+                                            <p:cond delay="999"/>
+                                          </p:stCondLst>
+                                        </p:cTn>
+                                        <p:tgtEl>
+                                          <p:spTgt spid="34"/>
+                                        </p:tgtEl>
+                                        <p:attrNameLst>
+                                          <p:attrName>style.visibility</p:attrName>
+                                        </p:attrNameLst>
+                                      </p:cBhvr>
+                                      <p:to>
+                                        <p:strVal val="hidden"/>
+                                      </p:to>
+                                    </p:set>
+                                  </p:childTnLst>
+                                </p:cTn>
+                              </p:par>
+                            </p:childTnLst>
+                          </p:cTn>
+                        </p:par>
+                        <p:par>
+                          <p:cTn id="66" fill="hold">
+                            <p:stCondLst>
+                              <p:cond delay="4000"/>
+                            </p:stCondLst>
+                            <p:childTnLst>
+                              <p:par>
+                                <p:cTn id="67" presetID="10" presetClass="entr" presetSubtype="0" fill="hold" grpId="0" nodeType="afterEffect">
+                                  <p:stCondLst>
+                                    <p:cond delay="0"/>
+                                  </p:stCondLst>
+                                  <p:childTnLst>
+                                    <p:set>
+                                      <p:cBhvr>
+                                        <p:cTn id="68" dur="1" fill="hold">
+                                          <p:stCondLst>
+                                            <p:cond delay="0"/>
+                                          </p:stCondLst>
+                                        </p:cTn>
+                                        <p:tgtEl>
+                                          <p:spTgt spid="35"/>
+                                        </p:tgtEl>
+                                        <p:attrNameLst>
+                                          <p:attrName>style.visibility</p:attrName>
+                                        </p:attrNameLst>
+                                      </p:cBhvr>
+                                      <p:to>
+                                        <p:strVal val="visible"/>
+                                      </p:to>
+                                    </p:set>
+                                    <p:animEffect transition="in" filter="fade">
+                                      <p:cBhvr>
+                                        <p:cTn id="69" dur="1000"/>
+                                        <p:tgtEl>
+                                          <p:spTgt spid="35"/>
+                                        </p:tgtEl>
+                                      </p:cBhvr>
+                                    </p:animEffect>
+                                  </p:childTnLst>
+                                </p:cTn>
+                              </p:par>
+                            </p:childTnLst>
+                          </p:cTn>
+                        </p:par>
+                        <p:par>
+                          <p:cTn id="70" fill="hold">
+                            <p:stCondLst>
+                              <p:cond delay="5000"/>
+                            </p:stCondLst>
+                            <p:childTnLst>
+                              <p:par>
+                                <p:cTn id="71" presetID="10" presetClass="exit" presetSubtype="0" fill="hold" grpId="1" nodeType="afterEffect">
+                                  <p:stCondLst>
+                                    <p:cond delay="0"/>
+                                  </p:stCondLst>
+                                  <p:childTnLst>
+                                    <p:animEffect transition="out" filter="fade">
+                                      <p:cBhvr>
+                                        <p:cTn id="72" dur="1000"/>
+                                        <p:tgtEl>
+                                          <p:spTgt spid="35"/>
+                                        </p:tgtEl>
+                                      </p:cBhvr>
+                                    </p:animEffect>
+                                    <p:set>
+                                      <p:cBhvr>
+                                        <p:cTn id="73" dur="1" fill="hold">
+                                          <p:stCondLst>
+                                            <p:cond delay="999"/>
+                                          </p:stCondLst>
+                                        </p:cTn>
+                                        <p:tgtEl>
+                                          <p:spTgt spid="35"/>
+                                        </p:tgtEl>
+                                        <p:attrNameLst>
+                                          <p:attrName>style.visibility</p:attrName>
+                                        </p:attrNameLst>
+                                      </p:cBhvr>
+                                      <p:to>
+                                        <p:strVal val="hidden"/>
+                                      </p:to>
+                                    </p:set>
+                                  </p:childTnLst>
+                                </p:cTn>
+                              </p:par>
+                            </p:childTnLst>
+                          </p:cTn>
+                        </p:par>
+                        <p:par>
+                          <p:cTn id="74" fill="hold">
+                            <p:stCondLst>
+                              <p:cond delay="6000"/>
+                            </p:stCondLst>
+                            <p:childTnLst>
+                              <p:par>
+                                <p:cTn id="75" presetID="10" presetClass="entr" presetSubtype="0" fill="hold" grpId="0" nodeType="afterEffect">
+                                  <p:stCondLst>
+                                    <p:cond delay="0"/>
+                                  </p:stCondLst>
+                                  <p:childTnLst>
+                                    <p:set>
+                                      <p:cBhvr>
+                                        <p:cTn id="76" dur="1" fill="hold">
+                                          <p:stCondLst>
+                                            <p:cond delay="0"/>
+                                          </p:stCondLst>
+                                        </p:cTn>
+                                        <p:tgtEl>
+                                          <p:spTgt spid="36"/>
+                                        </p:tgtEl>
+                                        <p:attrNameLst>
+                                          <p:attrName>style.visibility</p:attrName>
+                                        </p:attrNameLst>
+                                      </p:cBhvr>
+                                      <p:to>
+                                        <p:strVal val="visible"/>
+                                      </p:to>
+                                    </p:set>
+                                    <p:animEffect transition="in" filter="fade">
+                                      <p:cBhvr>
+                                        <p:cTn id="77" dur="1000"/>
+                                        <p:tgtEl>
+                                          <p:spTgt spid="36"/>
+                                        </p:tgtEl>
+                                      </p:cBhvr>
+                                    </p:animEffect>
+                                  </p:childTnLst>
+                                </p:cTn>
+                              </p:par>
+                            </p:childTnLst>
+                          </p:cTn>
+                        </p:par>
+                        <p:par>
+                          <p:cTn id="78" fill="hold">
+                            <p:stCondLst>
+                              <p:cond delay="7000"/>
+                            </p:stCondLst>
+                            <p:childTnLst>
+                              <p:par>
+                                <p:cTn id="79" presetID="10" presetClass="exit" presetSubtype="0" fill="hold" grpId="1" nodeType="afterEffect">
+                                  <p:stCondLst>
+                                    <p:cond delay="0"/>
+                                  </p:stCondLst>
+                                  <p:childTnLst>
+                                    <p:animEffect transition="out" filter="fade">
+                                      <p:cBhvr>
+                                        <p:cTn id="80" dur="1000"/>
+                                        <p:tgtEl>
+                                          <p:spTgt spid="36"/>
+                                        </p:tgtEl>
+                                      </p:cBhvr>
+                                    </p:animEffect>
+                                    <p:set>
+                                      <p:cBhvr>
+                                        <p:cTn id="81" dur="1" fill="hold">
+                                          <p:stCondLst>
+                                            <p:cond delay="999"/>
+                                          </p:stCondLst>
+                                        </p:cTn>
+                                        <p:tgtEl>
+                                          <p:spTgt spid="36"/>
+                                        </p:tgtEl>
+                                        <p:attrNameLst>
+                                          <p:attrName>style.visibility</p:attrName>
+                                        </p:attrNameLst>
+                                      </p:cBhvr>
+                                      <p:to>
+                                        <p:strVal val="hidden"/>
+                                      </p:to>
+                                    </p:set>
+                                  </p:childTnLst>
+                                </p:cTn>
+                              </p:par>
+                            </p:childTnLst>
+                          </p:cTn>
+                        </p:par>
+                        <p:par>
+                          <p:cTn id="82" fill="hold">
+                            <p:stCondLst>
+                              <p:cond delay="8000"/>
+                            </p:stCondLst>
+                            <p:childTnLst>
+                              <p:par>
+                                <p:cTn id="83" presetID="10" presetClass="entr" presetSubtype="0" fill="hold" grpId="0" nodeType="afterEffect">
+                                  <p:stCondLst>
+                                    <p:cond delay="0"/>
+                                  </p:stCondLst>
+                                  <p:childTnLst>
+                                    <p:set>
+                                      <p:cBhvr>
+                                        <p:cTn id="84" dur="1" fill="hold">
+                                          <p:stCondLst>
+                                            <p:cond delay="0"/>
+                                          </p:stCondLst>
+                                        </p:cTn>
+                                        <p:tgtEl>
+                                          <p:spTgt spid="37"/>
+                                        </p:tgtEl>
+                                        <p:attrNameLst>
+                                          <p:attrName>style.visibility</p:attrName>
+                                        </p:attrNameLst>
+                                      </p:cBhvr>
+                                      <p:to>
+                                        <p:strVal val="visible"/>
+                                      </p:to>
+                                    </p:set>
+                                    <p:animEffect transition="in" filter="fade">
+                                      <p:cBhvr>
+                                        <p:cTn id="85" dur="1000"/>
+                                        <p:tgtEl>
+                                          <p:spTgt spid="37"/>
+                                        </p:tgtEl>
+                                      </p:cBhvr>
+                                    </p:animEffect>
+                                  </p:childTnLst>
+                                </p:cTn>
+                              </p:par>
+                            </p:childTnLst>
+                          </p:cTn>
+                        </p:par>
+                      </p:childTnLst>
+                    </p:cTn>
+                  </p:par>
+                  <p:par>
+                    <p:cTn id="86" fill="hold">
+                      <p:stCondLst>
+                        <p:cond delay="indefinite"/>
+                      </p:stCondLst>
+                      <p:childTnLst>
+                        <p:par>
+                          <p:cTn id="87" fill="hold">
+                            <p:stCondLst>
+                              <p:cond delay="0"/>
+                            </p:stCondLst>
+                            <p:childTnLst>
+                              <p:par>
+                                <p:cTn id="88" presetID="1" presetClass="exit" presetSubtype="0" fill="hold" grpId="1" nodeType="clickEffect">
+                                  <p:stCondLst>
+                                    <p:cond delay="0"/>
+                                  </p:stCondLst>
+                                  <p:childTnLst>
+                                    <p:set>
+                                      <p:cBhvr>
+                                        <p:cTn id="89" dur="1" fill="hold">
+                                          <p:stCondLst>
+                                            <p:cond delay="0"/>
+                                          </p:stCondLst>
+                                        </p:cTn>
+                                        <p:tgtEl>
+                                          <p:spTgt spid="37"/>
+                                        </p:tgtEl>
+                                        <p:attrNameLst>
+                                          <p:attrName>style.visibility</p:attrName>
+                                        </p:attrNameLst>
+                                      </p:cBhvr>
+                                      <p:to>
+                                        <p:strVal val="hidden"/>
+                                      </p:to>
+                                    </p:set>
+                                  </p:childTnLst>
+                                </p:cTn>
+                              </p:par>
+                              <p:par>
+                                <p:cTn id="90" presetID="1" presetClass="entr" presetSubtype="0" fill="hold" grpId="0" nodeType="withEffect">
+                                  <p:stCondLst>
+                                    <p:cond delay="0"/>
+                                  </p:stCondLst>
+                                  <p:childTnLst>
+                                    <p:set>
+                                      <p:cBhvr>
+                                        <p:cTn id="91" dur="1" fill="hold">
+                                          <p:stCondLst>
+                                            <p:cond delay="0"/>
+                                          </p:stCondLst>
+                                        </p:cTn>
+                                        <p:tgtEl>
+                                          <p:spTgt spid="3"/>
+                                        </p:tgtEl>
+                                        <p:attrNameLst>
+                                          <p:attrName>style.visibility</p:attrName>
+                                        </p:attrNameLst>
+                                      </p:cBhvr>
+                                      <p:to>
+                                        <p:strVal val="visible"/>
+                                      </p:to>
+                                    </p:set>
+                                  </p:childTnLst>
+                                </p:cTn>
+                              </p:par>
+                              <p:par>
+                                <p:cTn id="92" presetID="53" presetClass="entr" presetSubtype="16" fill="hold" nodeType="withEffect">
+                                  <p:stCondLst>
+                                    <p:cond delay="0"/>
+                                  </p:stCondLst>
+                                  <p:childTnLst>
+                                    <p:set>
+                                      <p:cBhvr>
+                                        <p:cTn id="93" dur="1" fill="hold">
+                                          <p:stCondLst>
+                                            <p:cond delay="0"/>
+                                          </p:stCondLst>
+                                        </p:cTn>
+                                        <p:tgtEl>
+                                          <p:spTgt spid="27"/>
+                                        </p:tgtEl>
+                                        <p:attrNameLst>
+                                          <p:attrName>style.visibility</p:attrName>
+                                        </p:attrNameLst>
+                                      </p:cBhvr>
+                                      <p:to>
+                                        <p:strVal val="visible"/>
+                                      </p:to>
+                                    </p:set>
+                                    <p:anim calcmode="lin" valueType="num">
+                                      <p:cBhvr>
+                                        <p:cTn id="94" dur="300" fill="hold"/>
+                                        <p:tgtEl>
+                                          <p:spTgt spid="27"/>
+                                        </p:tgtEl>
+                                        <p:attrNameLst>
+                                          <p:attrName>ppt_w</p:attrName>
+                                        </p:attrNameLst>
+                                      </p:cBhvr>
+                                      <p:tavLst>
+                                        <p:tav tm="0">
+                                          <p:val>
+                                            <p:fltVal val="0"/>
+                                          </p:val>
+                                        </p:tav>
+                                        <p:tav tm="100000">
+                                          <p:val>
+                                            <p:strVal val="#ppt_w"/>
+                                          </p:val>
+                                        </p:tav>
+                                      </p:tavLst>
+                                    </p:anim>
+                                    <p:anim calcmode="lin" valueType="num">
+                                      <p:cBhvr>
+                                        <p:cTn id="95" dur="300" fill="hold"/>
+                                        <p:tgtEl>
+                                          <p:spTgt spid="27"/>
+                                        </p:tgtEl>
+                                        <p:attrNameLst>
+                                          <p:attrName>ppt_h</p:attrName>
+                                        </p:attrNameLst>
+                                      </p:cBhvr>
+                                      <p:tavLst>
+                                        <p:tav tm="0">
+                                          <p:val>
+                                            <p:fltVal val="0"/>
+                                          </p:val>
+                                        </p:tav>
+                                        <p:tav tm="100000">
+                                          <p:val>
+                                            <p:strVal val="#ppt_h"/>
+                                          </p:val>
+                                        </p:tav>
+                                      </p:tavLst>
+                                    </p:anim>
+                                    <p:animEffect transition="in" filter="fade">
+                                      <p:cBhvr>
+                                        <p:cTn id="96" dur="300"/>
+                                        <p:tgtEl>
+                                          <p:spTgt spid="27"/>
+                                        </p:tgtEl>
+                                      </p:cBhvr>
+                                    </p:animEffect>
+                                  </p:childTnLst>
+                                </p:cTn>
+                              </p:par>
+                            </p:childTnLst>
+                          </p:cTn>
+                        </p:par>
+                        <p:par>
+                          <p:cTn id="97" fill="hold">
+                            <p:stCondLst>
+                              <p:cond delay="300"/>
+                            </p:stCondLst>
+                            <p:childTnLst>
+                              <p:par>
+                                <p:cTn id="98" presetID="1" presetClass="entr" presetSubtype="0" fill="hold" grpId="0" nodeType="afterEffect">
+                                  <p:stCondLst>
+                                    <p:cond delay="0"/>
+                                  </p:stCondLst>
+                                  <p:childTnLst>
+                                    <p:set>
+                                      <p:cBhvr>
+                                        <p:cTn id="99" dur="1" fill="hold">
+                                          <p:stCondLst>
+                                            <p:cond delay="0"/>
+                                          </p:stCondLst>
+                                        </p:cTn>
+                                        <p:tgtEl>
+                                          <p:spTgt spid="30"/>
+                                        </p:tgtEl>
+                                        <p:attrNameLst>
+                                          <p:attrName>style.visibility</p:attrName>
+                                        </p:attrNameLst>
+                                      </p:cBhvr>
+                                      <p:to>
+                                        <p:strVal val="visible"/>
+                                      </p:to>
+                                    </p:set>
+                                  </p:childTnLst>
+                                </p:cTn>
+                              </p:par>
+                              <p:par>
+                                <p:cTn id="100" presetID="1" presetClass="entr" presetSubtype="0" fill="hold" grpId="0" nodeType="withEffect">
+                                  <p:stCondLst>
+                                    <p:cond delay="0"/>
+                                  </p:stCondLst>
+                                  <p:childTnLst>
+                                    <p:set>
+                                      <p:cBhvr>
+                                        <p:cTn id="101" dur="1" fill="hold">
+                                          <p:stCondLst>
+                                            <p:cond delay="0"/>
+                                          </p:stCondLst>
+                                        </p:cTn>
+                                        <p:tgtEl>
+                                          <p:spTgt spid="31"/>
+                                        </p:tgtEl>
+                                        <p:attrNameLst>
+                                          <p:attrName>style.visibility</p:attrName>
+                                        </p:attrNameLst>
+                                      </p:cBhvr>
+                                      <p:to>
+                                        <p:strVal val="visible"/>
+                                      </p:to>
+                                    </p:set>
+                                  </p:childTnLst>
+                                </p:cTn>
+                              </p:par>
+                            </p:childTnLst>
+                          </p:cTn>
+                        </p:par>
+                      </p:childTnLst>
+                    </p:cTn>
+                  </p:par>
+                  <p:par>
+                    <p:cTn id="102" fill="hold">
+                      <p:stCondLst>
+                        <p:cond delay="indefinite"/>
+                      </p:stCondLst>
+                      <p:childTnLst>
+                        <p:par>
+                          <p:cTn id="103" fill="hold">
+                            <p:stCondLst>
+                              <p:cond delay="0"/>
+                            </p:stCondLst>
+                            <p:childTnLst>
+                              <p:par>
+                                <p:cTn id="104" presetID="10" presetClass="entr" presetSubtype="0" fill="hold" grpId="0" nodeType="clickEffect">
+                                  <p:stCondLst>
+                                    <p:cond delay="0"/>
+                                  </p:stCondLst>
+                                  <p:childTnLst>
+                                    <p:set>
+                                      <p:cBhvr>
+                                        <p:cTn id="105" dur="1" fill="hold">
+                                          <p:stCondLst>
+                                            <p:cond delay="0"/>
+                                          </p:stCondLst>
+                                        </p:cTn>
+                                        <p:tgtEl>
+                                          <p:spTgt spid="29"/>
+                                        </p:tgtEl>
+                                        <p:attrNameLst>
+                                          <p:attrName>style.visibility</p:attrName>
+                                        </p:attrNameLst>
+                                      </p:cBhvr>
+                                      <p:to>
+                                        <p:strVal val="visible"/>
+                                      </p:to>
+                                    </p:set>
+                                    <p:animEffect transition="in" filter="fade">
+                                      <p:cBhvr>
+                                        <p:cTn id="106" dur="500"/>
+                                        <p:tgtEl>
+                                          <p:spTgt spid="29"/>
+                                        </p:tgtEl>
+                                      </p:cBhvr>
+                                    </p:animEffect>
+                                  </p:childTnLst>
+                                </p:cTn>
+                              </p:par>
+                            </p:childTnLst>
+                          </p:cTn>
+                        </p:par>
+                      </p:childTnLst>
+                    </p:cTn>
+                  </p:par>
+                  <p:par>
+                    <p:cTn id="107" fill="hold">
+                      <p:stCondLst>
+                        <p:cond delay="indefinite"/>
+                      </p:stCondLst>
+                      <p:childTnLst>
+                        <p:par>
+                          <p:cTn id="108" fill="hold">
+                            <p:stCondLst>
+                              <p:cond delay="0"/>
+                            </p:stCondLst>
+                            <p:childTnLst>
+                              <p:par>
+                                <p:cTn id="109" presetID="1" presetClass="entr" presetSubtype="0" fill="hold" grpId="0" nodeType="clickEffect">
+                                  <p:stCondLst>
+                                    <p:cond delay="0"/>
+                                  </p:stCondLst>
+                                  <p:childTnLst>
+                                    <p:set>
+                                      <p:cBhvr>
+                                        <p:cTn id="110" dur="1" fill="hold">
+                                          <p:stCondLst>
+                                            <p:cond delay="0"/>
+                                          </p:stCondLst>
+                                        </p:cTn>
+                                        <p:tgtEl>
+                                          <p:spTgt spid="40"/>
+                                        </p:tgtEl>
+                                        <p:attrNameLst>
+                                          <p:attrName>style.visibility</p:attrName>
+                                        </p:attrNameLst>
+                                      </p:cBhvr>
+                                      <p:to>
+                                        <p:strVal val="visible"/>
+                                      </p:to>
+                                    </p:set>
+                                  </p:childTnLst>
+                                </p:cTn>
+                              </p:par>
+                            </p:childTnLst>
+                          </p:cTn>
+                        </p:par>
+                      </p:childTnLst>
+                    </p:cTn>
+                  </p:par>
+                  <p:par>
+                    <p:cTn id="111" fill="hold">
+                      <p:stCondLst>
+                        <p:cond delay="indefinite"/>
+                      </p:stCondLst>
+                      <p:childTnLst>
+                        <p:par>
+                          <p:cTn id="112" fill="hold">
+                            <p:stCondLst>
+                              <p:cond delay="0"/>
+                            </p:stCondLst>
+                            <p:childTnLst>
+                              <p:par>
+                                <p:cTn id="113" presetID="1" presetClass="exit" presetSubtype="0" fill="hold" grpId="1" nodeType="clickEffect">
+                                  <p:stCondLst>
+                                    <p:cond delay="0"/>
+                                  </p:stCondLst>
+                                  <p:childTnLst>
+                                    <p:set>
+                                      <p:cBhvr>
+                                        <p:cTn id="114" dur="1" fill="hold">
+                                          <p:stCondLst>
+                                            <p:cond delay="0"/>
+                                          </p:stCondLst>
+                                        </p:cTn>
+                                        <p:tgtEl>
+                                          <p:spTgt spid="30"/>
+                                        </p:tgtEl>
+                                        <p:attrNameLst>
+                                          <p:attrName>style.visibility</p:attrName>
+                                        </p:attrNameLst>
+                                      </p:cBhvr>
+                                      <p:to>
+                                        <p:strVal val="hidden"/>
+                                      </p:to>
+                                    </p:set>
+                                  </p:childTnLst>
+                                </p:cTn>
+                              </p:par>
+                              <p:par>
+                                <p:cTn id="115" presetID="1" presetClass="exit" presetSubtype="0" fill="hold" grpId="1" nodeType="withEffect">
+                                  <p:stCondLst>
+                                    <p:cond delay="0"/>
+                                  </p:stCondLst>
+                                  <p:childTnLst>
+                                    <p:set>
+                                      <p:cBhvr>
+                                        <p:cTn id="116" dur="1" fill="hold">
+                                          <p:stCondLst>
+                                            <p:cond delay="0"/>
+                                          </p:stCondLst>
+                                        </p:cTn>
+                                        <p:tgtEl>
+                                          <p:spTgt spid="3"/>
+                                        </p:tgtEl>
+                                        <p:attrNameLst>
+                                          <p:attrName>style.visibility</p:attrName>
+                                        </p:attrNameLst>
+                                      </p:cBhvr>
+                                      <p:to>
+                                        <p:strVal val="hidden"/>
+                                      </p:to>
+                                    </p:set>
+                                  </p:childTnLst>
+                                </p:cTn>
+                              </p:par>
+                              <p:par>
+                                <p:cTn id="117" presetID="1" presetClass="exit" presetSubtype="0" fill="hold" grpId="1" nodeType="withEffect">
+                                  <p:stCondLst>
+                                    <p:cond delay="0"/>
+                                  </p:stCondLst>
+                                  <p:childTnLst>
+                                    <p:set>
+                                      <p:cBhvr>
+                                        <p:cTn id="118" dur="1" fill="hold">
+                                          <p:stCondLst>
+                                            <p:cond delay="0"/>
+                                          </p:stCondLst>
+                                        </p:cTn>
+                                        <p:tgtEl>
+                                          <p:spTgt spid="31"/>
+                                        </p:tgtEl>
+                                        <p:attrNameLst>
+                                          <p:attrName>style.visibility</p:attrName>
+                                        </p:attrNameLst>
+                                      </p:cBhvr>
+                                      <p:to>
+                                        <p:strVal val="hidden"/>
+                                      </p:to>
+                                    </p:set>
+                                  </p:childTnLst>
+                                </p:cTn>
+                              </p:par>
+                              <p:par>
+                                <p:cTn id="119" presetID="1" presetClass="exit" presetSubtype="0" fill="hold" grpId="1" nodeType="withEffect">
+                                  <p:stCondLst>
+                                    <p:cond delay="0"/>
+                                  </p:stCondLst>
+                                  <p:childTnLst>
+                                    <p:set>
+                                      <p:cBhvr>
+                                        <p:cTn id="120" dur="1" fill="hold">
+                                          <p:stCondLst>
+                                            <p:cond delay="0"/>
+                                          </p:stCondLst>
+                                        </p:cTn>
+                                        <p:tgtEl>
+                                          <p:spTgt spid="29"/>
+                                        </p:tgtEl>
+                                        <p:attrNameLst>
+                                          <p:attrName>style.visibility</p:attrName>
+                                        </p:attrNameLst>
+                                      </p:cBhvr>
+                                      <p:to>
+                                        <p:strVal val="hidden"/>
+                                      </p:to>
+                                    </p:set>
+                                  </p:childTnLst>
+                                </p:cTn>
+                              </p:par>
+                              <p:par>
+                                <p:cTn id="121" presetID="1" presetClass="exit" presetSubtype="0" fill="hold" grpId="1" nodeType="withEffect">
+                                  <p:stCondLst>
+                                    <p:cond delay="0"/>
+                                  </p:stCondLst>
+                                  <p:childTnLst>
+                                    <p:set>
+                                      <p:cBhvr>
+                                        <p:cTn id="122" dur="1" fill="hold">
+                                          <p:stCondLst>
+                                            <p:cond delay="0"/>
+                                          </p:stCondLst>
+                                        </p:cTn>
+                                        <p:tgtEl>
+                                          <p:spTgt spid="40"/>
+                                        </p:tgtEl>
+                                        <p:attrNameLst>
+                                          <p:attrName>style.visibility</p:attrName>
+                                        </p:attrNameLst>
+                                      </p:cBhvr>
+                                      <p:to>
+                                        <p:strVal val="hidden"/>
+                                      </p:to>
+                                    </p:set>
+                                  </p:childTnLst>
+                                </p:cTn>
+                              </p:par>
+                              <p:par>
+                                <p:cTn id="123" presetID="31" presetClass="exit" presetSubtype="0" fill="hold" nodeType="withEffect">
+                                  <p:stCondLst>
+                                    <p:cond delay="0"/>
+                                  </p:stCondLst>
+                                  <p:childTnLst>
+                                    <p:anim calcmode="lin" valueType="num">
+                                      <p:cBhvr>
+                                        <p:cTn id="124" dur="500"/>
+                                        <p:tgtEl>
+                                          <p:spTgt spid="27"/>
+                                        </p:tgtEl>
+                                        <p:attrNameLst>
+                                          <p:attrName>ppt_w</p:attrName>
+                                        </p:attrNameLst>
+                                      </p:cBhvr>
+                                      <p:tavLst>
+                                        <p:tav tm="0">
+                                          <p:val>
+                                            <p:strVal val="ppt_w"/>
+                                          </p:val>
+                                        </p:tav>
+                                        <p:tav tm="100000">
+                                          <p:val>
+                                            <p:fltVal val="0"/>
+                                          </p:val>
+                                        </p:tav>
+                                      </p:tavLst>
+                                    </p:anim>
+                                    <p:anim calcmode="lin" valueType="num">
+                                      <p:cBhvr>
+                                        <p:cTn id="125" dur="500"/>
+                                        <p:tgtEl>
+                                          <p:spTgt spid="27"/>
+                                        </p:tgtEl>
+                                        <p:attrNameLst>
+                                          <p:attrName>ppt_h</p:attrName>
+                                        </p:attrNameLst>
+                                      </p:cBhvr>
+                                      <p:tavLst>
+                                        <p:tav tm="0">
+                                          <p:val>
+                                            <p:strVal val="ppt_h"/>
+                                          </p:val>
+                                        </p:tav>
+                                        <p:tav tm="100000">
+                                          <p:val>
+                                            <p:fltVal val="0"/>
+                                          </p:val>
+                                        </p:tav>
+                                      </p:tavLst>
+                                    </p:anim>
+                                    <p:anim calcmode="lin" valueType="num">
+                                      <p:cBhvr>
+                                        <p:cTn id="126" dur="500"/>
+                                        <p:tgtEl>
+                                          <p:spTgt spid="27"/>
+                                        </p:tgtEl>
+                                        <p:attrNameLst>
+                                          <p:attrName>style.rotation</p:attrName>
+                                        </p:attrNameLst>
+                                      </p:cBhvr>
+                                      <p:tavLst>
+                                        <p:tav tm="0">
+                                          <p:val>
+                                            <p:fltVal val="0"/>
+                                          </p:val>
+                                        </p:tav>
+                                        <p:tav tm="100000">
+                                          <p:val>
+                                            <p:fltVal val="90"/>
+                                          </p:val>
+                                        </p:tav>
+                                      </p:tavLst>
+                                    </p:anim>
+                                    <p:animEffect transition="out" filter="fade">
+                                      <p:cBhvr>
+                                        <p:cTn id="127" dur="500"/>
+                                        <p:tgtEl>
+                                          <p:spTgt spid="27"/>
+                                        </p:tgtEl>
+                                      </p:cBhvr>
+                                    </p:animEffect>
+                                    <p:set>
+                                      <p:cBhvr>
+                                        <p:cTn id="128" dur="1" fill="hold">
+                                          <p:stCondLst>
+                                            <p:cond delay="499"/>
+                                          </p:stCondLst>
+                                        </p:cTn>
+                                        <p:tgtEl>
+                                          <p:spTgt spid="27"/>
+                                        </p:tgtEl>
+                                        <p:attrNameLst>
+                                          <p:attrName>style.visibility</p:attrName>
+                                        </p:attrNameLst>
+                                      </p:cBhvr>
+                                      <p:to>
+                                        <p:strVal val="hidden"/>
+                                      </p:to>
+                                    </p:set>
+                                  </p:childTnLst>
+                                </p:cTn>
+                              </p:par>
+                            </p:childTnLst>
+                          </p:cTn>
+                        </p:par>
+                      </p:childTnLst>
+                    </p:cTn>
+                  </p:par>
+                </p:childTnLst>
+              </p:cTn>
+              <p:prevCondLst>
+                <p:cond evt="onPrev" delay="0">
+                  <p:tgtEl>
+                    <p:sldTgt/>
+                  </p:tgtEl>
+                </p:cond>
+              </p:prevCondLst>
+              <p:nextCondLst>
+                <p:cond evt="onNext" delay="0">
+                  <p:tgtEl>
+                    <p:sldTgt/>
+                  </p:tgtEl>
+                </p:cond>
+              </p:nextCondLst>
+            </p:seq>
+          </p:childTnLst>
+        </p:cTn>
+      </p:par>
+    </p:tnLst>
+    <p:bldLst>
+      <p:bldP spid="3" grpId="0" animBg="1"/>
+      <p:bldP spid="3" grpId="1" animBg="1"/>
+      <p:bldP spid="10" grpId="0" animBg="1"/>
+      <p:bldP spid="10" grpId="1" animBg="1"/>
+      <p:bldP spid="19" grpId="0" animBg="1"/>
+      <p:bldP spid="19" grpId="1" animBg="1"/>
+      <p:bldP spid="20" grpId="0" animBg="1"/>
+      <p:bldP spid="20" grpId="1" animBg="1"/>
+      <p:bldP spid="30" grpId="0" animBg="1"/>
+      <p:bldP spid="30" grpId="1" animBg="1"/>
+      <p:bldP spid="31" grpId="0" animBg="1"/>
+      <p:bldP spid="31" grpId="1" animBg="1"/>
+      <p:bldP spid="29" grpId="0" animBg="1"/>
+      <p:bldP spid="29" grpId="1" animBg="1"/>
+      <p:bldP spid="32" grpId="0" animBg="1"/>
+      <p:bldP spid="32" grpId="1" animBg="1"/>
+      <p:bldP spid="34" grpId="0" animBg="1"/>
+      <p:bldP spid="34" grpId="1" animBg="1"/>
+      <p:bldP spid="35" grpId="0" animBg="1"/>
+      <p:bldP spid="35" grpId="1" animBg="1"/>
+      <p:bldP spid="36" grpId="0" animBg="1"/>
+      <p:bldP spid="36" grpId="1" animBg="1"/>
+      <p:bldP spid="37" grpId="0" animBg="1"/>
+      <p:bldP spid="37" grpId="1" animBg="1"/>
+      <p:bldP spid="40" grpId="0" animBg="1"/>
+      <p:bldP spid="40" grpId="1" animBg="1"/>
+    </p:bldLst>
+  </p:timing>
 </p:sld>
 </file>
 

--- a/docker/05_Dockerfiles.pptx
+++ b/docker/05_Dockerfiles.pptx
@@ -5,10 +5,10 @@
     <p:sldMasterId id="2147483733" r:id="rId1"/>
   </p:sldMasterIdLst>
   <p:notesMasterIdLst>
-    <p:notesMasterId r:id="rId12"/>
+    <p:notesMasterId r:id="rId13"/>
   </p:notesMasterIdLst>
   <p:handoutMasterIdLst>
-    <p:handoutMasterId r:id="rId13"/>
+    <p:handoutMasterId r:id="rId14"/>
   </p:handoutMasterIdLst>
   <p:sldIdLst>
     <p:sldId id="434" r:id="rId2"/>
@@ -20,7 +20,8 @@
     <p:sldId id="439" r:id="rId8"/>
     <p:sldId id="440" r:id="rId9"/>
     <p:sldId id="442" r:id="rId10"/>
-    <p:sldId id="265" r:id="rId11"/>
+    <p:sldId id="464" r:id="rId11"/>
+    <p:sldId id="265" r:id="rId12"/>
   </p:sldIdLst>
   <p:sldSz cx="12195175" cy="6858000"/>
   <p:notesSz cx="6858000" cy="9144000"/>
@@ -196,10 +197,6 @@
 </p:presentation>
 </file>
 
-<file path=ppt/revisionInfo.xml><?xml version="1.0" encoding="utf-8"?>
-<p1510:revInfo xmlns:a="http://schemas.openxmlformats.org/drawingml/2006/main" xmlns:r="http://schemas.openxmlformats.org/officeDocument/2006/relationships" xmlns:p1510="http://schemas.microsoft.com/office/powerpoint/2015/10/main"/>
-</file>
-
 <file path=ppt/handoutMasters/handoutMaster1.xml><?xml version="1.0" encoding="utf-8"?>
 <p:handoutMaster xmlns:a="http://schemas.openxmlformats.org/drawingml/2006/main" xmlns:r="http://schemas.openxmlformats.org/officeDocument/2006/relationships" xmlns:p="http://schemas.openxmlformats.org/presentationml/2006/main">
   <p:cSld>
@@ -547,6 +544,37 @@
       </p:grpSpPr>
       <p:sp>
         <p:nvSpPr>
+          <p:cNvPr id="2" name="Slide Image Placeholder 1"/>
+          <p:cNvSpPr>
+            <a:spLocks noGrp="1" noRot="1" noChangeAspect="1"/>
+          </p:cNvSpPr>
+          <p:nvPr>
+            <p:ph type="sldImg"/>
+          </p:nvPr>
+        </p:nvSpPr>
+        <p:spPr/>
+      </p:sp>
+      <p:sp>
+        <p:nvSpPr>
+          <p:cNvPr id="3" name="Notes Placeholder 2"/>
+          <p:cNvSpPr>
+            <a:spLocks noGrp="1"/>
+          </p:cNvSpPr>
+          <p:nvPr>
+            <p:ph type="body" idx="1"/>
+          </p:nvPr>
+        </p:nvSpPr>
+        <p:spPr/>
+        <p:txBody>
+          <a:bodyPr/>
+          <a:lstStyle/>
+          <a:p>
+            <a:endParaRPr lang="en-US" dirty="0"/>
+          </a:p>
+        </p:txBody>
+      </p:sp>
+      <p:sp>
+        <p:nvSpPr>
           <p:cNvPr id="4" name="Slide Number Placeholder 3"/>
           <p:cNvSpPr>
             <a:spLocks noGrp="1"/>
@@ -564,6 +592,60 @@
               <a:rPr lang="de-DE" smtClean="0"/>
               <a:pPr/>
               <a:t>10</a:t>
+            </a:fld>
+            <a:endParaRPr lang="de-DE" dirty="0"/>
+          </a:p>
+        </p:txBody>
+      </p:sp>
+    </p:spTree>
+    <p:extLst>
+      <p:ext uri="{BB962C8B-B14F-4D97-AF65-F5344CB8AC3E}">
+        <p14:creationId xmlns:p14="http://schemas.microsoft.com/office/powerpoint/2010/main" val="3108651409"/>
+      </p:ext>
+    </p:extLst>
+  </p:cSld>
+  <p:clrMapOvr>
+    <a:masterClrMapping/>
+  </p:clrMapOvr>
+</p:notes>
+</file>
+
+<file path=ppt/notesSlides/notesSlide2.xml><?xml version="1.0" encoding="utf-8"?>
+<p:notes xmlns:a="http://schemas.openxmlformats.org/drawingml/2006/main" xmlns:r="http://schemas.openxmlformats.org/officeDocument/2006/relationships" xmlns:p="http://schemas.openxmlformats.org/presentationml/2006/main">
+  <p:cSld>
+    <p:spTree>
+      <p:nvGrpSpPr>
+        <p:cNvPr id="1" name=""/>
+        <p:cNvGrpSpPr/>
+        <p:nvPr/>
+      </p:nvGrpSpPr>
+      <p:grpSpPr>
+        <a:xfrm>
+          <a:off x="0" y="0"/>
+          <a:ext cx="0" cy="0"/>
+          <a:chOff x="0" y="0"/>
+          <a:chExt cx="0" cy="0"/>
+        </a:xfrm>
+      </p:grpSpPr>
+      <p:sp>
+        <p:nvSpPr>
+          <p:cNvPr id="4" name="Slide Number Placeholder 3"/>
+          <p:cNvSpPr>
+            <a:spLocks noGrp="1"/>
+          </p:cNvSpPr>
+          <p:nvPr>
+            <p:ph type="sldNum" sz="quarter" idx="10"/>
+          </p:nvPr>
+        </p:nvSpPr>
+        <p:spPr/>
+        <p:txBody>
+          <a:bodyPr/>
+          <a:lstStyle/>
+          <a:p>
+            <a:fld id="{7D8C2C35-2B8A-446E-BEC0-FD36716C29AC}" type="slidenum">
+              <a:rPr lang="de-DE" smtClean="0"/>
+              <a:pPr/>
+              <a:t>11</a:t>
             </a:fld>
             <a:endParaRPr lang="de-DE" dirty="0"/>
           </a:p>
@@ -8165,6 +8247,99 @@
 </file>
 
 <file path=ppt/slides/slide10.xml><?xml version="1.0" encoding="utf-8"?>
+<p:sld xmlns:a="http://schemas.openxmlformats.org/drawingml/2006/main" xmlns:r="http://schemas.openxmlformats.org/officeDocument/2006/relationships" xmlns:p="http://schemas.openxmlformats.org/presentationml/2006/main">
+  <p:cSld>
+    <p:spTree>
+      <p:nvGrpSpPr>
+        <p:cNvPr id="1" name=""/>
+        <p:cNvGrpSpPr/>
+        <p:nvPr/>
+      </p:nvGrpSpPr>
+      <p:grpSpPr>
+        <a:xfrm>
+          <a:off x="0" y="0"/>
+          <a:ext cx="0" cy="0"/>
+          <a:chOff x="0" y="0"/>
+          <a:chExt cx="0" cy="0"/>
+        </a:xfrm>
+      </p:grpSpPr>
+      <p:sp>
+        <p:nvSpPr>
+          <p:cNvPr id="4" name="Title 3">
+            <a:extLst>
+              <a:ext uri="{FF2B5EF4-FFF2-40B4-BE49-F238E27FC236}">
+                <a16:creationId xmlns:a16="http://schemas.microsoft.com/office/drawing/2014/main" id="{96BEB1A8-C9D3-4723-A64F-42E02E22325A}"/>
+              </a:ext>
+            </a:extLst>
+          </p:cNvPr>
+          <p:cNvSpPr>
+            <a:spLocks noGrp="1"/>
+          </p:cNvSpPr>
+          <p:nvPr>
+            <p:ph type="title"/>
+          </p:nvPr>
+        </p:nvSpPr>
+        <p:spPr/>
+        <p:txBody>
+          <a:bodyPr/>
+          <a:lstStyle/>
+          <a:p>
+            <a:r>
+              <a:rPr lang="en-US" dirty="0"/>
+              <a:t>Exercise #5  &amp; #6 – </a:t>
+            </a:r>
+            <a:r>
+              <a:rPr lang="en-US" dirty="0" err="1"/>
+              <a:t>Dockerfiles</a:t>
+            </a:r>
+            <a:endParaRPr lang="en-US" dirty="0"/>
+          </a:p>
+        </p:txBody>
+      </p:sp>
+      <p:pic>
+        <p:nvPicPr>
+          <p:cNvPr id="8" name="Picture 7">
+            <a:extLst>
+              <a:ext uri="{FF2B5EF4-FFF2-40B4-BE49-F238E27FC236}">
+                <a16:creationId xmlns:a16="http://schemas.microsoft.com/office/drawing/2014/main" id="{D6B8C527-073F-471B-A282-22B63876CA6B}"/>
+              </a:ext>
+            </a:extLst>
+          </p:cNvPr>
+          <p:cNvPicPr>
+            <a:picLocks noChangeAspect="1"/>
+          </p:cNvPicPr>
+          <p:nvPr/>
+        </p:nvPicPr>
+        <p:blipFill>
+          <a:blip r:embed="rId3"/>
+          <a:stretch>
+            <a:fillRect/>
+          </a:stretch>
+        </p:blipFill>
+        <p:spPr>
+          <a:xfrm>
+            <a:off x="4571712" y="1903473"/>
+            <a:ext cx="3051054" cy="3051054"/>
+          </a:xfrm>
+          <a:prstGeom prst="rect">
+            <a:avLst/>
+          </a:prstGeom>
+        </p:spPr>
+      </p:pic>
+    </p:spTree>
+    <p:extLst>
+      <p:ext uri="{BB962C8B-B14F-4D97-AF65-F5344CB8AC3E}">
+        <p14:creationId xmlns:p14="http://schemas.microsoft.com/office/powerpoint/2010/main" val="2452954820"/>
+      </p:ext>
+    </p:extLst>
+  </p:cSld>
+  <p:clrMapOvr>
+    <a:masterClrMapping/>
+  </p:clrMapOvr>
+</p:sld>
+</file>
+
+<file path=ppt/slides/slide11.xml><?xml version="1.0" encoding="utf-8"?>
 <p:sld xmlns:a="http://schemas.openxmlformats.org/drawingml/2006/main" xmlns:r="http://schemas.openxmlformats.org/officeDocument/2006/relationships" xmlns:p="http://schemas.openxmlformats.org/presentationml/2006/main" show="0">
   <p:cSld>
     <p:spTree>

--- a/docker/05_Dockerfiles.pptx
+++ b/docker/05_Dockerfiles.pptx
@@ -15782,7 +15782,7 @@
         <p:spPr>
           <a:xfrm>
             <a:off x="504000" y="1506788"/>
-            <a:ext cx="5328000" cy="2081143"/>
+            <a:ext cx="5328000" cy="2074611"/>
           </a:xfrm>
         </p:spPr>
         <p:txBody>
@@ -15799,21 +15799,6 @@
             <a:r>
               <a:rPr lang="en-US" dirty="0"/>
               <a:t>specifies the command to run when a container is created from the image</a:t>
-            </a:r>
-          </a:p>
-          <a:p>
-            <a:pPr lvl="1"/>
-            <a:r>
-              <a:rPr lang="en-US" dirty="0"/>
-              <a:t>is executed by a shell (/bin/</a:t>
-            </a:r>
-            <a:r>
-              <a:rPr lang="en-US" dirty="0" err="1"/>
-              <a:t>sh</a:t>
-            </a:r>
-            <a:r>
-              <a:rPr lang="en-US" dirty="0"/>
-              <a:t>)</a:t>
             </a:r>
           </a:p>
           <a:p>
@@ -16070,7 +16055,7 @@
             <a:pPr lvl="2"/>
             <a:r>
               <a:rPr lang="en-US" sz="1400" dirty="0"/>
-              <a:t>will run a hello-world program when the container is started</a:t>
+              <a:t>will run a hello-world program when the container is started. This form is executed in a shell</a:t>
             </a:r>
           </a:p>
           <a:p>
@@ -16121,9 +16106,13 @@
             </a:r>
             <a:r>
               <a:rPr lang="en-US" sz="1400" i="1" dirty="0"/>
-              <a:t>“daemon off;”</a:t>
-            </a:r>
-            <a:endParaRPr lang="en-US" sz="1400" b="1" i="1" dirty="0"/>
+              <a:t>“daemon off;” </a:t>
+            </a:r>
+            <a:r>
+              <a:rPr lang="en-US" sz="1400" dirty="0"/>
+              <a:t>This form is directly executed via a system call (without shell)</a:t>
+            </a:r>
+            <a:endParaRPr lang="en-US" sz="1400" b="1" dirty="0"/>
           </a:p>
         </p:txBody>
       </p:sp>
@@ -16322,7 +16311,15 @@
             <a:pPr lvl="1"/>
             <a:r>
               <a:rPr lang="en-US" dirty="0"/>
-              <a:t>cannot be overridden</a:t>
+              <a:t>can be overridden with the option “--</a:t>
+            </a:r>
+            <a:r>
+              <a:rPr lang="en-US" dirty="0" err="1"/>
+              <a:t>entrypoint</a:t>
+            </a:r>
+            <a:r>
+              <a:rPr lang="en-US" dirty="0"/>
+              <a:t>”.</a:t>
             </a:r>
           </a:p>
         </p:txBody>
@@ -16524,7 +16521,7 @@
                 <a:latin typeface="Courier New" panose="02070309020205020404" pitchFamily="49" charset="0"/>
                 <a:cs typeface="Courier New" panose="02070309020205020404" pitchFamily="49" charset="0"/>
               </a:rPr>
-              <a:t>ENTRYPOINT /</a:t>
+              <a:t>ENTRYPOINT [ /</a:t>
             </a:r>
             <a:r>
               <a:rPr lang="en-US" sz="1400" b="1" dirty="0" err="1">
@@ -16547,10 +16544,13 @@
               </a:rPr>
               <a:t>nginx</a:t>
             </a:r>
-            <a:endParaRPr lang="en-US" sz="1400" b="1" dirty="0">
-              <a:latin typeface="Courier New" panose="02070309020205020404" pitchFamily="49" charset="0"/>
-              <a:cs typeface="Courier New" panose="02070309020205020404" pitchFamily="49" charset="0"/>
-            </a:endParaRPr>
+            <a:r>
+              <a:rPr lang="en-US" sz="1400" b="1" dirty="0">
+                <a:latin typeface="Courier New" panose="02070309020205020404" pitchFamily="49" charset="0"/>
+                <a:cs typeface="Courier New" panose="02070309020205020404" pitchFamily="49" charset="0"/>
+              </a:rPr>
+              <a:t> ]</a:t>
+            </a:r>
           </a:p>
           <a:p>
             <a:pPr lvl="2"/>
@@ -16564,7 +16564,7 @@
             </a:r>
             <a:r>
               <a:rPr lang="en-US" sz="1400" dirty="0"/>
-              <a:t> directly without using a shell to start it</a:t>
+              <a:t> directly without using a shell to start it. (Note the brackets)</a:t>
             </a:r>
           </a:p>
           <a:p>

--- a/docker/05_Dockerfiles.pptx
+++ b/docker/05_Dockerfiles.pptx
@@ -16521,7 +16521,7 @@
                 <a:latin typeface="Courier New" panose="02070309020205020404" pitchFamily="49" charset="0"/>
                 <a:cs typeface="Courier New" panose="02070309020205020404" pitchFamily="49" charset="0"/>
               </a:rPr>
-              <a:t>ENTRYPOINT [ /</a:t>
+              <a:t>ENTRYPOINT [ "/</a:t>
             </a:r>
             <a:r>
               <a:rPr lang="en-US" sz="1400" b="1" dirty="0" err="1">
@@ -16549,7 +16549,7 @@
                 <a:latin typeface="Courier New" panose="02070309020205020404" pitchFamily="49" charset="0"/>
                 <a:cs typeface="Courier New" panose="02070309020205020404" pitchFamily="49" charset="0"/>
               </a:rPr>
-              <a:t> ]</a:t>
+              <a:t>" ]</a:t>
             </a:r>
           </a:p>
           <a:p>
